--- a/template.pptx
+++ b/template.pptx
@@ -149,7 +149,7 @@
           <a:p>
             <a:fld id="{039FF129-D28F-B745-8A0E-1C7179B7DED8}" type="datetimeFigureOut">
               <a:rPr lang="en-US" smtClean="0"/>
-              <a:t>2/14/18</a:t>
+              <a:t>2/16/18</a:t>
             </a:fld>
             <a:endParaRPr lang="en-US"/>
           </a:p>
@@ -338,6 +338,151 @@
 
 <file path=ppt/slideLayouts/slideLayout2.xml><?xml version="1.0" encoding="utf-8"?>
 <p:sldLayout xmlns:a="http://schemas.openxmlformats.org/drawingml/2006/main" xmlns:r="http://schemas.openxmlformats.org/officeDocument/2006/relationships" xmlns:p="http://schemas.openxmlformats.org/presentationml/2006/main" preserve="1" userDrawn="1">
+  <p:cSld name="DeliverableLayout">
+    <p:spTree>
+      <p:nvGrpSpPr>
+        <p:cNvPr id="1" name=""/>
+        <p:cNvGrpSpPr/>
+        <p:nvPr/>
+      </p:nvGrpSpPr>
+      <p:grpSpPr>
+        <a:xfrm>
+          <a:off x="0" y="0"/>
+          <a:ext cx="0" cy="0"/>
+          <a:chOff x="0" y="0"/>
+          <a:chExt cx="0" cy="0"/>
+        </a:xfrm>
+      </p:grpSpPr>
+      <p:sp>
+        <p:nvSpPr>
+          <p:cNvPr id="2" name="Title 1">
+            <a:extLst>
+              <a:ext uri="{FF2B5EF4-FFF2-40B4-BE49-F238E27FC236}">
+                <a16:creationId xmlns:a16="http://schemas.microsoft.com/office/drawing/2014/main" id="{A6D2FAAF-7CCD-1441-B775-92024F7C4C7F}"/>
+              </a:ext>
+            </a:extLst>
+          </p:cNvPr>
+          <p:cNvSpPr>
+            <a:spLocks noGrp="1"/>
+          </p:cNvSpPr>
+          <p:nvPr>
+            <p:ph type="title" hasCustomPrompt="1"/>
+          </p:nvPr>
+        </p:nvSpPr>
+        <p:spPr/>
+        <p:txBody>
+          <a:bodyPr/>
+          <a:lstStyle/>
+          <a:p>
+            <a:r>
+              <a:rPr lang="en-US" dirty="0"/>
+              <a:t>Deliverables Tracking</a:t>
+            </a:r>
+          </a:p>
+        </p:txBody>
+      </p:sp>
+      <p:sp>
+        <p:nvSpPr>
+          <p:cNvPr id="3" name="Date Placeholder 2">
+            <a:extLst>
+              <a:ext uri="{FF2B5EF4-FFF2-40B4-BE49-F238E27FC236}">
+                <a16:creationId xmlns:a16="http://schemas.microsoft.com/office/drawing/2014/main" id="{F51F3F37-E435-8347-8B87-83FA1CE86985}"/>
+              </a:ext>
+            </a:extLst>
+          </p:cNvPr>
+          <p:cNvSpPr>
+            <a:spLocks noGrp="1"/>
+          </p:cNvSpPr>
+          <p:nvPr>
+            <p:ph type="dt" sz="half" idx="10"/>
+          </p:nvPr>
+        </p:nvSpPr>
+        <p:spPr/>
+        <p:txBody>
+          <a:bodyPr/>
+          <a:lstStyle/>
+          <a:p>
+            <a:fld id="{039FF129-D28F-B745-8A0E-1C7179B7DED8}" type="datetimeFigureOut">
+              <a:rPr lang="en-US" smtClean="0"/>
+              <a:t>2/16/18</a:t>
+            </a:fld>
+            <a:endParaRPr lang="en-US"/>
+          </a:p>
+        </p:txBody>
+      </p:sp>
+      <p:sp>
+        <p:nvSpPr>
+          <p:cNvPr id="4" name="Footer Placeholder 3">
+            <a:extLst>
+              <a:ext uri="{FF2B5EF4-FFF2-40B4-BE49-F238E27FC236}">
+                <a16:creationId xmlns:a16="http://schemas.microsoft.com/office/drawing/2014/main" id="{E9453B2C-800A-A64F-B0AB-6539C8AC5B11}"/>
+              </a:ext>
+            </a:extLst>
+          </p:cNvPr>
+          <p:cNvSpPr>
+            <a:spLocks noGrp="1"/>
+          </p:cNvSpPr>
+          <p:nvPr>
+            <p:ph type="ftr" sz="quarter" idx="11"/>
+          </p:nvPr>
+        </p:nvSpPr>
+        <p:spPr/>
+        <p:txBody>
+          <a:bodyPr/>
+          <a:lstStyle/>
+          <a:p>
+            <a:r>
+              <a:rPr lang="en-US"/>
+              <a:t>Nokia Shanghai Bell Internal Use Only</a:t>
+            </a:r>
+            <a:endParaRPr lang="en-US" dirty="0"/>
+          </a:p>
+        </p:txBody>
+      </p:sp>
+      <p:sp>
+        <p:nvSpPr>
+          <p:cNvPr id="5" name="Slide Number Placeholder 4">
+            <a:extLst>
+              <a:ext uri="{FF2B5EF4-FFF2-40B4-BE49-F238E27FC236}">
+                <a16:creationId xmlns:a16="http://schemas.microsoft.com/office/drawing/2014/main" id="{C3B3735B-2B97-9A4E-8DDE-AA1B4EE1CC7D}"/>
+              </a:ext>
+            </a:extLst>
+          </p:cNvPr>
+          <p:cNvSpPr>
+            <a:spLocks noGrp="1"/>
+          </p:cNvSpPr>
+          <p:nvPr>
+            <p:ph type="sldNum" sz="quarter" idx="12"/>
+          </p:nvPr>
+        </p:nvSpPr>
+        <p:spPr/>
+        <p:txBody>
+          <a:bodyPr/>
+          <a:lstStyle/>
+          <a:p>
+            <a:fld id="{D4B419E6-0F84-424E-9C00-8F65FF46AA40}" type="slidenum">
+              <a:rPr lang="en-US" smtClean="0"/>
+              <a:t>‹#›</a:t>
+            </a:fld>
+            <a:endParaRPr lang="en-US" dirty="0"/>
+          </a:p>
+        </p:txBody>
+      </p:sp>
+    </p:spTree>
+    <p:extLst>
+      <p:ext uri="{BB962C8B-B14F-4D97-AF65-F5344CB8AC3E}">
+        <p14:creationId xmlns:p14="http://schemas.microsoft.com/office/powerpoint/2010/main" val="1321832752"/>
+      </p:ext>
+    </p:extLst>
+  </p:cSld>
+  <p:clrMapOvr>
+    <a:masterClrMapping/>
+  </p:clrMapOvr>
+</p:sldLayout>
+</file>
+
+<file path=ppt/slideLayouts/slideLayout3.xml><?xml version="1.0" encoding="utf-8"?>
+<p:sldLayout xmlns:a="http://schemas.openxmlformats.org/drawingml/2006/main" xmlns:r="http://schemas.openxmlformats.org/officeDocument/2006/relationships" xmlns:p="http://schemas.openxmlformats.org/presentationml/2006/main" preserve="1" userDrawn="1">
   <p:cSld name="Custom Layout">
     <p:spTree>
       <p:nvGrpSpPr>
@@ -408,7 +553,7 @@
           <a:p>
             <a:fld id="{039FF129-D28F-B745-8A0E-1C7179B7DED8}" type="datetimeFigureOut">
               <a:rPr lang="en-US" smtClean="0"/>
-              <a:t>2/14/18</a:t>
+              <a:t>2/16/18</a:t>
             </a:fld>
             <a:endParaRPr lang="en-US"/>
           </a:p>
@@ -537,181 +682,6 @@
     <p:extLst>
       <p:ext uri="{BB962C8B-B14F-4D97-AF65-F5344CB8AC3E}">
         <p14:creationId xmlns:p14="http://schemas.microsoft.com/office/powerpoint/2010/main" val="2527013249"/>
-      </p:ext>
-    </p:extLst>
-  </p:cSld>
-  <p:clrMapOvr>
-    <a:masterClrMapping/>
-  </p:clrMapOvr>
-</p:sldLayout>
-</file>
-
-<file path=ppt/slideLayouts/slideLayout3.xml><?xml version="1.0" encoding="utf-8"?>
-<p:sldLayout xmlns:a="http://schemas.openxmlformats.org/drawingml/2006/main" xmlns:r="http://schemas.openxmlformats.org/officeDocument/2006/relationships" xmlns:p="http://schemas.openxmlformats.org/presentationml/2006/main" preserve="1" userDrawn="1">
-  <p:cSld name="DeliverableLayout">
-    <p:spTree>
-      <p:nvGrpSpPr>
-        <p:cNvPr id="1" name=""/>
-        <p:cNvGrpSpPr/>
-        <p:nvPr/>
-      </p:nvGrpSpPr>
-      <p:grpSpPr>
-        <a:xfrm>
-          <a:off x="0" y="0"/>
-          <a:ext cx="0" cy="0"/>
-          <a:chOff x="0" y="0"/>
-          <a:chExt cx="0" cy="0"/>
-        </a:xfrm>
-      </p:grpSpPr>
-      <p:sp>
-        <p:nvSpPr>
-          <p:cNvPr id="2" name="Title 1">
-            <a:extLst>
-              <a:ext uri="{FF2B5EF4-FFF2-40B4-BE49-F238E27FC236}">
-                <a16:creationId xmlns:a16="http://schemas.microsoft.com/office/drawing/2014/main" id="{A6D2FAAF-7CCD-1441-B775-92024F7C4C7F}"/>
-              </a:ext>
-            </a:extLst>
-          </p:cNvPr>
-          <p:cNvSpPr>
-            <a:spLocks noGrp="1"/>
-          </p:cNvSpPr>
-          <p:nvPr>
-            <p:ph type="title" hasCustomPrompt="1"/>
-          </p:nvPr>
-        </p:nvSpPr>
-        <p:spPr/>
-        <p:txBody>
-          <a:bodyPr/>
-          <a:lstStyle/>
-          <a:p>
-            <a:r>
-              <a:rPr lang="en-US" dirty="0"/>
-              <a:t>Deliverables Tracking</a:t>
-            </a:r>
-          </a:p>
-        </p:txBody>
-      </p:sp>
-      <p:sp>
-        <p:nvSpPr>
-          <p:cNvPr id="3" name="Date Placeholder 2">
-            <a:extLst>
-              <a:ext uri="{FF2B5EF4-FFF2-40B4-BE49-F238E27FC236}">
-                <a16:creationId xmlns:a16="http://schemas.microsoft.com/office/drawing/2014/main" id="{F51F3F37-E435-8347-8B87-83FA1CE86985}"/>
-              </a:ext>
-            </a:extLst>
-          </p:cNvPr>
-          <p:cNvSpPr>
-            <a:spLocks noGrp="1"/>
-          </p:cNvSpPr>
-          <p:nvPr>
-            <p:ph type="dt" sz="half" idx="10"/>
-          </p:nvPr>
-        </p:nvSpPr>
-        <p:spPr/>
-        <p:txBody>
-          <a:bodyPr/>
-          <a:lstStyle/>
-          <a:p>
-            <a:fld id="{039FF129-D28F-B745-8A0E-1C7179B7DED8}" type="datetimeFigureOut">
-              <a:rPr lang="en-US" smtClean="0"/>
-              <a:t>2/14/18</a:t>
-            </a:fld>
-            <a:endParaRPr lang="en-US"/>
-          </a:p>
-        </p:txBody>
-      </p:sp>
-      <p:sp>
-        <p:nvSpPr>
-          <p:cNvPr id="4" name="Footer Placeholder 3">
-            <a:extLst>
-              <a:ext uri="{FF2B5EF4-FFF2-40B4-BE49-F238E27FC236}">
-                <a16:creationId xmlns:a16="http://schemas.microsoft.com/office/drawing/2014/main" id="{E9453B2C-800A-A64F-B0AB-6539C8AC5B11}"/>
-              </a:ext>
-            </a:extLst>
-          </p:cNvPr>
-          <p:cNvSpPr>
-            <a:spLocks noGrp="1"/>
-          </p:cNvSpPr>
-          <p:nvPr>
-            <p:ph type="ftr" sz="quarter" idx="11"/>
-          </p:nvPr>
-        </p:nvSpPr>
-        <p:spPr/>
-        <p:txBody>
-          <a:bodyPr/>
-          <a:lstStyle/>
-          <a:p>
-            <a:r>
-              <a:rPr lang="en-US"/>
-              <a:t>Nokia Shanghai Bell Internal Use Only</a:t>
-            </a:r>
-            <a:endParaRPr lang="en-US" dirty="0"/>
-          </a:p>
-        </p:txBody>
-      </p:sp>
-      <p:sp>
-        <p:nvSpPr>
-          <p:cNvPr id="5" name="Slide Number Placeholder 4">
-            <a:extLst>
-              <a:ext uri="{FF2B5EF4-FFF2-40B4-BE49-F238E27FC236}">
-                <a16:creationId xmlns:a16="http://schemas.microsoft.com/office/drawing/2014/main" id="{C3B3735B-2B97-9A4E-8DDE-AA1B4EE1CC7D}"/>
-              </a:ext>
-            </a:extLst>
-          </p:cNvPr>
-          <p:cNvSpPr>
-            <a:spLocks noGrp="1"/>
-          </p:cNvSpPr>
-          <p:nvPr>
-            <p:ph type="sldNum" sz="quarter" idx="12"/>
-          </p:nvPr>
-        </p:nvSpPr>
-        <p:spPr/>
-        <p:txBody>
-          <a:bodyPr/>
-          <a:lstStyle/>
-          <a:p>
-            <a:fld id="{D4B419E6-0F84-424E-9C00-8F65FF46AA40}" type="slidenum">
-              <a:rPr lang="en-US" smtClean="0"/>
-              <a:t>‹#›</a:t>
-            </a:fld>
-            <a:endParaRPr lang="en-US" dirty="0"/>
-          </a:p>
-        </p:txBody>
-      </p:sp>
-      <p:sp>
-        <p:nvSpPr>
-          <p:cNvPr id="7" name="Table Placeholder 6">
-            <a:extLst>
-              <a:ext uri="{FF2B5EF4-FFF2-40B4-BE49-F238E27FC236}">
-                <a16:creationId xmlns:a16="http://schemas.microsoft.com/office/drawing/2014/main" id="{DB8C7B68-4C9C-E64E-8F7C-9183D476BA1E}"/>
-              </a:ext>
-            </a:extLst>
-          </p:cNvPr>
-          <p:cNvSpPr>
-            <a:spLocks noGrp="1"/>
-          </p:cNvSpPr>
-          <p:nvPr>
-            <p:ph type="tbl" sz="quarter" idx="13"/>
-          </p:nvPr>
-        </p:nvSpPr>
-        <p:spPr>
-          <a:xfrm>
-            <a:off x="838200" y="1222375"/>
-            <a:ext cx="10866438" cy="4822825"/>
-          </a:xfrm>
-        </p:spPr>
-        <p:txBody>
-          <a:bodyPr/>
-          <a:lstStyle/>
-          <a:p>
-            <a:endParaRPr lang="en-US"/>
-          </a:p>
-        </p:txBody>
-      </p:sp>
-    </p:spTree>
-    <p:extLst>
-      <p:ext uri="{BB962C8B-B14F-4D97-AF65-F5344CB8AC3E}">
-        <p14:creationId xmlns:p14="http://schemas.microsoft.com/office/powerpoint/2010/main" val="1321832752"/>
       </p:ext>
     </p:extLst>
   </p:cSld>
@@ -789,7 +759,7 @@
           <a:p>
             <a:fld id="{039FF129-D28F-B745-8A0E-1C7179B7DED8}" type="datetimeFigureOut">
               <a:rPr lang="en-US" smtClean="0"/>
-              <a:t>2/14/18</a:t>
+              <a:t>2/16/18</a:t>
             </a:fld>
             <a:endParaRPr lang="en-US"/>
           </a:p>
@@ -1921,7 +1891,7 @@
           <a:p>
             <a:fld id="{039FF129-D28F-B745-8A0E-1C7179B7DED8}" type="datetimeFigureOut">
               <a:rPr lang="en-US" smtClean="0"/>
-              <a:t>2/14/18</a:t>
+              <a:t>2/16/18</a:t>
             </a:fld>
             <a:endParaRPr lang="en-US"/>
           </a:p>
@@ -2064,8 +2034,8 @@
   <p:clrMap bg1="lt1" tx1="dk1" bg2="lt2" tx2="dk2" accent1="accent1" accent2="accent2" accent3="accent3" accent4="accent4" accent5="accent5" accent6="accent6" hlink="hlink" folHlink="folHlink"/>
   <p:sldLayoutIdLst>
     <p:sldLayoutId id="2147483650" r:id="rId1"/>
-    <p:sldLayoutId id="2147483651" r:id="rId2"/>
-    <p:sldLayoutId id="2147483652" r:id="rId3"/>
+    <p:sldLayoutId id="2147483652" r:id="rId2"/>
+    <p:sldLayoutId id="2147483651" r:id="rId3"/>
     <p:sldLayoutId id="2147483653" r:id="rId4"/>
   </p:sldLayoutIdLst>
   <p:txStyles>

--- a/template.pptx
+++ b/template.pptx
@@ -109,6 +109,10 @@
 </p:presentation>
 </file>
 
+<file path=ppt/revisionInfo.xml><?xml version="1.0" encoding="utf-8"?>
+<p1510:revInfo xmlns:a="http://schemas.openxmlformats.org/drawingml/2006/main" xmlns:r="http://schemas.openxmlformats.org/officeDocument/2006/relationships" xmlns:p1510="http://schemas.microsoft.com/office/powerpoint/2015/10/main"/>
+</file>
+
 <file path=ppt/slideLayouts/slideLayout1.xml><?xml version="1.0" encoding="utf-8"?>
 <p:sldLayout xmlns:a="http://schemas.openxmlformats.org/drawingml/2006/main" xmlns:r="http://schemas.openxmlformats.org/officeDocument/2006/relationships" xmlns:p="http://schemas.openxmlformats.org/presentationml/2006/main" preserve="1" userDrawn="1">
   <p:cSld name="CoverPageLayout">
@@ -149,7 +153,7 @@
           <a:p>
             <a:fld id="{039FF129-D28F-B745-8A0E-1C7179B7DED8}" type="datetimeFigureOut">
               <a:rPr lang="en-US" smtClean="0"/>
-              <a:t>2/16/18</a:t>
+              <a:t>3/20/2018</a:t>
             </a:fld>
             <a:endParaRPr lang="en-US"/>
           </a:p>
@@ -338,7 +342,7 @@
 
 <file path=ppt/slideLayouts/slideLayout2.xml><?xml version="1.0" encoding="utf-8"?>
 <p:sldLayout xmlns:a="http://schemas.openxmlformats.org/drawingml/2006/main" xmlns:r="http://schemas.openxmlformats.org/officeDocument/2006/relationships" xmlns:p="http://schemas.openxmlformats.org/presentationml/2006/main" preserve="1" userDrawn="1">
-  <p:cSld name="DeliverableLayout">
+  <p:cSld name="3_Custom Layout">
     <p:spTree>
       <p:nvGrpSpPr>
         <p:cNvPr id="1" name=""/>
@@ -358,7 +362,7 @@
           <p:cNvPr id="2" name="Title 1">
             <a:extLst>
               <a:ext uri="{FF2B5EF4-FFF2-40B4-BE49-F238E27FC236}">
-                <a16:creationId xmlns:a16="http://schemas.microsoft.com/office/drawing/2014/main" id="{A6D2FAAF-7CCD-1441-B775-92024F7C4C7F}"/>
+                <a16:creationId xmlns:a16="http://schemas.microsoft.com/office/drawing/2014/main" id="{5E81709F-09E7-4AEE-BC4B-CCBF8E04448A}"/>
               </a:ext>
             </a:extLst>
           </p:cNvPr>
@@ -372,12 +376,17 @@
         <p:spPr/>
         <p:txBody>
           <a:bodyPr/>
-          <a:lstStyle/>
+          <a:lstStyle>
+            <a:lvl1pPr>
+              <a:defRPr/>
+            </a:lvl1pPr>
+          </a:lstStyle>
           <a:p>
             <a:r>
-              <a:rPr lang="en-US" dirty="0"/>
+              <a:rPr lang="en-US" altLang="zh-CN" dirty="0"/>
               <a:t>Deliverables Tracking</a:t>
             </a:r>
+            <a:endParaRPr lang="zh-CN" altLang="en-US" dirty="0"/>
           </a:p>
         </p:txBody>
       </p:sp>
@@ -386,7 +395,7 @@
           <p:cNvPr id="3" name="Date Placeholder 2">
             <a:extLst>
               <a:ext uri="{FF2B5EF4-FFF2-40B4-BE49-F238E27FC236}">
-                <a16:creationId xmlns:a16="http://schemas.microsoft.com/office/drawing/2014/main" id="{F51F3F37-E435-8347-8B87-83FA1CE86985}"/>
+                <a16:creationId xmlns:a16="http://schemas.microsoft.com/office/drawing/2014/main" id="{D743226A-3BFC-4555-88E3-2BBFC5884BD4}"/>
               </a:ext>
             </a:extLst>
           </p:cNvPr>
@@ -404,7 +413,7 @@
           <a:p>
             <a:fld id="{039FF129-D28F-B745-8A0E-1C7179B7DED8}" type="datetimeFigureOut">
               <a:rPr lang="en-US" smtClean="0"/>
-              <a:t>2/16/18</a:t>
+              <a:t>3/20/2018</a:t>
             </a:fld>
             <a:endParaRPr lang="en-US"/>
           </a:p>
@@ -415,7 +424,7 @@
           <p:cNvPr id="4" name="Footer Placeholder 3">
             <a:extLst>
               <a:ext uri="{FF2B5EF4-FFF2-40B4-BE49-F238E27FC236}">
-                <a16:creationId xmlns:a16="http://schemas.microsoft.com/office/drawing/2014/main" id="{E9453B2C-800A-A64F-B0AB-6539C8AC5B11}"/>
+                <a16:creationId xmlns:a16="http://schemas.microsoft.com/office/drawing/2014/main" id="{B968285D-8E74-4814-BD93-2DE1B264A1DF}"/>
               </a:ext>
             </a:extLst>
           </p:cNvPr>
@@ -444,7 +453,7 @@
           <p:cNvPr id="5" name="Slide Number Placeholder 4">
             <a:extLst>
               <a:ext uri="{FF2B5EF4-FFF2-40B4-BE49-F238E27FC236}">
-                <a16:creationId xmlns:a16="http://schemas.microsoft.com/office/drawing/2014/main" id="{C3B3735B-2B97-9A4E-8DDE-AA1B4EE1CC7D}"/>
+                <a16:creationId xmlns:a16="http://schemas.microsoft.com/office/drawing/2014/main" id="{3C344C5F-C347-4D2E-9DAE-3EA6729C695E}"/>
               </a:ext>
             </a:extLst>
           </p:cNvPr>
@@ -471,7 +480,7 @@
     </p:spTree>
     <p:extLst>
       <p:ext uri="{BB962C8B-B14F-4D97-AF65-F5344CB8AC3E}">
-        <p14:creationId xmlns:p14="http://schemas.microsoft.com/office/powerpoint/2010/main" val="1321832752"/>
+        <p14:creationId xmlns:p14="http://schemas.microsoft.com/office/powerpoint/2010/main" val="864783535"/>
       </p:ext>
     </p:extLst>
   </p:cSld>
@@ -483,7 +492,7 @@
 
 <file path=ppt/slideLayouts/slideLayout3.xml><?xml version="1.0" encoding="utf-8"?>
 <p:sldLayout xmlns:a="http://schemas.openxmlformats.org/drawingml/2006/main" xmlns:r="http://schemas.openxmlformats.org/officeDocument/2006/relationships" xmlns:p="http://schemas.openxmlformats.org/presentationml/2006/main" preserve="1" userDrawn="1">
-  <p:cSld name="Custom Layout">
+  <p:cSld name="4_Custom Layout">
     <p:spTree>
       <p:nvGrpSpPr>
         <p:cNvPr id="1" name=""/>
@@ -503,7 +512,7 @@
           <p:cNvPr id="2" name="Title 1">
             <a:extLst>
               <a:ext uri="{FF2B5EF4-FFF2-40B4-BE49-F238E27FC236}">
-                <a16:creationId xmlns:a16="http://schemas.microsoft.com/office/drawing/2014/main" id="{15A3197A-C588-6D4A-AEC0-09A44885C514}"/>
+                <a16:creationId xmlns:a16="http://schemas.microsoft.com/office/drawing/2014/main" id="{D62C5B77-F61C-41F4-9504-68268F3E95C3}"/>
               </a:ext>
             </a:extLst>
           </p:cNvPr>
@@ -511,7 +520,7 @@
             <a:spLocks noGrp="1"/>
           </p:cNvSpPr>
           <p:nvPr>
-            <p:ph type="title"/>
+            <p:ph type="title" hasCustomPrompt="1"/>
           </p:nvPr>
         </p:nvSpPr>
         <p:spPr/>
@@ -519,14 +528,15 @@
           <a:bodyPr/>
           <a:lstStyle>
             <a:lvl1pPr>
-              <a:defRPr b="1"/>
+              <a:defRPr/>
             </a:lvl1pPr>
           </a:lstStyle>
           <a:p>
             <a:r>
-              <a:rPr lang="en-US" dirty="0"/>
-              <a:t>Click to edit Master title style</a:t>
+              <a:rPr lang="en-US" altLang="zh-CN" dirty="0"/>
+              <a:t>Tables</a:t>
             </a:r>
+            <a:endParaRPr lang="zh-CN" altLang="en-US" dirty="0"/>
           </a:p>
         </p:txBody>
       </p:sp>
@@ -535,7 +545,7 @@
           <p:cNvPr id="3" name="Date Placeholder 2">
             <a:extLst>
               <a:ext uri="{FF2B5EF4-FFF2-40B4-BE49-F238E27FC236}">
-                <a16:creationId xmlns:a16="http://schemas.microsoft.com/office/drawing/2014/main" id="{692FA00C-5CF8-EE4A-B743-5F1B32FE72B1}"/>
+                <a16:creationId xmlns:a16="http://schemas.microsoft.com/office/drawing/2014/main" id="{99CC94AA-D4D8-4337-94A8-77C9AE7EFB12}"/>
               </a:ext>
             </a:extLst>
           </p:cNvPr>
@@ -553,7 +563,7 @@
           <a:p>
             <a:fld id="{039FF129-D28F-B745-8A0E-1C7179B7DED8}" type="datetimeFigureOut">
               <a:rPr lang="en-US" smtClean="0"/>
-              <a:t>2/16/18</a:t>
+              <a:t>3/20/2018</a:t>
             </a:fld>
             <a:endParaRPr lang="en-US"/>
           </a:p>
@@ -564,7 +574,7 @@
           <p:cNvPr id="4" name="Footer Placeholder 3">
             <a:extLst>
               <a:ext uri="{FF2B5EF4-FFF2-40B4-BE49-F238E27FC236}">
-                <a16:creationId xmlns:a16="http://schemas.microsoft.com/office/drawing/2014/main" id="{4020BC47-0698-E845-B56D-9F2B4A63326F}"/>
+                <a16:creationId xmlns:a16="http://schemas.microsoft.com/office/drawing/2014/main" id="{BD36E83A-3414-4824-B039-22068707966C}"/>
               </a:ext>
             </a:extLst>
           </p:cNvPr>
@@ -581,9 +591,10 @@
           <a:lstStyle/>
           <a:p>
             <a:r>
-              <a:rPr lang="en-US" dirty="0"/>
+              <a:rPr lang="en-US"/>
               <a:t>Nokia Shanghai Bell Internal Use Only</a:t>
             </a:r>
+            <a:endParaRPr lang="en-US" dirty="0"/>
           </a:p>
         </p:txBody>
       </p:sp>
@@ -592,7 +603,7 @@
           <p:cNvPr id="5" name="Slide Number Placeholder 4">
             <a:extLst>
               <a:ext uri="{FF2B5EF4-FFF2-40B4-BE49-F238E27FC236}">
-                <a16:creationId xmlns:a16="http://schemas.microsoft.com/office/drawing/2014/main" id="{8A6F7020-2B46-8C49-96EE-554E559C6C48}"/>
+                <a16:creationId xmlns:a16="http://schemas.microsoft.com/office/drawing/2014/main" id="{1056A810-1F5E-4331-A8AA-993264EE63D9}"/>
               </a:ext>
             </a:extLst>
           </p:cNvPr>
@@ -612,76 +623,3876 @@
               <a:rPr lang="en-US" smtClean="0"/>
               <a:t>‹#›</a:t>
             </a:fld>
-            <a:endParaRPr lang="en-US"/>
+            <a:endParaRPr lang="en-US" dirty="0"/>
           </a:p>
         </p:txBody>
       </p:sp>
-      <p:sp>
-        <p:nvSpPr>
-          <p:cNvPr id="7" name="Text Placeholder 6">
+      <p:graphicFrame>
+        <p:nvGraphicFramePr>
+          <p:cNvPr id="6" name="Table 5">
             <a:extLst>
               <a:ext uri="{FF2B5EF4-FFF2-40B4-BE49-F238E27FC236}">
-                <a16:creationId xmlns:a16="http://schemas.microsoft.com/office/drawing/2014/main" id="{FBEF92C8-9327-B848-86D8-B6A86153F499}"/>
+                <a16:creationId xmlns:a16="http://schemas.microsoft.com/office/drawing/2014/main" id="{5BBCBB65-259E-488A-9CD8-8ECD1A784775}"/>
               </a:ext>
             </a:extLst>
           </p:cNvPr>
-          <p:cNvSpPr>
-            <a:spLocks noGrp="1"/>
-          </p:cNvSpPr>
-          <p:nvPr>
-            <p:ph type="body" sz="quarter" idx="13"/>
+          <p:cNvGraphicFramePr>
+            <a:graphicFrameLocks noGrp="1"/>
+          </p:cNvGraphicFramePr>
+          <p:nvPr userDrawn="1">
+            <p:extLst>
+              <p:ext uri="{D42A27DB-BD31-4B8C-83A1-F6EECF244321}">
+                <p14:modId xmlns:p14="http://schemas.microsoft.com/office/powerpoint/2010/main" val="3817428675"/>
+              </p:ext>
+            </p:extLst>
           </p:nvPr>
-        </p:nvSpPr>
-        <p:spPr>
-          <a:xfrm>
-            <a:off x="838200" y="1499995"/>
-            <a:ext cx="10825163" cy="4386263"/>
-          </a:xfrm>
-        </p:spPr>
-        <p:txBody>
-          <a:bodyPr/>
-          <a:lstStyle/>
-          <a:p>
-            <a:pPr lvl="0"/>
-            <a:r>
-              <a:rPr lang="en-US"/>
-              <a:t>Edit Master text styles</a:t>
-            </a:r>
-          </a:p>
-          <a:p>
-            <a:pPr lvl="1"/>
-            <a:r>
-              <a:rPr lang="en-US"/>
-              <a:t>Second level</a:t>
-            </a:r>
-          </a:p>
-          <a:p>
-            <a:pPr lvl="2"/>
-            <a:r>
-              <a:rPr lang="en-US"/>
-              <a:t>Third level</a:t>
-            </a:r>
-          </a:p>
-          <a:p>
-            <a:pPr lvl="3"/>
-            <a:r>
-              <a:rPr lang="en-US"/>
-              <a:t>Fourth level</a:t>
-            </a:r>
-          </a:p>
-          <a:p>
-            <a:pPr lvl="4"/>
-            <a:r>
-              <a:rPr lang="en-US"/>
-              <a:t>Fifth level</a:t>
-            </a:r>
-          </a:p>
-        </p:txBody>
-      </p:sp>
+        </p:nvGraphicFramePr>
+        <p:xfrm>
+          <a:off x="842213" y="1205217"/>
+          <a:ext cx="2080869" cy="2298550"/>
+        </p:xfrm>
+        <a:graphic>
+          <a:graphicData uri="http://schemas.openxmlformats.org/drawingml/2006/table">
+            <a:tbl>
+              <a:tblPr firstRow="1" bandRow="1">
+                <a:tableStyleId>{EB344D84-9AFB-497E-A393-DC336BA19D2E}</a:tableStyleId>
+              </a:tblPr>
+              <a:tblGrid>
+                <a:gridCol w="644848">
+                  <a:extLst>
+                    <a:ext uri="{9D8B030D-6E8A-4147-A177-3AD203B41FA5}">
+                      <a16:colId xmlns:a16="http://schemas.microsoft.com/office/drawing/2014/main" val="3486463009"/>
+                    </a:ext>
+                  </a:extLst>
+                </a:gridCol>
+                <a:gridCol w="651296">
+                  <a:extLst>
+                    <a:ext uri="{9D8B030D-6E8A-4147-A177-3AD203B41FA5}">
+                      <a16:colId xmlns:a16="http://schemas.microsoft.com/office/drawing/2014/main" val="3716201317"/>
+                    </a:ext>
+                  </a:extLst>
+                </a:gridCol>
+                <a:gridCol w="784725">
+                  <a:extLst>
+                    <a:ext uri="{9D8B030D-6E8A-4147-A177-3AD203B41FA5}">
+                      <a16:colId xmlns:a16="http://schemas.microsoft.com/office/drawing/2014/main" val="1424543934"/>
+                    </a:ext>
+                  </a:extLst>
+                </a:gridCol>
+              </a:tblGrid>
+              <a:tr h="194422">
+                <a:tc>
+                  <a:txBody>
+                    <a:bodyPr/>
+                    <a:lstStyle/>
+                    <a:p>
+                      <a:pPr algn="l">
+                        <a:lnSpc>
+                          <a:spcPct val="150000"/>
+                        </a:lnSpc>
+                      </a:pPr>
+                      <a:r>
+                        <a:rPr lang="en-US" altLang="zh-CN" sz="800" dirty="0">
+                          <a:solidFill>
+                            <a:schemeClr val="tx1"/>
+                          </a:solidFill>
+                          <a:latin typeface="Arial" panose="020B0604020202020204" pitchFamily="34" charset="0"/>
+                          <a:cs typeface="Arial" panose="020B0604020202020204" pitchFamily="34" charset="0"/>
+                        </a:rPr>
+                        <a:t>Q-Subject</a:t>
+                      </a:r>
+                      <a:endParaRPr lang="zh-CN" altLang="en-US" sz="800" dirty="0">
+                        <a:solidFill>
+                          <a:schemeClr val="tx1"/>
+                        </a:solidFill>
+                        <a:latin typeface="Arial" panose="020B0604020202020204" pitchFamily="34" charset="0"/>
+                        <a:cs typeface="Arial" panose="020B0604020202020204" pitchFamily="34" charset="0"/>
+                      </a:endParaRPr>
+                    </a:p>
+                  </a:txBody>
+                  <a:tcPr marL="0" marR="0" marT="0" marB="0">
+                    <a:solidFill>
+                      <a:schemeClr val="bg1">
+                        <a:lumMod val="85000"/>
+                      </a:schemeClr>
+                    </a:solidFill>
+                  </a:tcPr>
+                </a:tc>
+                <a:tc>
+                  <a:txBody>
+                    <a:bodyPr/>
+                    <a:lstStyle/>
+                    <a:p>
+                      <a:pPr marL="0" marR="0" lvl="0" indent="0" algn="l" defTabSz="914400" rtl="0" eaLnBrk="1" fontAlgn="auto" latinLnBrk="0" hangingPunct="1">
+                        <a:lnSpc>
+                          <a:spcPct val="150000"/>
+                        </a:lnSpc>
+                        <a:spcBef>
+                          <a:spcPts val="0"/>
+                        </a:spcBef>
+                        <a:spcAft>
+                          <a:spcPts val="0"/>
+                        </a:spcAft>
+                        <a:buClrTx/>
+                        <a:buSzTx/>
+                        <a:buFontTx/>
+                        <a:buNone/>
+                        <a:tabLst/>
+                        <a:defRPr/>
+                      </a:pPr>
+                      <a:r>
+                        <a:rPr lang="en-US" altLang="zh-CN" sz="800" dirty="0">
+                          <a:solidFill>
+                            <a:schemeClr val="tx1"/>
+                          </a:solidFill>
+                          <a:latin typeface="Arial" panose="020B0604020202020204" pitchFamily="34" charset="0"/>
+                          <a:cs typeface="Arial" panose="020B0604020202020204" pitchFamily="34" charset="0"/>
+                        </a:rPr>
+                        <a:t>Q-Subject</a:t>
+                      </a:r>
+                      <a:endParaRPr lang="zh-CN" altLang="en-US" sz="800" dirty="0">
+                        <a:solidFill>
+                          <a:schemeClr val="tx1"/>
+                        </a:solidFill>
+                        <a:latin typeface="Arial" panose="020B0604020202020204" pitchFamily="34" charset="0"/>
+                        <a:cs typeface="Arial" panose="020B0604020202020204" pitchFamily="34" charset="0"/>
+                      </a:endParaRPr>
+                    </a:p>
+                  </a:txBody>
+                  <a:tcPr marL="0" marR="0" marT="0" marB="0">
+                    <a:solidFill>
+                      <a:schemeClr val="bg1">
+                        <a:lumMod val="85000"/>
+                      </a:schemeClr>
+                    </a:solidFill>
+                  </a:tcPr>
+                </a:tc>
+                <a:tc>
+                  <a:txBody>
+                    <a:bodyPr/>
+                    <a:lstStyle/>
+                    <a:p>
+                      <a:pPr algn="l">
+                        <a:lnSpc>
+                          <a:spcPct val="150000"/>
+                        </a:lnSpc>
+                      </a:pPr>
+                      <a:r>
+                        <a:rPr lang="en-US" altLang="zh-CN" sz="800" dirty="0">
+                          <a:solidFill>
+                            <a:schemeClr val="tx1"/>
+                          </a:solidFill>
+                          <a:latin typeface="Arial" panose="020B0604020202020204" pitchFamily="34" charset="0"/>
+                          <a:cs typeface="Arial" panose="020B0604020202020204" pitchFamily="34" charset="0"/>
+                        </a:rPr>
+                        <a:t>Q-Subject</a:t>
+                      </a:r>
+                      <a:endParaRPr lang="zh-CN" altLang="en-US" sz="800" dirty="0">
+                        <a:solidFill>
+                          <a:schemeClr val="tx1"/>
+                        </a:solidFill>
+                        <a:latin typeface="Arial" panose="020B0604020202020204" pitchFamily="34" charset="0"/>
+                        <a:cs typeface="Arial" panose="020B0604020202020204" pitchFamily="34" charset="0"/>
+                      </a:endParaRPr>
+                    </a:p>
+                  </a:txBody>
+                  <a:tcPr marL="0" marR="0" marT="0" marB="0">
+                    <a:solidFill>
+                      <a:schemeClr val="bg1">
+                        <a:lumMod val="85000"/>
+                      </a:schemeClr>
+                    </a:solidFill>
+                  </a:tcPr>
+                </a:tc>
+                <a:extLst>
+                  <a:ext uri="{0D108BD9-81ED-4DB2-BD59-A6C34878D82A}">
+                    <a16:rowId xmlns:a16="http://schemas.microsoft.com/office/drawing/2014/main" val="2475942545"/>
+                  </a:ext>
+                </a:extLst>
+              </a:tr>
+              <a:tr h="194422">
+                <a:tc>
+                  <a:txBody>
+                    <a:bodyPr/>
+                    <a:lstStyle/>
+                    <a:p>
+                      <a:pPr marL="0" algn="l" defTabSz="704835" rtl="0" eaLnBrk="1" fontAlgn="ctr" latinLnBrk="0" hangingPunct="1"/>
+                      <a:r>
+                        <a:rPr lang="en-US" sz="800" u="none" strike="noStrike" kern="1200" dirty="0">
+                          <a:solidFill>
+                            <a:schemeClr val="tx1"/>
+                          </a:solidFill>
+                          <a:effectLst/>
+                          <a:latin typeface="Arial" panose="020B0604020202020204" pitchFamily="34" charset="0"/>
+                          <a:ea typeface="+mn-ea"/>
+                          <a:cs typeface="Arial" panose="020B0604020202020204" pitchFamily="34" charset="0"/>
+                        </a:rPr>
+                        <a:t>Q-Content</a:t>
+                      </a:r>
+                    </a:p>
+                  </a:txBody>
+                  <a:tcPr marL="678" marR="678" marT="678" marB="3256" anchor="ctr"/>
+                </a:tc>
+                <a:tc>
+                  <a:txBody>
+                    <a:bodyPr/>
+                    <a:lstStyle/>
+                    <a:p>
+                      <a:pPr marL="0" marR="0" lvl="0" indent="0" algn="l" defTabSz="914400" rtl="0" eaLnBrk="1" fontAlgn="ctr" latinLnBrk="0" hangingPunct="1">
+                        <a:lnSpc>
+                          <a:spcPct val="100000"/>
+                        </a:lnSpc>
+                        <a:spcBef>
+                          <a:spcPts val="0"/>
+                        </a:spcBef>
+                        <a:spcAft>
+                          <a:spcPts val="0"/>
+                        </a:spcAft>
+                        <a:buClrTx/>
+                        <a:buSzTx/>
+                        <a:buFontTx/>
+                        <a:buNone/>
+                        <a:tabLst/>
+                        <a:defRPr/>
+                      </a:pPr>
+                      <a:r>
+                        <a:rPr lang="en-US" altLang="zh-CN" sz="800" u="none" strike="noStrike" kern="1200" dirty="0">
+                          <a:solidFill>
+                            <a:schemeClr val="tx1"/>
+                          </a:solidFill>
+                          <a:effectLst/>
+                          <a:latin typeface="Arial" panose="020B0604020202020204" pitchFamily="34" charset="0"/>
+                          <a:ea typeface="+mn-ea"/>
+                          <a:cs typeface="Arial" panose="020B0604020202020204" pitchFamily="34" charset="0"/>
+                        </a:rPr>
+                        <a:t>Q-Content</a:t>
+                      </a:r>
+                    </a:p>
+                  </a:txBody>
+                  <a:tcPr marL="9525" marR="9525" marT="9525" anchor="ctr"/>
+                </a:tc>
+                <a:tc>
+                  <a:txBody>
+                    <a:bodyPr/>
+                    <a:lstStyle/>
+                    <a:p>
+                      <a:pPr marL="0" marR="0" lvl="0" indent="0" algn="l" defTabSz="914400" rtl="0" eaLnBrk="1" fontAlgn="ctr" latinLnBrk="0" hangingPunct="1">
+                        <a:lnSpc>
+                          <a:spcPct val="100000"/>
+                        </a:lnSpc>
+                        <a:spcBef>
+                          <a:spcPts val="0"/>
+                        </a:spcBef>
+                        <a:spcAft>
+                          <a:spcPts val="0"/>
+                        </a:spcAft>
+                        <a:buClrTx/>
+                        <a:buSzTx/>
+                        <a:buFontTx/>
+                        <a:buNone/>
+                        <a:tabLst/>
+                        <a:defRPr/>
+                      </a:pPr>
+                      <a:r>
+                        <a:rPr lang="en-US" altLang="zh-CN" sz="800" u="none" strike="noStrike" kern="1200" dirty="0">
+                          <a:solidFill>
+                            <a:schemeClr val="tx1"/>
+                          </a:solidFill>
+                          <a:effectLst/>
+                          <a:latin typeface="Arial" panose="020B0604020202020204" pitchFamily="34" charset="0"/>
+                          <a:ea typeface="+mn-ea"/>
+                          <a:cs typeface="Arial" panose="020B0604020202020204" pitchFamily="34" charset="0"/>
+                        </a:rPr>
+                        <a:t>Q-Content</a:t>
+                      </a:r>
+                    </a:p>
+                  </a:txBody>
+                  <a:tcPr marL="9525" marR="9525" marT="9525" anchor="ctr"/>
+                </a:tc>
+                <a:extLst>
+                  <a:ext uri="{0D108BD9-81ED-4DB2-BD59-A6C34878D82A}">
+                    <a16:rowId xmlns:a16="http://schemas.microsoft.com/office/drawing/2014/main" val="1286567440"/>
+                  </a:ext>
+                </a:extLst>
+              </a:tr>
+              <a:tr h="194422">
+                <a:tc>
+                  <a:txBody>
+                    <a:bodyPr/>
+                    <a:lstStyle/>
+                    <a:p>
+                      <a:pPr marL="0" algn="l" defTabSz="704835" rtl="0" eaLnBrk="1" fontAlgn="ctr" latinLnBrk="0" hangingPunct="1"/>
+                      <a:r>
+                        <a:rPr lang="en-US" sz="800" u="none" strike="noStrike" kern="1200" dirty="0">
+                          <a:solidFill>
+                            <a:schemeClr val="tx1"/>
+                          </a:solidFill>
+                          <a:effectLst/>
+                          <a:latin typeface="Arial" panose="020B0604020202020204" pitchFamily="34" charset="0"/>
+                          <a:ea typeface="+mn-ea"/>
+                          <a:cs typeface="Arial" panose="020B0604020202020204" pitchFamily="34" charset="0"/>
+                        </a:rPr>
+                        <a:t>Q-Content</a:t>
+                      </a:r>
+                    </a:p>
+                  </a:txBody>
+                  <a:tcPr marL="678" marR="678" marT="678" marB="3256" anchor="ctr"/>
+                </a:tc>
+                <a:tc>
+                  <a:txBody>
+                    <a:bodyPr/>
+                    <a:lstStyle/>
+                    <a:p>
+                      <a:pPr marL="0" marR="0" lvl="0" indent="0" algn="l" defTabSz="914400" rtl="0" eaLnBrk="1" fontAlgn="ctr" latinLnBrk="0" hangingPunct="1">
+                        <a:lnSpc>
+                          <a:spcPct val="100000"/>
+                        </a:lnSpc>
+                        <a:spcBef>
+                          <a:spcPts val="0"/>
+                        </a:spcBef>
+                        <a:spcAft>
+                          <a:spcPts val="0"/>
+                        </a:spcAft>
+                        <a:buClrTx/>
+                        <a:buSzTx/>
+                        <a:buFontTx/>
+                        <a:buNone/>
+                        <a:tabLst/>
+                        <a:defRPr/>
+                      </a:pPr>
+                      <a:r>
+                        <a:rPr lang="en-US" altLang="zh-CN" sz="800" u="none" strike="noStrike" kern="1200" dirty="0">
+                          <a:solidFill>
+                            <a:schemeClr val="tx1"/>
+                          </a:solidFill>
+                          <a:effectLst/>
+                          <a:latin typeface="Arial" panose="020B0604020202020204" pitchFamily="34" charset="0"/>
+                          <a:ea typeface="+mn-ea"/>
+                          <a:cs typeface="Arial" panose="020B0604020202020204" pitchFamily="34" charset="0"/>
+                        </a:rPr>
+                        <a:t>Q-Content</a:t>
+                      </a:r>
+                    </a:p>
+                  </a:txBody>
+                  <a:tcPr marL="9525" marR="9525" marT="9525" anchor="ctr"/>
+                </a:tc>
+                <a:tc>
+                  <a:txBody>
+                    <a:bodyPr/>
+                    <a:lstStyle/>
+                    <a:p>
+                      <a:pPr marL="0" marR="0" lvl="0" indent="0" algn="l" defTabSz="914400" rtl="0" eaLnBrk="1" fontAlgn="ctr" latinLnBrk="0" hangingPunct="1">
+                        <a:lnSpc>
+                          <a:spcPct val="100000"/>
+                        </a:lnSpc>
+                        <a:spcBef>
+                          <a:spcPts val="0"/>
+                        </a:spcBef>
+                        <a:spcAft>
+                          <a:spcPts val="0"/>
+                        </a:spcAft>
+                        <a:buClrTx/>
+                        <a:buSzTx/>
+                        <a:buFontTx/>
+                        <a:buNone/>
+                        <a:tabLst/>
+                        <a:defRPr/>
+                      </a:pPr>
+                      <a:r>
+                        <a:rPr lang="en-US" altLang="zh-CN" sz="800" u="none" strike="noStrike" kern="1200" dirty="0">
+                          <a:solidFill>
+                            <a:schemeClr val="tx1"/>
+                          </a:solidFill>
+                          <a:effectLst/>
+                          <a:latin typeface="Arial" panose="020B0604020202020204" pitchFamily="34" charset="0"/>
+                          <a:ea typeface="+mn-ea"/>
+                          <a:cs typeface="Arial" panose="020B0604020202020204" pitchFamily="34" charset="0"/>
+                        </a:rPr>
+                        <a:t>Q-Content</a:t>
+                      </a:r>
+                    </a:p>
+                  </a:txBody>
+                  <a:tcPr marL="9525" marR="9525" marT="9525" anchor="ctr"/>
+                </a:tc>
+                <a:extLst>
+                  <a:ext uri="{0D108BD9-81ED-4DB2-BD59-A6C34878D82A}">
+                    <a16:rowId xmlns:a16="http://schemas.microsoft.com/office/drawing/2014/main" val="332363828"/>
+                  </a:ext>
+                </a:extLst>
+              </a:tr>
+              <a:tr h="194422">
+                <a:tc>
+                  <a:txBody>
+                    <a:bodyPr/>
+                    <a:lstStyle/>
+                    <a:p>
+                      <a:pPr marL="0" algn="l" defTabSz="704835" rtl="0" eaLnBrk="1" fontAlgn="ctr" latinLnBrk="0" hangingPunct="1"/>
+                      <a:r>
+                        <a:rPr lang="en-US" sz="800" u="none" strike="noStrike" kern="1200" dirty="0">
+                          <a:solidFill>
+                            <a:schemeClr val="tx1"/>
+                          </a:solidFill>
+                          <a:effectLst/>
+                          <a:latin typeface="Arial" panose="020B0604020202020204" pitchFamily="34" charset="0"/>
+                          <a:ea typeface="+mn-ea"/>
+                          <a:cs typeface="Arial" panose="020B0604020202020204" pitchFamily="34" charset="0"/>
+                        </a:rPr>
+                        <a:t>Q-Content</a:t>
+                      </a:r>
+                    </a:p>
+                  </a:txBody>
+                  <a:tcPr marL="678" marR="678" marT="678" marB="3256" anchor="ctr"/>
+                </a:tc>
+                <a:tc>
+                  <a:txBody>
+                    <a:bodyPr/>
+                    <a:lstStyle/>
+                    <a:p>
+                      <a:pPr marL="0" marR="0" lvl="0" indent="0" algn="l" defTabSz="914400" rtl="0" eaLnBrk="1" fontAlgn="ctr" latinLnBrk="0" hangingPunct="1">
+                        <a:lnSpc>
+                          <a:spcPct val="100000"/>
+                        </a:lnSpc>
+                        <a:spcBef>
+                          <a:spcPts val="0"/>
+                        </a:spcBef>
+                        <a:spcAft>
+                          <a:spcPts val="0"/>
+                        </a:spcAft>
+                        <a:buClrTx/>
+                        <a:buSzTx/>
+                        <a:buFontTx/>
+                        <a:buNone/>
+                        <a:tabLst/>
+                        <a:defRPr/>
+                      </a:pPr>
+                      <a:r>
+                        <a:rPr lang="en-US" altLang="zh-CN" sz="800" u="none" strike="noStrike" kern="1200" dirty="0">
+                          <a:solidFill>
+                            <a:schemeClr val="tx1"/>
+                          </a:solidFill>
+                          <a:effectLst/>
+                          <a:latin typeface="Arial" panose="020B0604020202020204" pitchFamily="34" charset="0"/>
+                          <a:ea typeface="+mn-ea"/>
+                          <a:cs typeface="Arial" panose="020B0604020202020204" pitchFamily="34" charset="0"/>
+                        </a:rPr>
+                        <a:t>Q-Content</a:t>
+                      </a:r>
+                    </a:p>
+                  </a:txBody>
+                  <a:tcPr marL="9525" marR="9525" marT="9525" anchor="ctr"/>
+                </a:tc>
+                <a:tc>
+                  <a:txBody>
+                    <a:bodyPr/>
+                    <a:lstStyle/>
+                    <a:p>
+                      <a:pPr marL="0" marR="0" lvl="0" indent="0" algn="l" defTabSz="914400" rtl="0" eaLnBrk="1" fontAlgn="ctr" latinLnBrk="0" hangingPunct="1">
+                        <a:lnSpc>
+                          <a:spcPct val="100000"/>
+                        </a:lnSpc>
+                        <a:spcBef>
+                          <a:spcPts val="0"/>
+                        </a:spcBef>
+                        <a:spcAft>
+                          <a:spcPts val="0"/>
+                        </a:spcAft>
+                        <a:buClrTx/>
+                        <a:buSzTx/>
+                        <a:buFontTx/>
+                        <a:buNone/>
+                        <a:tabLst/>
+                        <a:defRPr/>
+                      </a:pPr>
+                      <a:r>
+                        <a:rPr lang="en-US" altLang="zh-CN" sz="800" u="none" strike="noStrike" kern="1200" dirty="0">
+                          <a:solidFill>
+                            <a:schemeClr val="tx1"/>
+                          </a:solidFill>
+                          <a:effectLst/>
+                          <a:latin typeface="Arial" panose="020B0604020202020204" pitchFamily="34" charset="0"/>
+                          <a:ea typeface="+mn-ea"/>
+                          <a:cs typeface="Arial" panose="020B0604020202020204" pitchFamily="34" charset="0"/>
+                        </a:rPr>
+                        <a:t>Q-Content</a:t>
+                      </a:r>
+                    </a:p>
+                  </a:txBody>
+                  <a:tcPr marL="9525" marR="9525" marT="9525" anchor="ctr"/>
+                </a:tc>
+                <a:extLst>
+                  <a:ext uri="{0D108BD9-81ED-4DB2-BD59-A6C34878D82A}">
+                    <a16:rowId xmlns:a16="http://schemas.microsoft.com/office/drawing/2014/main" val="1986503902"/>
+                  </a:ext>
+                </a:extLst>
+              </a:tr>
+              <a:tr h="194422">
+                <a:tc>
+                  <a:txBody>
+                    <a:bodyPr/>
+                    <a:lstStyle/>
+                    <a:p>
+                      <a:pPr marL="0" algn="l" defTabSz="704835" rtl="0" eaLnBrk="1" fontAlgn="ctr" latinLnBrk="0" hangingPunct="1"/>
+                      <a:r>
+                        <a:rPr lang="en-US" sz="800" u="none" strike="noStrike" kern="1200" dirty="0">
+                          <a:solidFill>
+                            <a:schemeClr val="tx1"/>
+                          </a:solidFill>
+                          <a:effectLst/>
+                          <a:latin typeface="Arial" panose="020B0604020202020204" pitchFamily="34" charset="0"/>
+                          <a:ea typeface="+mn-ea"/>
+                          <a:cs typeface="Arial" panose="020B0604020202020204" pitchFamily="34" charset="0"/>
+                        </a:rPr>
+                        <a:t>Q-Content</a:t>
+                      </a:r>
+                    </a:p>
+                  </a:txBody>
+                  <a:tcPr marL="678" marR="678" marT="678" marB="3256" anchor="ctr"/>
+                </a:tc>
+                <a:tc>
+                  <a:txBody>
+                    <a:bodyPr/>
+                    <a:lstStyle/>
+                    <a:p>
+                      <a:pPr marL="0" marR="0" lvl="0" indent="0" algn="l" defTabSz="914400" rtl="0" eaLnBrk="1" fontAlgn="ctr" latinLnBrk="0" hangingPunct="1">
+                        <a:lnSpc>
+                          <a:spcPct val="100000"/>
+                        </a:lnSpc>
+                        <a:spcBef>
+                          <a:spcPts val="0"/>
+                        </a:spcBef>
+                        <a:spcAft>
+                          <a:spcPts val="0"/>
+                        </a:spcAft>
+                        <a:buClrTx/>
+                        <a:buSzTx/>
+                        <a:buFontTx/>
+                        <a:buNone/>
+                        <a:tabLst/>
+                        <a:defRPr/>
+                      </a:pPr>
+                      <a:r>
+                        <a:rPr lang="en-US" altLang="zh-CN" sz="800" u="none" strike="noStrike" kern="1200" dirty="0">
+                          <a:solidFill>
+                            <a:schemeClr val="tx1"/>
+                          </a:solidFill>
+                          <a:effectLst/>
+                          <a:latin typeface="Arial" panose="020B0604020202020204" pitchFamily="34" charset="0"/>
+                          <a:ea typeface="+mn-ea"/>
+                          <a:cs typeface="Arial" panose="020B0604020202020204" pitchFamily="34" charset="0"/>
+                        </a:rPr>
+                        <a:t>Q-Content</a:t>
+                      </a:r>
+                    </a:p>
+                  </a:txBody>
+                  <a:tcPr marL="9525" marR="9525" marT="9525" anchor="ctr"/>
+                </a:tc>
+                <a:tc>
+                  <a:txBody>
+                    <a:bodyPr/>
+                    <a:lstStyle/>
+                    <a:p>
+                      <a:pPr marL="0" marR="0" lvl="0" indent="0" algn="l" defTabSz="914400" rtl="0" eaLnBrk="1" fontAlgn="ctr" latinLnBrk="0" hangingPunct="1">
+                        <a:lnSpc>
+                          <a:spcPct val="100000"/>
+                        </a:lnSpc>
+                        <a:spcBef>
+                          <a:spcPts val="0"/>
+                        </a:spcBef>
+                        <a:spcAft>
+                          <a:spcPts val="0"/>
+                        </a:spcAft>
+                        <a:buClrTx/>
+                        <a:buSzTx/>
+                        <a:buFontTx/>
+                        <a:buNone/>
+                        <a:tabLst/>
+                        <a:defRPr/>
+                      </a:pPr>
+                      <a:r>
+                        <a:rPr lang="en-US" altLang="zh-CN" sz="800" u="none" strike="noStrike" kern="1200" dirty="0">
+                          <a:solidFill>
+                            <a:schemeClr val="tx1"/>
+                          </a:solidFill>
+                          <a:effectLst/>
+                          <a:latin typeface="Arial" panose="020B0604020202020204" pitchFamily="34" charset="0"/>
+                          <a:ea typeface="+mn-ea"/>
+                          <a:cs typeface="Arial" panose="020B0604020202020204" pitchFamily="34" charset="0"/>
+                        </a:rPr>
+                        <a:t>Q-Content</a:t>
+                      </a:r>
+                    </a:p>
+                  </a:txBody>
+                  <a:tcPr marL="9525" marR="9525" marT="9525" anchor="ctr"/>
+                </a:tc>
+                <a:extLst>
+                  <a:ext uri="{0D108BD9-81ED-4DB2-BD59-A6C34878D82A}">
+                    <a16:rowId xmlns:a16="http://schemas.microsoft.com/office/drawing/2014/main" val="533460891"/>
+                  </a:ext>
+                </a:extLst>
+              </a:tr>
+              <a:tr h="97211">
+                <a:tc>
+                  <a:txBody>
+                    <a:bodyPr/>
+                    <a:lstStyle/>
+                    <a:p>
+                      <a:pPr marL="0" algn="l" defTabSz="704835" rtl="0" eaLnBrk="1" fontAlgn="ctr" latinLnBrk="0" hangingPunct="1"/>
+                      <a:r>
+                        <a:rPr lang="en-US" sz="800" u="none" strike="noStrike" kern="1200" dirty="0">
+                          <a:solidFill>
+                            <a:schemeClr val="tx1"/>
+                          </a:solidFill>
+                          <a:effectLst/>
+                          <a:latin typeface="Arial" panose="020B0604020202020204" pitchFamily="34" charset="0"/>
+                          <a:ea typeface="+mn-ea"/>
+                          <a:cs typeface="Arial" panose="020B0604020202020204" pitchFamily="34" charset="0"/>
+                        </a:rPr>
+                        <a:t>Q-Content</a:t>
+                      </a:r>
+                    </a:p>
+                  </a:txBody>
+                  <a:tcPr marL="678" marR="678" marT="678" marB="3256" anchor="ctr"/>
+                </a:tc>
+                <a:tc>
+                  <a:txBody>
+                    <a:bodyPr/>
+                    <a:lstStyle/>
+                    <a:p>
+                      <a:pPr marL="0" marR="0" lvl="0" indent="0" algn="l" defTabSz="914400" rtl="0" eaLnBrk="1" fontAlgn="ctr" latinLnBrk="0" hangingPunct="1">
+                        <a:lnSpc>
+                          <a:spcPct val="100000"/>
+                        </a:lnSpc>
+                        <a:spcBef>
+                          <a:spcPts val="0"/>
+                        </a:spcBef>
+                        <a:spcAft>
+                          <a:spcPts val="0"/>
+                        </a:spcAft>
+                        <a:buClrTx/>
+                        <a:buSzTx/>
+                        <a:buFontTx/>
+                        <a:buNone/>
+                        <a:tabLst/>
+                        <a:defRPr/>
+                      </a:pPr>
+                      <a:r>
+                        <a:rPr lang="en-US" altLang="zh-CN" sz="800" u="none" strike="noStrike" kern="1200" dirty="0">
+                          <a:solidFill>
+                            <a:schemeClr val="tx1"/>
+                          </a:solidFill>
+                          <a:effectLst/>
+                          <a:latin typeface="Arial" panose="020B0604020202020204" pitchFamily="34" charset="0"/>
+                          <a:ea typeface="+mn-ea"/>
+                          <a:cs typeface="Arial" panose="020B0604020202020204" pitchFamily="34" charset="0"/>
+                        </a:rPr>
+                        <a:t>Q-Content</a:t>
+                      </a:r>
+                    </a:p>
+                  </a:txBody>
+                  <a:tcPr marL="9525" marR="9525" marT="9525" anchor="ctr"/>
+                </a:tc>
+                <a:tc>
+                  <a:txBody>
+                    <a:bodyPr/>
+                    <a:lstStyle/>
+                    <a:p>
+                      <a:pPr marL="0" marR="0" lvl="0" indent="0" algn="l" defTabSz="914400" rtl="0" eaLnBrk="1" fontAlgn="ctr" latinLnBrk="0" hangingPunct="1">
+                        <a:lnSpc>
+                          <a:spcPct val="100000"/>
+                        </a:lnSpc>
+                        <a:spcBef>
+                          <a:spcPts val="0"/>
+                        </a:spcBef>
+                        <a:spcAft>
+                          <a:spcPts val="0"/>
+                        </a:spcAft>
+                        <a:buClrTx/>
+                        <a:buSzTx/>
+                        <a:buFontTx/>
+                        <a:buNone/>
+                        <a:tabLst/>
+                        <a:defRPr/>
+                      </a:pPr>
+                      <a:r>
+                        <a:rPr lang="en-US" altLang="zh-CN" sz="800" u="none" strike="noStrike" kern="1200" dirty="0">
+                          <a:solidFill>
+                            <a:schemeClr val="tx1"/>
+                          </a:solidFill>
+                          <a:effectLst/>
+                          <a:latin typeface="Arial" panose="020B0604020202020204" pitchFamily="34" charset="0"/>
+                          <a:ea typeface="+mn-ea"/>
+                          <a:cs typeface="Arial" panose="020B0604020202020204" pitchFamily="34" charset="0"/>
+                        </a:rPr>
+                        <a:t>Q-Content</a:t>
+                      </a:r>
+                    </a:p>
+                  </a:txBody>
+                  <a:tcPr marL="9525" marR="9525" marT="9525" anchor="ctr"/>
+                </a:tc>
+                <a:extLst>
+                  <a:ext uri="{0D108BD9-81ED-4DB2-BD59-A6C34878D82A}">
+                    <a16:rowId xmlns:a16="http://schemas.microsoft.com/office/drawing/2014/main" val="2689685375"/>
+                  </a:ext>
+                </a:extLst>
+              </a:tr>
+              <a:tr h="0">
+                <a:tc>
+                  <a:txBody>
+                    <a:bodyPr/>
+                    <a:lstStyle/>
+                    <a:p>
+                      <a:pPr marL="0" algn="l" defTabSz="704835" rtl="0" eaLnBrk="1" fontAlgn="ctr" latinLnBrk="0" hangingPunct="1"/>
+                      <a:r>
+                        <a:rPr lang="en-US" sz="800" u="none" strike="noStrike" kern="1200" dirty="0">
+                          <a:solidFill>
+                            <a:schemeClr val="tx1"/>
+                          </a:solidFill>
+                          <a:effectLst/>
+                          <a:latin typeface="Arial" panose="020B0604020202020204" pitchFamily="34" charset="0"/>
+                          <a:ea typeface="+mn-ea"/>
+                          <a:cs typeface="Arial" panose="020B0604020202020204" pitchFamily="34" charset="0"/>
+                        </a:rPr>
+                        <a:t>Q-Content</a:t>
+                      </a:r>
+                    </a:p>
+                  </a:txBody>
+                  <a:tcPr marL="678" marR="678" marT="678" marB="3256" anchor="ctr"/>
+                </a:tc>
+                <a:tc>
+                  <a:txBody>
+                    <a:bodyPr/>
+                    <a:lstStyle/>
+                    <a:p>
+                      <a:pPr marL="0" marR="0" lvl="0" indent="0" algn="l" defTabSz="914400" rtl="0" eaLnBrk="1" fontAlgn="ctr" latinLnBrk="0" hangingPunct="1">
+                        <a:lnSpc>
+                          <a:spcPct val="100000"/>
+                        </a:lnSpc>
+                        <a:spcBef>
+                          <a:spcPts val="0"/>
+                        </a:spcBef>
+                        <a:spcAft>
+                          <a:spcPts val="0"/>
+                        </a:spcAft>
+                        <a:buClrTx/>
+                        <a:buSzTx/>
+                        <a:buFontTx/>
+                        <a:buNone/>
+                        <a:tabLst/>
+                        <a:defRPr/>
+                      </a:pPr>
+                      <a:r>
+                        <a:rPr lang="en-US" altLang="zh-CN" sz="800" u="none" strike="noStrike" kern="1200" dirty="0">
+                          <a:solidFill>
+                            <a:schemeClr val="tx1"/>
+                          </a:solidFill>
+                          <a:effectLst/>
+                          <a:latin typeface="Arial" panose="020B0604020202020204" pitchFamily="34" charset="0"/>
+                          <a:ea typeface="+mn-ea"/>
+                          <a:cs typeface="Arial" panose="020B0604020202020204" pitchFamily="34" charset="0"/>
+                        </a:rPr>
+                        <a:t>Q-Content</a:t>
+                      </a:r>
+                    </a:p>
+                  </a:txBody>
+                  <a:tcPr marL="9525" marR="9525" marT="9525" anchor="ctr"/>
+                </a:tc>
+                <a:tc>
+                  <a:txBody>
+                    <a:bodyPr/>
+                    <a:lstStyle/>
+                    <a:p>
+                      <a:pPr marL="0" marR="0" lvl="0" indent="0" algn="l" defTabSz="914400" rtl="0" eaLnBrk="1" fontAlgn="ctr" latinLnBrk="0" hangingPunct="1">
+                        <a:lnSpc>
+                          <a:spcPct val="100000"/>
+                        </a:lnSpc>
+                        <a:spcBef>
+                          <a:spcPts val="0"/>
+                        </a:spcBef>
+                        <a:spcAft>
+                          <a:spcPts val="0"/>
+                        </a:spcAft>
+                        <a:buClrTx/>
+                        <a:buSzTx/>
+                        <a:buFontTx/>
+                        <a:buNone/>
+                        <a:tabLst/>
+                        <a:defRPr/>
+                      </a:pPr>
+                      <a:r>
+                        <a:rPr lang="en-US" altLang="zh-CN" sz="800" u="none" strike="noStrike" kern="1200" dirty="0">
+                          <a:solidFill>
+                            <a:schemeClr val="tx1"/>
+                          </a:solidFill>
+                          <a:effectLst/>
+                          <a:latin typeface="Arial" panose="020B0604020202020204" pitchFamily="34" charset="0"/>
+                          <a:ea typeface="+mn-ea"/>
+                          <a:cs typeface="Arial" panose="020B0604020202020204" pitchFamily="34" charset="0"/>
+                        </a:rPr>
+                        <a:t>Q-Content</a:t>
+                      </a:r>
+                    </a:p>
+                  </a:txBody>
+                  <a:tcPr marL="9525" marR="9525" marT="9525" anchor="ctr"/>
+                </a:tc>
+                <a:extLst>
+                  <a:ext uri="{0D108BD9-81ED-4DB2-BD59-A6C34878D82A}">
+                    <a16:rowId xmlns:a16="http://schemas.microsoft.com/office/drawing/2014/main" val="1789909939"/>
+                  </a:ext>
+                </a:extLst>
+              </a:tr>
+              <a:tr h="194422">
+                <a:tc>
+                  <a:txBody>
+                    <a:bodyPr/>
+                    <a:lstStyle/>
+                    <a:p>
+                      <a:pPr marL="0" algn="l" defTabSz="704835" rtl="0" eaLnBrk="1" fontAlgn="ctr" latinLnBrk="0" hangingPunct="1"/>
+                      <a:r>
+                        <a:rPr lang="en-US" sz="800" u="none" strike="noStrike" kern="1200" dirty="0">
+                          <a:solidFill>
+                            <a:schemeClr val="tx1"/>
+                          </a:solidFill>
+                          <a:effectLst/>
+                          <a:latin typeface="Arial" panose="020B0604020202020204" pitchFamily="34" charset="0"/>
+                          <a:ea typeface="+mn-ea"/>
+                          <a:cs typeface="Arial" panose="020B0604020202020204" pitchFamily="34" charset="0"/>
+                        </a:rPr>
+                        <a:t>Q-Content</a:t>
+                      </a:r>
+                    </a:p>
+                  </a:txBody>
+                  <a:tcPr marL="678" marR="678" marT="678" marB="3256" anchor="ctr"/>
+                </a:tc>
+                <a:tc>
+                  <a:txBody>
+                    <a:bodyPr/>
+                    <a:lstStyle/>
+                    <a:p>
+                      <a:pPr marL="0" marR="0" lvl="0" indent="0" algn="l" defTabSz="914400" rtl="0" eaLnBrk="1" fontAlgn="ctr" latinLnBrk="0" hangingPunct="1">
+                        <a:lnSpc>
+                          <a:spcPct val="100000"/>
+                        </a:lnSpc>
+                        <a:spcBef>
+                          <a:spcPts val="0"/>
+                        </a:spcBef>
+                        <a:spcAft>
+                          <a:spcPts val="0"/>
+                        </a:spcAft>
+                        <a:buClrTx/>
+                        <a:buSzTx/>
+                        <a:buFontTx/>
+                        <a:buNone/>
+                        <a:tabLst/>
+                        <a:defRPr/>
+                      </a:pPr>
+                      <a:r>
+                        <a:rPr lang="en-US" altLang="zh-CN" sz="800" u="none" strike="noStrike" kern="1200" dirty="0">
+                          <a:solidFill>
+                            <a:schemeClr val="tx1"/>
+                          </a:solidFill>
+                          <a:effectLst/>
+                          <a:latin typeface="Arial" panose="020B0604020202020204" pitchFamily="34" charset="0"/>
+                          <a:ea typeface="+mn-ea"/>
+                          <a:cs typeface="Arial" panose="020B0604020202020204" pitchFamily="34" charset="0"/>
+                        </a:rPr>
+                        <a:t>Q-Content</a:t>
+                      </a:r>
+                    </a:p>
+                  </a:txBody>
+                  <a:tcPr marL="9525" marR="9525" marT="9525" anchor="ctr"/>
+                </a:tc>
+                <a:tc>
+                  <a:txBody>
+                    <a:bodyPr/>
+                    <a:lstStyle/>
+                    <a:p>
+                      <a:pPr marL="0" marR="0" lvl="0" indent="0" algn="l" defTabSz="914400" rtl="0" eaLnBrk="1" fontAlgn="ctr" latinLnBrk="0" hangingPunct="1">
+                        <a:lnSpc>
+                          <a:spcPct val="100000"/>
+                        </a:lnSpc>
+                        <a:spcBef>
+                          <a:spcPts val="0"/>
+                        </a:spcBef>
+                        <a:spcAft>
+                          <a:spcPts val="0"/>
+                        </a:spcAft>
+                        <a:buClrTx/>
+                        <a:buSzTx/>
+                        <a:buFontTx/>
+                        <a:buNone/>
+                        <a:tabLst/>
+                        <a:defRPr/>
+                      </a:pPr>
+                      <a:r>
+                        <a:rPr lang="en-US" altLang="zh-CN" sz="800" u="none" strike="noStrike" kern="1200" dirty="0">
+                          <a:solidFill>
+                            <a:schemeClr val="tx1"/>
+                          </a:solidFill>
+                          <a:effectLst/>
+                          <a:latin typeface="Arial" panose="020B0604020202020204" pitchFamily="34" charset="0"/>
+                          <a:ea typeface="+mn-ea"/>
+                          <a:cs typeface="Arial" panose="020B0604020202020204" pitchFamily="34" charset="0"/>
+                        </a:rPr>
+                        <a:t>Q-Content</a:t>
+                      </a:r>
+                    </a:p>
+                  </a:txBody>
+                  <a:tcPr marL="9525" marR="9525" marT="9525" anchor="ctr"/>
+                </a:tc>
+                <a:extLst>
+                  <a:ext uri="{0D108BD9-81ED-4DB2-BD59-A6C34878D82A}">
+                    <a16:rowId xmlns:a16="http://schemas.microsoft.com/office/drawing/2014/main" val="1817944818"/>
+                  </a:ext>
+                </a:extLst>
+              </a:tr>
+              <a:tr h="194422">
+                <a:tc>
+                  <a:txBody>
+                    <a:bodyPr/>
+                    <a:lstStyle/>
+                    <a:p>
+                      <a:pPr marL="0" algn="l" defTabSz="704835" rtl="0" eaLnBrk="1" fontAlgn="ctr" latinLnBrk="0" hangingPunct="1"/>
+                      <a:r>
+                        <a:rPr lang="en-US" sz="800" u="none" strike="noStrike" kern="1200" dirty="0">
+                          <a:solidFill>
+                            <a:schemeClr val="tx1"/>
+                          </a:solidFill>
+                          <a:effectLst/>
+                          <a:latin typeface="Arial" panose="020B0604020202020204" pitchFamily="34" charset="0"/>
+                          <a:ea typeface="+mn-ea"/>
+                          <a:cs typeface="Arial" panose="020B0604020202020204" pitchFamily="34" charset="0"/>
+                        </a:rPr>
+                        <a:t>Q-Content</a:t>
+                      </a:r>
+                    </a:p>
+                  </a:txBody>
+                  <a:tcPr marL="678" marR="678" marT="678" marB="3256" anchor="ctr"/>
+                </a:tc>
+                <a:tc>
+                  <a:txBody>
+                    <a:bodyPr/>
+                    <a:lstStyle/>
+                    <a:p>
+                      <a:pPr marL="0" marR="0" lvl="0" indent="0" algn="l" defTabSz="914400" rtl="0" eaLnBrk="1" fontAlgn="ctr" latinLnBrk="0" hangingPunct="1">
+                        <a:lnSpc>
+                          <a:spcPct val="100000"/>
+                        </a:lnSpc>
+                        <a:spcBef>
+                          <a:spcPts val="0"/>
+                        </a:spcBef>
+                        <a:spcAft>
+                          <a:spcPts val="0"/>
+                        </a:spcAft>
+                        <a:buClrTx/>
+                        <a:buSzTx/>
+                        <a:buFontTx/>
+                        <a:buNone/>
+                        <a:tabLst/>
+                        <a:defRPr/>
+                      </a:pPr>
+                      <a:r>
+                        <a:rPr lang="en-US" altLang="zh-CN" sz="800" u="none" strike="noStrike" kern="1200" dirty="0">
+                          <a:solidFill>
+                            <a:schemeClr val="tx1"/>
+                          </a:solidFill>
+                          <a:effectLst/>
+                          <a:latin typeface="Arial" panose="020B0604020202020204" pitchFamily="34" charset="0"/>
+                          <a:ea typeface="+mn-ea"/>
+                          <a:cs typeface="Arial" panose="020B0604020202020204" pitchFamily="34" charset="0"/>
+                        </a:rPr>
+                        <a:t>Q-Content</a:t>
+                      </a:r>
+                    </a:p>
+                  </a:txBody>
+                  <a:tcPr marL="9525" marR="9525" marT="9525" anchor="ctr"/>
+                </a:tc>
+                <a:tc>
+                  <a:txBody>
+                    <a:bodyPr/>
+                    <a:lstStyle/>
+                    <a:p>
+                      <a:pPr marL="0" marR="0" lvl="0" indent="0" algn="l" defTabSz="914400" rtl="0" eaLnBrk="1" fontAlgn="ctr" latinLnBrk="0" hangingPunct="1">
+                        <a:lnSpc>
+                          <a:spcPct val="100000"/>
+                        </a:lnSpc>
+                        <a:spcBef>
+                          <a:spcPts val="0"/>
+                        </a:spcBef>
+                        <a:spcAft>
+                          <a:spcPts val="0"/>
+                        </a:spcAft>
+                        <a:buClrTx/>
+                        <a:buSzTx/>
+                        <a:buFontTx/>
+                        <a:buNone/>
+                        <a:tabLst/>
+                        <a:defRPr/>
+                      </a:pPr>
+                      <a:r>
+                        <a:rPr lang="en-US" altLang="zh-CN" sz="800" u="none" strike="noStrike" kern="1200" dirty="0">
+                          <a:solidFill>
+                            <a:schemeClr val="tx1"/>
+                          </a:solidFill>
+                          <a:effectLst/>
+                          <a:latin typeface="Arial" panose="020B0604020202020204" pitchFamily="34" charset="0"/>
+                          <a:ea typeface="+mn-ea"/>
+                          <a:cs typeface="Arial" panose="020B0604020202020204" pitchFamily="34" charset="0"/>
+                        </a:rPr>
+                        <a:t>Q-Content</a:t>
+                      </a:r>
+                    </a:p>
+                  </a:txBody>
+                  <a:tcPr marL="9525" marR="9525" marT="9525" anchor="ctr"/>
+                </a:tc>
+                <a:extLst>
+                  <a:ext uri="{0D108BD9-81ED-4DB2-BD59-A6C34878D82A}">
+                    <a16:rowId xmlns:a16="http://schemas.microsoft.com/office/drawing/2014/main" val="4102321971"/>
+                  </a:ext>
+                </a:extLst>
+              </a:tr>
+              <a:tr h="194422">
+                <a:tc>
+                  <a:txBody>
+                    <a:bodyPr/>
+                    <a:lstStyle/>
+                    <a:p>
+                      <a:pPr marL="0" algn="l" defTabSz="704835" rtl="0" eaLnBrk="1" fontAlgn="ctr" latinLnBrk="0" hangingPunct="1"/>
+                      <a:endParaRPr lang="en-US" sz="800" u="none" strike="noStrike" kern="1200" dirty="0">
+                        <a:solidFill>
+                          <a:schemeClr val="tx1"/>
+                        </a:solidFill>
+                        <a:effectLst/>
+                        <a:latin typeface="Arial" panose="020B0604020202020204" pitchFamily="34" charset="0"/>
+                        <a:ea typeface="+mn-ea"/>
+                        <a:cs typeface="Arial" panose="020B0604020202020204" pitchFamily="34" charset="0"/>
+                      </a:endParaRPr>
+                    </a:p>
+                  </a:txBody>
+                  <a:tcPr marL="678" marR="678" marT="678" marB="3256" anchor="ctr"/>
+                </a:tc>
+                <a:tc>
+                  <a:txBody>
+                    <a:bodyPr/>
+                    <a:lstStyle/>
+                    <a:p>
+                      <a:pPr algn="l" fontAlgn="ctr"/>
+                      <a:endParaRPr lang="en-US" sz="800" b="0" i="0" u="none" strike="noStrike">
+                        <a:solidFill>
+                          <a:schemeClr val="tx1"/>
+                        </a:solidFill>
+                        <a:effectLst/>
+                        <a:latin typeface="Arial" panose="020B0604020202020204" pitchFamily="34" charset="0"/>
+                        <a:cs typeface="Arial" panose="020B0604020202020204" pitchFamily="34" charset="0"/>
+                      </a:endParaRPr>
+                    </a:p>
+                  </a:txBody>
+                  <a:tcPr marL="9525" marR="9525" marT="9525" anchor="ctr"/>
+                </a:tc>
+                <a:tc>
+                  <a:txBody>
+                    <a:bodyPr/>
+                    <a:lstStyle/>
+                    <a:p>
+                      <a:pPr algn="l" fontAlgn="ctr"/>
+                      <a:endParaRPr lang="en-US" altLang="zh-CN" sz="800" b="0" i="0" u="none" strike="noStrike" dirty="0">
+                        <a:solidFill>
+                          <a:srgbClr val="FF0000"/>
+                        </a:solidFill>
+                        <a:effectLst/>
+                        <a:latin typeface="Arial" panose="020B0604020202020204" pitchFamily="34" charset="0"/>
+                        <a:cs typeface="Arial" panose="020B0604020202020204" pitchFamily="34" charset="0"/>
+                      </a:endParaRPr>
+                    </a:p>
+                  </a:txBody>
+                  <a:tcPr marL="9525" marR="9525" marT="9525" anchor="ctr"/>
+                </a:tc>
+                <a:extLst>
+                  <a:ext uri="{0D108BD9-81ED-4DB2-BD59-A6C34878D82A}">
+                    <a16:rowId xmlns:a16="http://schemas.microsoft.com/office/drawing/2014/main" val="1962776520"/>
+                  </a:ext>
+                </a:extLst>
+              </a:tr>
+              <a:tr h="194422">
+                <a:tc>
+                  <a:txBody>
+                    <a:bodyPr/>
+                    <a:lstStyle/>
+                    <a:p>
+                      <a:pPr marL="0" algn="l" defTabSz="704835" rtl="0" eaLnBrk="1" fontAlgn="ctr" latinLnBrk="0" hangingPunct="1"/>
+                      <a:endParaRPr lang="en-US" sz="800" u="none" strike="noStrike" kern="1200">
+                        <a:solidFill>
+                          <a:schemeClr val="tx1"/>
+                        </a:solidFill>
+                        <a:effectLst/>
+                        <a:latin typeface="Arial" panose="020B0604020202020204" pitchFamily="34" charset="0"/>
+                        <a:ea typeface="+mn-ea"/>
+                        <a:cs typeface="Arial" panose="020B0604020202020204" pitchFamily="34" charset="0"/>
+                      </a:endParaRPr>
+                    </a:p>
+                  </a:txBody>
+                  <a:tcPr marL="678" marR="678" marT="678" marB="3256" anchor="ctr"/>
+                </a:tc>
+                <a:tc>
+                  <a:txBody>
+                    <a:bodyPr/>
+                    <a:lstStyle/>
+                    <a:p>
+                      <a:pPr algn="l" fontAlgn="ctr"/>
+                      <a:endParaRPr lang="en-US" sz="800" b="0" i="0" u="none" strike="noStrike">
+                        <a:solidFill>
+                          <a:schemeClr val="tx1"/>
+                        </a:solidFill>
+                        <a:effectLst/>
+                        <a:latin typeface="Arial" panose="020B0604020202020204" pitchFamily="34" charset="0"/>
+                        <a:cs typeface="Arial" panose="020B0604020202020204" pitchFamily="34" charset="0"/>
+                      </a:endParaRPr>
+                    </a:p>
+                  </a:txBody>
+                  <a:tcPr marL="9525" marR="9525" marT="9525" anchor="ctr"/>
+                </a:tc>
+                <a:tc>
+                  <a:txBody>
+                    <a:bodyPr/>
+                    <a:lstStyle/>
+                    <a:p>
+                      <a:pPr algn="l" fontAlgn="ctr"/>
+                      <a:endParaRPr lang="en-US" sz="800" b="0" i="0" u="none" strike="noStrike" dirty="0">
+                        <a:solidFill>
+                          <a:schemeClr val="tx1"/>
+                        </a:solidFill>
+                        <a:effectLst/>
+                        <a:latin typeface="Arial" panose="020B0604020202020204" pitchFamily="34" charset="0"/>
+                        <a:cs typeface="Arial" panose="020B0604020202020204" pitchFamily="34" charset="0"/>
+                      </a:endParaRPr>
+                    </a:p>
+                  </a:txBody>
+                  <a:tcPr marL="9525" marR="9525" marT="9525" anchor="ctr"/>
+                </a:tc>
+                <a:extLst>
+                  <a:ext uri="{0D108BD9-81ED-4DB2-BD59-A6C34878D82A}">
+                    <a16:rowId xmlns:a16="http://schemas.microsoft.com/office/drawing/2014/main" val="2888349434"/>
+                  </a:ext>
+                </a:extLst>
+              </a:tr>
+              <a:tr h="194422">
+                <a:tc>
+                  <a:txBody>
+                    <a:bodyPr/>
+                    <a:lstStyle/>
+                    <a:p>
+                      <a:pPr marL="0" algn="l" defTabSz="704835" rtl="0" eaLnBrk="1" fontAlgn="ctr" latinLnBrk="0" hangingPunct="1"/>
+                      <a:endParaRPr lang="en-US" sz="800" u="none" strike="noStrike" kern="1200">
+                        <a:solidFill>
+                          <a:schemeClr val="tx1"/>
+                        </a:solidFill>
+                        <a:effectLst/>
+                        <a:latin typeface="Arial" panose="020B0604020202020204" pitchFamily="34" charset="0"/>
+                        <a:ea typeface="+mn-ea"/>
+                        <a:cs typeface="Arial" panose="020B0604020202020204" pitchFamily="34" charset="0"/>
+                      </a:endParaRPr>
+                    </a:p>
+                  </a:txBody>
+                  <a:tcPr marL="678" marR="678" marT="678" marB="3256" anchor="ctr"/>
+                </a:tc>
+                <a:tc>
+                  <a:txBody>
+                    <a:bodyPr/>
+                    <a:lstStyle/>
+                    <a:p>
+                      <a:pPr algn="l" fontAlgn="ctr"/>
+                      <a:endParaRPr lang="en-US" sz="800" b="0" i="0" u="none" strike="noStrike">
+                        <a:solidFill>
+                          <a:schemeClr val="tx1"/>
+                        </a:solidFill>
+                        <a:effectLst/>
+                        <a:latin typeface="Arial" panose="020B0604020202020204" pitchFamily="34" charset="0"/>
+                        <a:cs typeface="Arial" panose="020B0604020202020204" pitchFamily="34" charset="0"/>
+                      </a:endParaRPr>
+                    </a:p>
+                  </a:txBody>
+                  <a:tcPr marL="9525" marR="9525" marT="9525" anchor="ctr"/>
+                </a:tc>
+                <a:tc>
+                  <a:txBody>
+                    <a:bodyPr/>
+                    <a:lstStyle/>
+                    <a:p>
+                      <a:pPr algn="l" fontAlgn="ctr"/>
+                      <a:endParaRPr lang="en-US" sz="800" b="0" i="0" u="none" strike="noStrike" dirty="0">
+                        <a:solidFill>
+                          <a:schemeClr val="tx1"/>
+                        </a:solidFill>
+                        <a:effectLst/>
+                        <a:latin typeface="Arial" panose="020B0604020202020204" pitchFamily="34" charset="0"/>
+                        <a:cs typeface="Arial" panose="020B0604020202020204" pitchFamily="34" charset="0"/>
+                      </a:endParaRPr>
+                    </a:p>
+                  </a:txBody>
+                  <a:tcPr marL="9525" marR="9525" marT="9525" anchor="ctr"/>
+                </a:tc>
+                <a:extLst>
+                  <a:ext uri="{0D108BD9-81ED-4DB2-BD59-A6C34878D82A}">
+                    <a16:rowId xmlns:a16="http://schemas.microsoft.com/office/drawing/2014/main" val="3984479612"/>
+                  </a:ext>
+                </a:extLst>
+              </a:tr>
+            </a:tbl>
+          </a:graphicData>
+        </a:graphic>
+      </p:graphicFrame>
+      <p:graphicFrame>
+        <p:nvGraphicFramePr>
+          <p:cNvPr id="7" name="Table 6">
+            <a:extLst>
+              <a:ext uri="{FF2B5EF4-FFF2-40B4-BE49-F238E27FC236}">
+                <a16:creationId xmlns:a16="http://schemas.microsoft.com/office/drawing/2014/main" id="{A2A18567-E6F6-46C9-9AA7-91C08F8E569C}"/>
+              </a:ext>
+            </a:extLst>
+          </p:cNvPr>
+          <p:cNvGraphicFramePr>
+            <a:graphicFrameLocks noGrp="1"/>
+          </p:cNvGraphicFramePr>
+          <p:nvPr userDrawn="1">
+            <p:extLst>
+              <p:ext uri="{D42A27DB-BD31-4B8C-83A1-F6EECF244321}">
+                <p14:modId xmlns:p14="http://schemas.microsoft.com/office/powerpoint/2010/main" val="1317495561"/>
+              </p:ext>
+            </p:extLst>
+          </p:nvPr>
+        </p:nvGraphicFramePr>
+        <p:xfrm>
+          <a:off x="3156130" y="1205217"/>
+          <a:ext cx="5957891" cy="3819412"/>
+        </p:xfrm>
+        <a:graphic>
+          <a:graphicData uri="http://schemas.openxmlformats.org/drawingml/2006/table">
+            <a:tbl>
+              <a:tblPr firstRow="1" bandRow="1">
+                <a:tableStyleId>{EB344D84-9AFB-497E-A393-DC336BA19D2E}</a:tableStyleId>
+              </a:tblPr>
+              <a:tblGrid>
+                <a:gridCol w="889238">
+                  <a:extLst>
+                    <a:ext uri="{9D8B030D-6E8A-4147-A177-3AD203B41FA5}">
+                      <a16:colId xmlns:a16="http://schemas.microsoft.com/office/drawing/2014/main" val="3486463009"/>
+                    </a:ext>
+                  </a:extLst>
+                </a:gridCol>
+                <a:gridCol w="898129">
+                  <a:extLst>
+                    <a:ext uri="{9D8B030D-6E8A-4147-A177-3AD203B41FA5}">
+                      <a16:colId xmlns:a16="http://schemas.microsoft.com/office/drawing/2014/main" val="3716201317"/>
+                    </a:ext>
+                  </a:extLst>
+                </a:gridCol>
+                <a:gridCol w="1092280">
+                  <a:extLst>
+                    <a:ext uri="{9D8B030D-6E8A-4147-A177-3AD203B41FA5}">
+                      <a16:colId xmlns:a16="http://schemas.microsoft.com/office/drawing/2014/main" val="1424543934"/>
+                    </a:ext>
+                  </a:extLst>
+                </a:gridCol>
+                <a:gridCol w="1539122">
+                  <a:extLst>
+                    <a:ext uri="{9D8B030D-6E8A-4147-A177-3AD203B41FA5}">
+                      <a16:colId xmlns:a16="http://schemas.microsoft.com/office/drawing/2014/main" val="1071372161"/>
+                    </a:ext>
+                  </a:extLst>
+                </a:gridCol>
+                <a:gridCol w="1539122">
+                  <a:extLst>
+                    <a:ext uri="{9D8B030D-6E8A-4147-A177-3AD203B41FA5}">
+                      <a16:colId xmlns:a16="http://schemas.microsoft.com/office/drawing/2014/main" val="44322933"/>
+                    </a:ext>
+                  </a:extLst>
+                </a:gridCol>
+              </a:tblGrid>
+              <a:tr h="194422">
+                <a:tc>
+                  <a:txBody>
+                    <a:bodyPr/>
+                    <a:lstStyle/>
+                    <a:p>
+                      <a:pPr algn="l">
+                        <a:lnSpc>
+                          <a:spcPct val="150000"/>
+                        </a:lnSpc>
+                      </a:pPr>
+                      <a:r>
+                        <a:rPr lang="en-US" altLang="zh-CN" sz="800" dirty="0">
+                          <a:solidFill>
+                            <a:schemeClr val="tx1"/>
+                          </a:solidFill>
+                          <a:latin typeface="Arial" panose="020B0604020202020204" pitchFamily="34" charset="0"/>
+                          <a:cs typeface="Arial" panose="020B0604020202020204" pitchFamily="34" charset="0"/>
+                        </a:rPr>
+                        <a:t>H-Subject</a:t>
+                      </a:r>
+                      <a:endParaRPr lang="zh-CN" altLang="en-US" sz="800" dirty="0">
+                        <a:solidFill>
+                          <a:schemeClr val="tx1"/>
+                        </a:solidFill>
+                        <a:latin typeface="Arial" panose="020B0604020202020204" pitchFamily="34" charset="0"/>
+                        <a:cs typeface="Arial" panose="020B0604020202020204" pitchFamily="34" charset="0"/>
+                      </a:endParaRPr>
+                    </a:p>
+                  </a:txBody>
+                  <a:tcPr marL="0" marR="0" marT="0" marB="0"/>
+                </a:tc>
+                <a:tc>
+                  <a:txBody>
+                    <a:bodyPr/>
+                    <a:lstStyle/>
+                    <a:p>
+                      <a:pPr marL="0" marR="0" lvl="0" indent="0" algn="l" defTabSz="914400" rtl="0" eaLnBrk="1" fontAlgn="auto" latinLnBrk="0" hangingPunct="1">
+                        <a:lnSpc>
+                          <a:spcPct val="150000"/>
+                        </a:lnSpc>
+                        <a:spcBef>
+                          <a:spcPts val="0"/>
+                        </a:spcBef>
+                        <a:spcAft>
+                          <a:spcPts val="0"/>
+                        </a:spcAft>
+                        <a:buClrTx/>
+                        <a:buSzTx/>
+                        <a:buFontTx/>
+                        <a:buNone/>
+                        <a:tabLst/>
+                        <a:defRPr/>
+                      </a:pPr>
+                      <a:r>
+                        <a:rPr lang="en-US" altLang="zh-CN" sz="800" dirty="0">
+                          <a:solidFill>
+                            <a:schemeClr val="tx1"/>
+                          </a:solidFill>
+                          <a:latin typeface="Arial" panose="020B0604020202020204" pitchFamily="34" charset="0"/>
+                          <a:cs typeface="Arial" panose="020B0604020202020204" pitchFamily="34" charset="0"/>
+                        </a:rPr>
+                        <a:t>H-Subject</a:t>
+                      </a:r>
+                      <a:endParaRPr lang="zh-CN" altLang="en-US" sz="800" dirty="0">
+                        <a:solidFill>
+                          <a:schemeClr val="tx1"/>
+                        </a:solidFill>
+                        <a:latin typeface="Arial" panose="020B0604020202020204" pitchFamily="34" charset="0"/>
+                        <a:cs typeface="Arial" panose="020B0604020202020204" pitchFamily="34" charset="0"/>
+                      </a:endParaRPr>
+                    </a:p>
+                  </a:txBody>
+                  <a:tcPr marL="0" marR="0" marT="0" marB="0"/>
+                </a:tc>
+                <a:tc>
+                  <a:txBody>
+                    <a:bodyPr/>
+                    <a:lstStyle/>
+                    <a:p>
+                      <a:pPr algn="l">
+                        <a:lnSpc>
+                          <a:spcPct val="150000"/>
+                        </a:lnSpc>
+                      </a:pPr>
+                      <a:r>
+                        <a:rPr lang="en-US" altLang="zh-CN" sz="800" dirty="0">
+                          <a:solidFill>
+                            <a:schemeClr val="tx1"/>
+                          </a:solidFill>
+                          <a:latin typeface="Arial" panose="020B0604020202020204" pitchFamily="34" charset="0"/>
+                          <a:cs typeface="Arial" panose="020B0604020202020204" pitchFamily="34" charset="0"/>
+                        </a:rPr>
+                        <a:t>H-Subject</a:t>
+                      </a:r>
+                      <a:endParaRPr lang="zh-CN" altLang="en-US" sz="800" dirty="0">
+                        <a:solidFill>
+                          <a:schemeClr val="tx1"/>
+                        </a:solidFill>
+                        <a:latin typeface="Arial" panose="020B0604020202020204" pitchFamily="34" charset="0"/>
+                        <a:cs typeface="Arial" panose="020B0604020202020204" pitchFamily="34" charset="0"/>
+                      </a:endParaRPr>
+                    </a:p>
+                  </a:txBody>
+                  <a:tcPr marL="0" marR="0" marT="0" marB="0"/>
+                </a:tc>
+                <a:tc>
+                  <a:txBody>
+                    <a:bodyPr/>
+                    <a:lstStyle/>
+                    <a:p>
+                      <a:pPr marL="0" marR="0" lvl="0" indent="0" algn="l" defTabSz="914400" rtl="0" eaLnBrk="1" fontAlgn="auto" latinLnBrk="0" hangingPunct="1">
+                        <a:lnSpc>
+                          <a:spcPct val="150000"/>
+                        </a:lnSpc>
+                        <a:spcBef>
+                          <a:spcPts val="0"/>
+                        </a:spcBef>
+                        <a:spcAft>
+                          <a:spcPts val="0"/>
+                        </a:spcAft>
+                        <a:buClrTx/>
+                        <a:buSzTx/>
+                        <a:buFontTx/>
+                        <a:buNone/>
+                        <a:tabLst/>
+                        <a:defRPr/>
+                      </a:pPr>
+                      <a:r>
+                        <a:rPr lang="en-US" altLang="zh-CN" sz="800" dirty="0">
+                          <a:solidFill>
+                            <a:schemeClr val="tx1"/>
+                          </a:solidFill>
+                          <a:latin typeface="Arial" panose="020B0604020202020204" pitchFamily="34" charset="0"/>
+                          <a:cs typeface="Arial" panose="020B0604020202020204" pitchFamily="34" charset="0"/>
+                        </a:rPr>
+                        <a:t>H-Subject</a:t>
+                      </a:r>
+                      <a:endParaRPr lang="zh-CN" altLang="en-US" sz="800" dirty="0">
+                        <a:solidFill>
+                          <a:schemeClr val="tx1"/>
+                        </a:solidFill>
+                        <a:latin typeface="Arial" panose="020B0604020202020204" pitchFamily="34" charset="0"/>
+                        <a:cs typeface="Arial" panose="020B0604020202020204" pitchFamily="34" charset="0"/>
+                      </a:endParaRPr>
+                    </a:p>
+                  </a:txBody>
+                  <a:tcPr marL="0" marR="0" marT="0" marB="0"/>
+                </a:tc>
+                <a:tc>
+                  <a:txBody>
+                    <a:bodyPr/>
+                    <a:lstStyle/>
+                    <a:p>
+                      <a:pPr algn="l">
+                        <a:lnSpc>
+                          <a:spcPct val="150000"/>
+                        </a:lnSpc>
+                      </a:pPr>
+                      <a:r>
+                        <a:rPr lang="en-US" altLang="zh-CN" sz="800" dirty="0">
+                          <a:solidFill>
+                            <a:schemeClr val="tx1"/>
+                          </a:solidFill>
+                          <a:latin typeface="Arial" panose="020B0604020202020204" pitchFamily="34" charset="0"/>
+                          <a:cs typeface="Arial" panose="020B0604020202020204" pitchFamily="34" charset="0"/>
+                        </a:rPr>
+                        <a:t>H-Subject</a:t>
+                      </a:r>
+                      <a:endParaRPr lang="zh-CN" altLang="en-US" sz="800" dirty="0">
+                        <a:solidFill>
+                          <a:schemeClr val="tx1"/>
+                        </a:solidFill>
+                        <a:latin typeface="Arial" panose="020B0604020202020204" pitchFamily="34" charset="0"/>
+                        <a:cs typeface="Arial" panose="020B0604020202020204" pitchFamily="34" charset="0"/>
+                      </a:endParaRPr>
+                    </a:p>
+                  </a:txBody>
+                  <a:tcPr marL="0" marR="0" marT="0" marB="0"/>
+                </a:tc>
+                <a:extLst>
+                  <a:ext uri="{0D108BD9-81ED-4DB2-BD59-A6C34878D82A}">
+                    <a16:rowId xmlns:a16="http://schemas.microsoft.com/office/drawing/2014/main" val="2475942545"/>
+                  </a:ext>
+                </a:extLst>
+              </a:tr>
+              <a:tr h="194422">
+                <a:tc>
+                  <a:txBody>
+                    <a:bodyPr/>
+                    <a:lstStyle/>
+                    <a:p>
+                      <a:pPr marL="0" algn="l" defTabSz="704835" rtl="0" eaLnBrk="1" fontAlgn="ctr" latinLnBrk="0" hangingPunct="1"/>
+                      <a:r>
+                        <a:rPr lang="en-US" sz="800" u="none" strike="noStrike" kern="1200" dirty="0">
+                          <a:solidFill>
+                            <a:schemeClr val="tx1"/>
+                          </a:solidFill>
+                          <a:effectLst/>
+                          <a:latin typeface="Arial" panose="020B0604020202020204" pitchFamily="34" charset="0"/>
+                          <a:ea typeface="+mn-ea"/>
+                          <a:cs typeface="Arial" panose="020B0604020202020204" pitchFamily="34" charset="0"/>
+                        </a:rPr>
+                        <a:t>H-Content</a:t>
+                      </a:r>
+                    </a:p>
+                  </a:txBody>
+                  <a:tcPr marL="678" marR="678" marT="678" marB="3256" anchor="ctr"/>
+                </a:tc>
+                <a:tc>
+                  <a:txBody>
+                    <a:bodyPr/>
+                    <a:lstStyle/>
+                    <a:p>
+                      <a:pPr marL="0" marR="0" lvl="0" indent="0" algn="l" defTabSz="914400" rtl="0" eaLnBrk="1" fontAlgn="ctr" latinLnBrk="0" hangingPunct="1">
+                        <a:lnSpc>
+                          <a:spcPct val="100000"/>
+                        </a:lnSpc>
+                        <a:spcBef>
+                          <a:spcPts val="0"/>
+                        </a:spcBef>
+                        <a:spcAft>
+                          <a:spcPts val="0"/>
+                        </a:spcAft>
+                        <a:buClrTx/>
+                        <a:buSzTx/>
+                        <a:buFontTx/>
+                        <a:buNone/>
+                        <a:tabLst/>
+                        <a:defRPr/>
+                      </a:pPr>
+                      <a:r>
+                        <a:rPr lang="en-US" altLang="zh-CN" sz="800" u="none" strike="noStrike" kern="1200" dirty="0">
+                          <a:solidFill>
+                            <a:schemeClr val="tx1"/>
+                          </a:solidFill>
+                          <a:effectLst/>
+                          <a:latin typeface="Arial" panose="020B0604020202020204" pitchFamily="34" charset="0"/>
+                          <a:ea typeface="+mn-ea"/>
+                          <a:cs typeface="Arial" panose="020B0604020202020204" pitchFamily="34" charset="0"/>
+                        </a:rPr>
+                        <a:t>H-Content</a:t>
+                      </a:r>
+                    </a:p>
+                  </a:txBody>
+                  <a:tcPr marL="9525" marR="9525" marT="9525" anchor="ctr"/>
+                </a:tc>
+                <a:tc>
+                  <a:txBody>
+                    <a:bodyPr/>
+                    <a:lstStyle/>
+                    <a:p>
+                      <a:pPr marL="0" algn="l" defTabSz="704835" rtl="0" eaLnBrk="1" fontAlgn="ctr" latinLnBrk="0" hangingPunct="1"/>
+                      <a:r>
+                        <a:rPr lang="en-US" sz="800" u="none" strike="noStrike" kern="1200" dirty="0">
+                          <a:solidFill>
+                            <a:schemeClr val="tx1"/>
+                          </a:solidFill>
+                          <a:effectLst/>
+                          <a:latin typeface="Arial" panose="020B0604020202020204" pitchFamily="34" charset="0"/>
+                          <a:ea typeface="+mn-ea"/>
+                          <a:cs typeface="Arial" panose="020B0604020202020204" pitchFamily="34" charset="0"/>
+                        </a:rPr>
+                        <a:t>H-Content</a:t>
+                      </a:r>
+                    </a:p>
+                  </a:txBody>
+                  <a:tcPr marL="678" marR="678" marT="678" marB="3256" anchor="ctr"/>
+                </a:tc>
+                <a:tc>
+                  <a:txBody>
+                    <a:bodyPr/>
+                    <a:lstStyle/>
+                    <a:p>
+                      <a:pPr marL="0" marR="0" lvl="0" indent="0" algn="l" defTabSz="914400" rtl="0" eaLnBrk="1" fontAlgn="ctr" latinLnBrk="0" hangingPunct="1">
+                        <a:lnSpc>
+                          <a:spcPct val="100000"/>
+                        </a:lnSpc>
+                        <a:spcBef>
+                          <a:spcPts val="0"/>
+                        </a:spcBef>
+                        <a:spcAft>
+                          <a:spcPts val="0"/>
+                        </a:spcAft>
+                        <a:buClrTx/>
+                        <a:buSzTx/>
+                        <a:buFontTx/>
+                        <a:buNone/>
+                        <a:tabLst/>
+                        <a:defRPr/>
+                      </a:pPr>
+                      <a:r>
+                        <a:rPr lang="en-US" altLang="zh-CN" sz="800" u="none" strike="noStrike" kern="1200" dirty="0">
+                          <a:solidFill>
+                            <a:schemeClr val="tx1"/>
+                          </a:solidFill>
+                          <a:effectLst/>
+                          <a:latin typeface="Arial" panose="020B0604020202020204" pitchFamily="34" charset="0"/>
+                          <a:ea typeface="+mn-ea"/>
+                          <a:cs typeface="Arial" panose="020B0604020202020204" pitchFamily="34" charset="0"/>
+                        </a:rPr>
+                        <a:t>H-Content</a:t>
+                      </a:r>
+                    </a:p>
+                  </a:txBody>
+                  <a:tcPr marL="9525" marR="9525" marT="9525" anchor="ctr"/>
+                </a:tc>
+                <a:tc>
+                  <a:txBody>
+                    <a:bodyPr/>
+                    <a:lstStyle/>
+                    <a:p>
+                      <a:pPr marL="0" marR="0" lvl="0" indent="0" algn="l" defTabSz="914400" rtl="0" eaLnBrk="1" fontAlgn="ctr" latinLnBrk="0" hangingPunct="1">
+                        <a:lnSpc>
+                          <a:spcPct val="100000"/>
+                        </a:lnSpc>
+                        <a:spcBef>
+                          <a:spcPts val="0"/>
+                        </a:spcBef>
+                        <a:spcAft>
+                          <a:spcPts val="0"/>
+                        </a:spcAft>
+                        <a:buClrTx/>
+                        <a:buSzTx/>
+                        <a:buFontTx/>
+                        <a:buNone/>
+                        <a:tabLst/>
+                        <a:defRPr/>
+                      </a:pPr>
+                      <a:r>
+                        <a:rPr lang="en-US" altLang="zh-CN" sz="800" u="none" strike="noStrike" kern="1200" dirty="0">
+                          <a:solidFill>
+                            <a:schemeClr val="tx1"/>
+                          </a:solidFill>
+                          <a:effectLst/>
+                          <a:latin typeface="Arial" panose="020B0604020202020204" pitchFamily="34" charset="0"/>
+                          <a:ea typeface="+mn-ea"/>
+                          <a:cs typeface="Arial" panose="020B0604020202020204" pitchFamily="34" charset="0"/>
+                        </a:rPr>
+                        <a:t>H-Content</a:t>
+                      </a:r>
+                    </a:p>
+                  </a:txBody>
+                  <a:tcPr marL="9525" marR="9525" marT="9525" anchor="ctr"/>
+                </a:tc>
+                <a:extLst>
+                  <a:ext uri="{0D108BD9-81ED-4DB2-BD59-A6C34878D82A}">
+                    <a16:rowId xmlns:a16="http://schemas.microsoft.com/office/drawing/2014/main" val="1286567440"/>
+                  </a:ext>
+                </a:extLst>
+              </a:tr>
+              <a:tr h="194422">
+                <a:tc>
+                  <a:txBody>
+                    <a:bodyPr/>
+                    <a:lstStyle/>
+                    <a:p>
+                      <a:pPr marL="0" algn="l" defTabSz="704835" rtl="0" eaLnBrk="1" fontAlgn="ctr" latinLnBrk="0" hangingPunct="1"/>
+                      <a:r>
+                        <a:rPr lang="en-US" sz="800" u="none" strike="noStrike" kern="1200" dirty="0">
+                          <a:solidFill>
+                            <a:schemeClr val="tx1"/>
+                          </a:solidFill>
+                          <a:effectLst/>
+                          <a:latin typeface="Arial" panose="020B0604020202020204" pitchFamily="34" charset="0"/>
+                          <a:ea typeface="+mn-ea"/>
+                          <a:cs typeface="Arial" panose="020B0604020202020204" pitchFamily="34" charset="0"/>
+                        </a:rPr>
+                        <a:t>H-Content</a:t>
+                      </a:r>
+                    </a:p>
+                  </a:txBody>
+                  <a:tcPr marL="678" marR="678" marT="678" marB="3256" anchor="ctr"/>
+                </a:tc>
+                <a:tc>
+                  <a:txBody>
+                    <a:bodyPr/>
+                    <a:lstStyle/>
+                    <a:p>
+                      <a:pPr marL="0" marR="0" lvl="0" indent="0" algn="l" defTabSz="914400" rtl="0" eaLnBrk="1" fontAlgn="ctr" latinLnBrk="0" hangingPunct="1">
+                        <a:lnSpc>
+                          <a:spcPct val="100000"/>
+                        </a:lnSpc>
+                        <a:spcBef>
+                          <a:spcPts val="0"/>
+                        </a:spcBef>
+                        <a:spcAft>
+                          <a:spcPts val="0"/>
+                        </a:spcAft>
+                        <a:buClrTx/>
+                        <a:buSzTx/>
+                        <a:buFontTx/>
+                        <a:buNone/>
+                        <a:tabLst/>
+                        <a:defRPr/>
+                      </a:pPr>
+                      <a:r>
+                        <a:rPr lang="en-US" altLang="zh-CN" sz="800" u="none" strike="noStrike" kern="1200" dirty="0">
+                          <a:solidFill>
+                            <a:schemeClr val="tx1"/>
+                          </a:solidFill>
+                          <a:effectLst/>
+                          <a:latin typeface="Arial" panose="020B0604020202020204" pitchFamily="34" charset="0"/>
+                          <a:ea typeface="+mn-ea"/>
+                          <a:cs typeface="Arial" panose="020B0604020202020204" pitchFamily="34" charset="0"/>
+                        </a:rPr>
+                        <a:t>H-Content</a:t>
+                      </a:r>
+                    </a:p>
+                  </a:txBody>
+                  <a:tcPr marL="9525" marR="9525" marT="9525" anchor="ctr"/>
+                </a:tc>
+                <a:tc>
+                  <a:txBody>
+                    <a:bodyPr/>
+                    <a:lstStyle/>
+                    <a:p>
+                      <a:pPr marL="0" algn="l" defTabSz="704835" rtl="0" eaLnBrk="1" fontAlgn="ctr" latinLnBrk="0" hangingPunct="1"/>
+                      <a:r>
+                        <a:rPr lang="en-US" sz="800" u="none" strike="noStrike" kern="1200" dirty="0">
+                          <a:solidFill>
+                            <a:schemeClr val="tx1"/>
+                          </a:solidFill>
+                          <a:effectLst/>
+                          <a:latin typeface="Arial" panose="020B0604020202020204" pitchFamily="34" charset="0"/>
+                          <a:ea typeface="+mn-ea"/>
+                          <a:cs typeface="Arial" panose="020B0604020202020204" pitchFamily="34" charset="0"/>
+                        </a:rPr>
+                        <a:t>H-Content</a:t>
+                      </a:r>
+                    </a:p>
+                  </a:txBody>
+                  <a:tcPr marL="678" marR="678" marT="678" marB="3256" anchor="ctr"/>
+                </a:tc>
+                <a:tc>
+                  <a:txBody>
+                    <a:bodyPr/>
+                    <a:lstStyle/>
+                    <a:p>
+                      <a:pPr marL="0" marR="0" lvl="0" indent="0" algn="l" defTabSz="914400" rtl="0" eaLnBrk="1" fontAlgn="ctr" latinLnBrk="0" hangingPunct="1">
+                        <a:lnSpc>
+                          <a:spcPct val="100000"/>
+                        </a:lnSpc>
+                        <a:spcBef>
+                          <a:spcPts val="0"/>
+                        </a:spcBef>
+                        <a:spcAft>
+                          <a:spcPts val="0"/>
+                        </a:spcAft>
+                        <a:buClrTx/>
+                        <a:buSzTx/>
+                        <a:buFontTx/>
+                        <a:buNone/>
+                        <a:tabLst/>
+                        <a:defRPr/>
+                      </a:pPr>
+                      <a:r>
+                        <a:rPr lang="en-US" altLang="zh-CN" sz="800" u="none" strike="noStrike" kern="1200" dirty="0">
+                          <a:solidFill>
+                            <a:schemeClr val="tx1"/>
+                          </a:solidFill>
+                          <a:effectLst/>
+                          <a:latin typeface="Arial" panose="020B0604020202020204" pitchFamily="34" charset="0"/>
+                          <a:ea typeface="+mn-ea"/>
+                          <a:cs typeface="Arial" panose="020B0604020202020204" pitchFamily="34" charset="0"/>
+                        </a:rPr>
+                        <a:t>H-Content</a:t>
+                      </a:r>
+                    </a:p>
+                  </a:txBody>
+                  <a:tcPr marL="9525" marR="9525" marT="9525" anchor="ctr"/>
+                </a:tc>
+                <a:tc>
+                  <a:txBody>
+                    <a:bodyPr/>
+                    <a:lstStyle/>
+                    <a:p>
+                      <a:pPr marL="0" marR="0" lvl="0" indent="0" algn="l" defTabSz="914400" rtl="0" eaLnBrk="1" fontAlgn="ctr" latinLnBrk="0" hangingPunct="1">
+                        <a:lnSpc>
+                          <a:spcPct val="100000"/>
+                        </a:lnSpc>
+                        <a:spcBef>
+                          <a:spcPts val="0"/>
+                        </a:spcBef>
+                        <a:spcAft>
+                          <a:spcPts val="0"/>
+                        </a:spcAft>
+                        <a:buClrTx/>
+                        <a:buSzTx/>
+                        <a:buFontTx/>
+                        <a:buNone/>
+                        <a:tabLst/>
+                        <a:defRPr/>
+                      </a:pPr>
+                      <a:r>
+                        <a:rPr lang="en-US" altLang="zh-CN" sz="800" u="none" strike="noStrike" kern="1200" dirty="0">
+                          <a:solidFill>
+                            <a:schemeClr val="tx1"/>
+                          </a:solidFill>
+                          <a:effectLst/>
+                          <a:latin typeface="Arial" panose="020B0604020202020204" pitchFamily="34" charset="0"/>
+                          <a:ea typeface="+mn-ea"/>
+                          <a:cs typeface="Arial" panose="020B0604020202020204" pitchFamily="34" charset="0"/>
+                        </a:rPr>
+                        <a:t>H-Content</a:t>
+                      </a:r>
+                    </a:p>
+                  </a:txBody>
+                  <a:tcPr marL="9525" marR="9525" marT="9525" anchor="ctr"/>
+                </a:tc>
+                <a:extLst>
+                  <a:ext uri="{0D108BD9-81ED-4DB2-BD59-A6C34878D82A}">
+                    <a16:rowId xmlns:a16="http://schemas.microsoft.com/office/drawing/2014/main" val="332363828"/>
+                  </a:ext>
+                </a:extLst>
+              </a:tr>
+              <a:tr h="194422">
+                <a:tc>
+                  <a:txBody>
+                    <a:bodyPr/>
+                    <a:lstStyle/>
+                    <a:p>
+                      <a:pPr marL="0" algn="l" defTabSz="704835" rtl="0" eaLnBrk="1" fontAlgn="ctr" latinLnBrk="0" hangingPunct="1"/>
+                      <a:r>
+                        <a:rPr lang="en-US" sz="800" u="none" strike="noStrike" kern="1200" dirty="0">
+                          <a:solidFill>
+                            <a:schemeClr val="tx1"/>
+                          </a:solidFill>
+                          <a:effectLst/>
+                          <a:latin typeface="Arial" panose="020B0604020202020204" pitchFamily="34" charset="0"/>
+                          <a:ea typeface="+mn-ea"/>
+                          <a:cs typeface="Arial" panose="020B0604020202020204" pitchFamily="34" charset="0"/>
+                        </a:rPr>
+                        <a:t>H-Content</a:t>
+                      </a:r>
+                    </a:p>
+                  </a:txBody>
+                  <a:tcPr marL="678" marR="678" marT="678" marB="3256" anchor="ctr"/>
+                </a:tc>
+                <a:tc>
+                  <a:txBody>
+                    <a:bodyPr/>
+                    <a:lstStyle/>
+                    <a:p>
+                      <a:pPr marL="0" marR="0" lvl="0" indent="0" algn="l" defTabSz="914400" rtl="0" eaLnBrk="1" fontAlgn="ctr" latinLnBrk="0" hangingPunct="1">
+                        <a:lnSpc>
+                          <a:spcPct val="100000"/>
+                        </a:lnSpc>
+                        <a:spcBef>
+                          <a:spcPts val="0"/>
+                        </a:spcBef>
+                        <a:spcAft>
+                          <a:spcPts val="0"/>
+                        </a:spcAft>
+                        <a:buClrTx/>
+                        <a:buSzTx/>
+                        <a:buFontTx/>
+                        <a:buNone/>
+                        <a:tabLst/>
+                        <a:defRPr/>
+                      </a:pPr>
+                      <a:r>
+                        <a:rPr lang="en-US" altLang="zh-CN" sz="800" u="none" strike="noStrike" kern="1200" dirty="0">
+                          <a:solidFill>
+                            <a:schemeClr val="tx1"/>
+                          </a:solidFill>
+                          <a:effectLst/>
+                          <a:latin typeface="Arial" panose="020B0604020202020204" pitchFamily="34" charset="0"/>
+                          <a:ea typeface="+mn-ea"/>
+                          <a:cs typeface="Arial" panose="020B0604020202020204" pitchFamily="34" charset="0"/>
+                        </a:rPr>
+                        <a:t>H-Content</a:t>
+                      </a:r>
+                    </a:p>
+                  </a:txBody>
+                  <a:tcPr marL="9525" marR="9525" marT="9525" anchor="ctr"/>
+                </a:tc>
+                <a:tc>
+                  <a:txBody>
+                    <a:bodyPr/>
+                    <a:lstStyle/>
+                    <a:p>
+                      <a:pPr marL="0" algn="l" defTabSz="704835" rtl="0" eaLnBrk="1" fontAlgn="ctr" latinLnBrk="0" hangingPunct="1"/>
+                      <a:r>
+                        <a:rPr lang="en-US" sz="800" u="none" strike="noStrike" kern="1200" dirty="0">
+                          <a:solidFill>
+                            <a:schemeClr val="tx1"/>
+                          </a:solidFill>
+                          <a:effectLst/>
+                          <a:latin typeface="Arial" panose="020B0604020202020204" pitchFamily="34" charset="0"/>
+                          <a:ea typeface="+mn-ea"/>
+                          <a:cs typeface="Arial" panose="020B0604020202020204" pitchFamily="34" charset="0"/>
+                        </a:rPr>
+                        <a:t>H-Content</a:t>
+                      </a:r>
+                    </a:p>
+                  </a:txBody>
+                  <a:tcPr marL="678" marR="678" marT="678" marB="3256" anchor="ctr"/>
+                </a:tc>
+                <a:tc>
+                  <a:txBody>
+                    <a:bodyPr/>
+                    <a:lstStyle/>
+                    <a:p>
+                      <a:pPr marL="0" marR="0" lvl="0" indent="0" algn="l" defTabSz="914400" rtl="0" eaLnBrk="1" fontAlgn="ctr" latinLnBrk="0" hangingPunct="1">
+                        <a:lnSpc>
+                          <a:spcPct val="100000"/>
+                        </a:lnSpc>
+                        <a:spcBef>
+                          <a:spcPts val="0"/>
+                        </a:spcBef>
+                        <a:spcAft>
+                          <a:spcPts val="0"/>
+                        </a:spcAft>
+                        <a:buClrTx/>
+                        <a:buSzTx/>
+                        <a:buFontTx/>
+                        <a:buNone/>
+                        <a:tabLst/>
+                        <a:defRPr/>
+                      </a:pPr>
+                      <a:r>
+                        <a:rPr lang="en-US" altLang="zh-CN" sz="800" u="none" strike="noStrike" kern="1200" dirty="0">
+                          <a:solidFill>
+                            <a:schemeClr val="tx1"/>
+                          </a:solidFill>
+                          <a:effectLst/>
+                          <a:latin typeface="Arial" panose="020B0604020202020204" pitchFamily="34" charset="0"/>
+                          <a:ea typeface="+mn-ea"/>
+                          <a:cs typeface="Arial" panose="020B0604020202020204" pitchFamily="34" charset="0"/>
+                        </a:rPr>
+                        <a:t>H-Content</a:t>
+                      </a:r>
+                    </a:p>
+                  </a:txBody>
+                  <a:tcPr marL="9525" marR="9525" marT="9525" anchor="ctr"/>
+                </a:tc>
+                <a:tc>
+                  <a:txBody>
+                    <a:bodyPr/>
+                    <a:lstStyle/>
+                    <a:p>
+                      <a:pPr marL="0" marR="0" lvl="0" indent="0" algn="l" defTabSz="914400" rtl="0" eaLnBrk="1" fontAlgn="ctr" latinLnBrk="0" hangingPunct="1">
+                        <a:lnSpc>
+                          <a:spcPct val="100000"/>
+                        </a:lnSpc>
+                        <a:spcBef>
+                          <a:spcPts val="0"/>
+                        </a:spcBef>
+                        <a:spcAft>
+                          <a:spcPts val="0"/>
+                        </a:spcAft>
+                        <a:buClrTx/>
+                        <a:buSzTx/>
+                        <a:buFontTx/>
+                        <a:buNone/>
+                        <a:tabLst/>
+                        <a:defRPr/>
+                      </a:pPr>
+                      <a:r>
+                        <a:rPr lang="en-US" altLang="zh-CN" sz="800" u="none" strike="noStrike" kern="1200" dirty="0">
+                          <a:solidFill>
+                            <a:schemeClr val="tx1"/>
+                          </a:solidFill>
+                          <a:effectLst/>
+                          <a:latin typeface="Arial" panose="020B0604020202020204" pitchFamily="34" charset="0"/>
+                          <a:ea typeface="+mn-ea"/>
+                          <a:cs typeface="Arial" panose="020B0604020202020204" pitchFamily="34" charset="0"/>
+                        </a:rPr>
+                        <a:t>H-Content</a:t>
+                      </a:r>
+                    </a:p>
+                  </a:txBody>
+                  <a:tcPr marL="9525" marR="9525" marT="9525" anchor="ctr"/>
+                </a:tc>
+                <a:extLst>
+                  <a:ext uri="{0D108BD9-81ED-4DB2-BD59-A6C34878D82A}">
+                    <a16:rowId xmlns:a16="http://schemas.microsoft.com/office/drawing/2014/main" val="1986503902"/>
+                  </a:ext>
+                </a:extLst>
+              </a:tr>
+              <a:tr h="194422">
+                <a:tc>
+                  <a:txBody>
+                    <a:bodyPr/>
+                    <a:lstStyle/>
+                    <a:p>
+                      <a:pPr marL="0" algn="l" defTabSz="704835" rtl="0" eaLnBrk="1" fontAlgn="ctr" latinLnBrk="0" hangingPunct="1"/>
+                      <a:r>
+                        <a:rPr lang="en-US" sz="800" u="none" strike="noStrike" kern="1200" dirty="0">
+                          <a:solidFill>
+                            <a:schemeClr val="tx1"/>
+                          </a:solidFill>
+                          <a:effectLst/>
+                          <a:latin typeface="Arial" panose="020B0604020202020204" pitchFamily="34" charset="0"/>
+                          <a:ea typeface="+mn-ea"/>
+                          <a:cs typeface="Arial" panose="020B0604020202020204" pitchFamily="34" charset="0"/>
+                        </a:rPr>
+                        <a:t>H-Content</a:t>
+                      </a:r>
+                    </a:p>
+                  </a:txBody>
+                  <a:tcPr marL="678" marR="678" marT="678" marB="3256" anchor="ctr"/>
+                </a:tc>
+                <a:tc>
+                  <a:txBody>
+                    <a:bodyPr/>
+                    <a:lstStyle/>
+                    <a:p>
+                      <a:pPr marL="0" marR="0" lvl="0" indent="0" algn="l" defTabSz="914400" rtl="0" eaLnBrk="1" fontAlgn="ctr" latinLnBrk="0" hangingPunct="1">
+                        <a:lnSpc>
+                          <a:spcPct val="100000"/>
+                        </a:lnSpc>
+                        <a:spcBef>
+                          <a:spcPts val="0"/>
+                        </a:spcBef>
+                        <a:spcAft>
+                          <a:spcPts val="0"/>
+                        </a:spcAft>
+                        <a:buClrTx/>
+                        <a:buSzTx/>
+                        <a:buFontTx/>
+                        <a:buNone/>
+                        <a:tabLst/>
+                        <a:defRPr/>
+                      </a:pPr>
+                      <a:r>
+                        <a:rPr lang="en-US" altLang="zh-CN" sz="800" u="none" strike="noStrike" kern="1200" dirty="0">
+                          <a:solidFill>
+                            <a:schemeClr val="tx1"/>
+                          </a:solidFill>
+                          <a:effectLst/>
+                          <a:latin typeface="Arial" panose="020B0604020202020204" pitchFamily="34" charset="0"/>
+                          <a:ea typeface="+mn-ea"/>
+                          <a:cs typeface="Arial" panose="020B0604020202020204" pitchFamily="34" charset="0"/>
+                        </a:rPr>
+                        <a:t>H-Content</a:t>
+                      </a:r>
+                    </a:p>
+                  </a:txBody>
+                  <a:tcPr marL="9525" marR="9525" marT="9525" anchor="ctr"/>
+                </a:tc>
+                <a:tc>
+                  <a:txBody>
+                    <a:bodyPr/>
+                    <a:lstStyle/>
+                    <a:p>
+                      <a:pPr marL="0" algn="l" defTabSz="704835" rtl="0" eaLnBrk="1" fontAlgn="ctr" latinLnBrk="0" hangingPunct="1"/>
+                      <a:r>
+                        <a:rPr lang="en-US" sz="800" u="none" strike="noStrike" kern="1200" dirty="0">
+                          <a:solidFill>
+                            <a:schemeClr val="tx1"/>
+                          </a:solidFill>
+                          <a:effectLst/>
+                          <a:latin typeface="Arial" panose="020B0604020202020204" pitchFamily="34" charset="0"/>
+                          <a:ea typeface="+mn-ea"/>
+                          <a:cs typeface="Arial" panose="020B0604020202020204" pitchFamily="34" charset="0"/>
+                        </a:rPr>
+                        <a:t>H-Content</a:t>
+                      </a:r>
+                    </a:p>
+                  </a:txBody>
+                  <a:tcPr marL="678" marR="678" marT="678" marB="3256" anchor="ctr"/>
+                </a:tc>
+                <a:tc>
+                  <a:txBody>
+                    <a:bodyPr/>
+                    <a:lstStyle/>
+                    <a:p>
+                      <a:pPr marL="0" marR="0" lvl="0" indent="0" algn="l" defTabSz="914400" rtl="0" eaLnBrk="1" fontAlgn="ctr" latinLnBrk="0" hangingPunct="1">
+                        <a:lnSpc>
+                          <a:spcPct val="100000"/>
+                        </a:lnSpc>
+                        <a:spcBef>
+                          <a:spcPts val="0"/>
+                        </a:spcBef>
+                        <a:spcAft>
+                          <a:spcPts val="0"/>
+                        </a:spcAft>
+                        <a:buClrTx/>
+                        <a:buSzTx/>
+                        <a:buFontTx/>
+                        <a:buNone/>
+                        <a:tabLst/>
+                        <a:defRPr/>
+                      </a:pPr>
+                      <a:r>
+                        <a:rPr lang="en-US" altLang="zh-CN" sz="800" u="none" strike="noStrike" kern="1200" dirty="0">
+                          <a:solidFill>
+                            <a:schemeClr val="tx1"/>
+                          </a:solidFill>
+                          <a:effectLst/>
+                          <a:latin typeface="Arial" panose="020B0604020202020204" pitchFamily="34" charset="0"/>
+                          <a:ea typeface="+mn-ea"/>
+                          <a:cs typeface="Arial" panose="020B0604020202020204" pitchFamily="34" charset="0"/>
+                        </a:rPr>
+                        <a:t>H-Content</a:t>
+                      </a:r>
+                    </a:p>
+                  </a:txBody>
+                  <a:tcPr marL="9525" marR="9525" marT="9525" anchor="ctr"/>
+                </a:tc>
+                <a:tc>
+                  <a:txBody>
+                    <a:bodyPr/>
+                    <a:lstStyle/>
+                    <a:p>
+                      <a:pPr marL="0" marR="0" lvl="0" indent="0" algn="l" defTabSz="914400" rtl="0" eaLnBrk="1" fontAlgn="ctr" latinLnBrk="0" hangingPunct="1">
+                        <a:lnSpc>
+                          <a:spcPct val="100000"/>
+                        </a:lnSpc>
+                        <a:spcBef>
+                          <a:spcPts val="0"/>
+                        </a:spcBef>
+                        <a:spcAft>
+                          <a:spcPts val="0"/>
+                        </a:spcAft>
+                        <a:buClrTx/>
+                        <a:buSzTx/>
+                        <a:buFontTx/>
+                        <a:buNone/>
+                        <a:tabLst/>
+                        <a:defRPr/>
+                      </a:pPr>
+                      <a:r>
+                        <a:rPr lang="en-US" altLang="zh-CN" sz="800" u="none" strike="noStrike" kern="1200" dirty="0">
+                          <a:solidFill>
+                            <a:schemeClr val="tx1"/>
+                          </a:solidFill>
+                          <a:effectLst/>
+                          <a:latin typeface="Arial" panose="020B0604020202020204" pitchFamily="34" charset="0"/>
+                          <a:ea typeface="+mn-ea"/>
+                          <a:cs typeface="Arial" panose="020B0604020202020204" pitchFamily="34" charset="0"/>
+                        </a:rPr>
+                        <a:t>H-Content</a:t>
+                      </a:r>
+                    </a:p>
+                  </a:txBody>
+                  <a:tcPr marL="9525" marR="9525" marT="9525" anchor="ctr"/>
+                </a:tc>
+                <a:extLst>
+                  <a:ext uri="{0D108BD9-81ED-4DB2-BD59-A6C34878D82A}">
+                    <a16:rowId xmlns:a16="http://schemas.microsoft.com/office/drawing/2014/main" val="533460891"/>
+                  </a:ext>
+                </a:extLst>
+              </a:tr>
+              <a:tr h="97211">
+                <a:tc>
+                  <a:txBody>
+                    <a:bodyPr/>
+                    <a:lstStyle/>
+                    <a:p>
+                      <a:pPr marL="0" algn="l" defTabSz="704835" rtl="0" eaLnBrk="1" fontAlgn="ctr" latinLnBrk="0" hangingPunct="1"/>
+                      <a:r>
+                        <a:rPr lang="en-US" sz="800" u="none" strike="noStrike" kern="1200" dirty="0">
+                          <a:solidFill>
+                            <a:schemeClr val="tx1"/>
+                          </a:solidFill>
+                          <a:effectLst/>
+                          <a:latin typeface="Arial" panose="020B0604020202020204" pitchFamily="34" charset="0"/>
+                          <a:ea typeface="+mn-ea"/>
+                          <a:cs typeface="Arial" panose="020B0604020202020204" pitchFamily="34" charset="0"/>
+                        </a:rPr>
+                        <a:t>H-Content</a:t>
+                      </a:r>
+                    </a:p>
+                  </a:txBody>
+                  <a:tcPr marL="678" marR="678" marT="678" marB="3256" anchor="ctr"/>
+                </a:tc>
+                <a:tc>
+                  <a:txBody>
+                    <a:bodyPr/>
+                    <a:lstStyle/>
+                    <a:p>
+                      <a:pPr marL="0" marR="0" lvl="0" indent="0" algn="l" defTabSz="914400" rtl="0" eaLnBrk="1" fontAlgn="ctr" latinLnBrk="0" hangingPunct="1">
+                        <a:lnSpc>
+                          <a:spcPct val="100000"/>
+                        </a:lnSpc>
+                        <a:spcBef>
+                          <a:spcPts val="0"/>
+                        </a:spcBef>
+                        <a:spcAft>
+                          <a:spcPts val="0"/>
+                        </a:spcAft>
+                        <a:buClrTx/>
+                        <a:buSzTx/>
+                        <a:buFontTx/>
+                        <a:buNone/>
+                        <a:tabLst/>
+                        <a:defRPr/>
+                      </a:pPr>
+                      <a:r>
+                        <a:rPr lang="en-US" altLang="zh-CN" sz="800" u="none" strike="noStrike" kern="1200" dirty="0">
+                          <a:solidFill>
+                            <a:schemeClr val="tx1"/>
+                          </a:solidFill>
+                          <a:effectLst/>
+                          <a:latin typeface="Arial" panose="020B0604020202020204" pitchFamily="34" charset="0"/>
+                          <a:ea typeface="+mn-ea"/>
+                          <a:cs typeface="Arial" panose="020B0604020202020204" pitchFamily="34" charset="0"/>
+                        </a:rPr>
+                        <a:t>H-Content</a:t>
+                      </a:r>
+                    </a:p>
+                  </a:txBody>
+                  <a:tcPr marL="9525" marR="9525" marT="9525" anchor="ctr"/>
+                </a:tc>
+                <a:tc>
+                  <a:txBody>
+                    <a:bodyPr/>
+                    <a:lstStyle/>
+                    <a:p>
+                      <a:pPr marL="0" algn="l" defTabSz="704835" rtl="0" eaLnBrk="1" fontAlgn="ctr" latinLnBrk="0" hangingPunct="1"/>
+                      <a:r>
+                        <a:rPr lang="en-US" sz="800" u="none" strike="noStrike" kern="1200" dirty="0">
+                          <a:solidFill>
+                            <a:schemeClr val="tx1"/>
+                          </a:solidFill>
+                          <a:effectLst/>
+                          <a:latin typeface="Arial" panose="020B0604020202020204" pitchFamily="34" charset="0"/>
+                          <a:ea typeface="+mn-ea"/>
+                          <a:cs typeface="Arial" panose="020B0604020202020204" pitchFamily="34" charset="0"/>
+                        </a:rPr>
+                        <a:t>H-Content</a:t>
+                      </a:r>
+                    </a:p>
+                  </a:txBody>
+                  <a:tcPr marL="678" marR="678" marT="678" marB="3256" anchor="ctr"/>
+                </a:tc>
+                <a:tc>
+                  <a:txBody>
+                    <a:bodyPr/>
+                    <a:lstStyle/>
+                    <a:p>
+                      <a:pPr marL="0" marR="0" lvl="0" indent="0" algn="l" defTabSz="914400" rtl="0" eaLnBrk="1" fontAlgn="ctr" latinLnBrk="0" hangingPunct="1">
+                        <a:lnSpc>
+                          <a:spcPct val="100000"/>
+                        </a:lnSpc>
+                        <a:spcBef>
+                          <a:spcPts val="0"/>
+                        </a:spcBef>
+                        <a:spcAft>
+                          <a:spcPts val="0"/>
+                        </a:spcAft>
+                        <a:buClrTx/>
+                        <a:buSzTx/>
+                        <a:buFontTx/>
+                        <a:buNone/>
+                        <a:tabLst/>
+                        <a:defRPr/>
+                      </a:pPr>
+                      <a:r>
+                        <a:rPr lang="en-US" altLang="zh-CN" sz="800" u="none" strike="noStrike" kern="1200" dirty="0">
+                          <a:solidFill>
+                            <a:schemeClr val="tx1"/>
+                          </a:solidFill>
+                          <a:effectLst/>
+                          <a:latin typeface="Arial" panose="020B0604020202020204" pitchFamily="34" charset="0"/>
+                          <a:ea typeface="+mn-ea"/>
+                          <a:cs typeface="Arial" panose="020B0604020202020204" pitchFamily="34" charset="0"/>
+                        </a:rPr>
+                        <a:t>H-Content</a:t>
+                      </a:r>
+                    </a:p>
+                  </a:txBody>
+                  <a:tcPr marL="9525" marR="9525" marT="9525" anchor="ctr"/>
+                </a:tc>
+                <a:tc>
+                  <a:txBody>
+                    <a:bodyPr/>
+                    <a:lstStyle/>
+                    <a:p>
+                      <a:pPr marL="0" marR="0" lvl="0" indent="0" algn="l" defTabSz="914400" rtl="0" eaLnBrk="1" fontAlgn="ctr" latinLnBrk="0" hangingPunct="1">
+                        <a:lnSpc>
+                          <a:spcPct val="100000"/>
+                        </a:lnSpc>
+                        <a:spcBef>
+                          <a:spcPts val="0"/>
+                        </a:spcBef>
+                        <a:spcAft>
+                          <a:spcPts val="0"/>
+                        </a:spcAft>
+                        <a:buClrTx/>
+                        <a:buSzTx/>
+                        <a:buFontTx/>
+                        <a:buNone/>
+                        <a:tabLst/>
+                        <a:defRPr/>
+                      </a:pPr>
+                      <a:r>
+                        <a:rPr lang="en-US" altLang="zh-CN" sz="800" u="none" strike="noStrike" kern="1200" dirty="0">
+                          <a:solidFill>
+                            <a:schemeClr val="tx1"/>
+                          </a:solidFill>
+                          <a:effectLst/>
+                          <a:latin typeface="Arial" panose="020B0604020202020204" pitchFamily="34" charset="0"/>
+                          <a:ea typeface="+mn-ea"/>
+                          <a:cs typeface="Arial" panose="020B0604020202020204" pitchFamily="34" charset="0"/>
+                        </a:rPr>
+                        <a:t>H-Content</a:t>
+                      </a:r>
+                    </a:p>
+                  </a:txBody>
+                  <a:tcPr marL="9525" marR="9525" marT="9525" anchor="ctr"/>
+                </a:tc>
+                <a:extLst>
+                  <a:ext uri="{0D108BD9-81ED-4DB2-BD59-A6C34878D82A}">
+                    <a16:rowId xmlns:a16="http://schemas.microsoft.com/office/drawing/2014/main" val="2689685375"/>
+                  </a:ext>
+                </a:extLst>
+              </a:tr>
+              <a:tr h="0">
+                <a:tc>
+                  <a:txBody>
+                    <a:bodyPr/>
+                    <a:lstStyle/>
+                    <a:p>
+                      <a:pPr marL="0" algn="l" defTabSz="704835" rtl="0" eaLnBrk="1" fontAlgn="ctr" latinLnBrk="0" hangingPunct="1"/>
+                      <a:r>
+                        <a:rPr lang="en-US" sz="800" u="none" strike="noStrike" kern="1200" dirty="0">
+                          <a:solidFill>
+                            <a:schemeClr val="tx1"/>
+                          </a:solidFill>
+                          <a:effectLst/>
+                          <a:latin typeface="Arial" panose="020B0604020202020204" pitchFamily="34" charset="0"/>
+                          <a:ea typeface="+mn-ea"/>
+                          <a:cs typeface="Arial" panose="020B0604020202020204" pitchFamily="34" charset="0"/>
+                        </a:rPr>
+                        <a:t>H-Content</a:t>
+                      </a:r>
+                    </a:p>
+                  </a:txBody>
+                  <a:tcPr marL="678" marR="678" marT="678" marB="3256" anchor="ctr"/>
+                </a:tc>
+                <a:tc>
+                  <a:txBody>
+                    <a:bodyPr/>
+                    <a:lstStyle/>
+                    <a:p>
+                      <a:pPr marL="0" marR="0" lvl="0" indent="0" algn="l" defTabSz="914400" rtl="0" eaLnBrk="1" fontAlgn="ctr" latinLnBrk="0" hangingPunct="1">
+                        <a:lnSpc>
+                          <a:spcPct val="100000"/>
+                        </a:lnSpc>
+                        <a:spcBef>
+                          <a:spcPts val="0"/>
+                        </a:spcBef>
+                        <a:spcAft>
+                          <a:spcPts val="0"/>
+                        </a:spcAft>
+                        <a:buClrTx/>
+                        <a:buSzTx/>
+                        <a:buFontTx/>
+                        <a:buNone/>
+                        <a:tabLst/>
+                        <a:defRPr/>
+                      </a:pPr>
+                      <a:r>
+                        <a:rPr lang="en-US" altLang="zh-CN" sz="800" u="none" strike="noStrike" kern="1200" dirty="0">
+                          <a:solidFill>
+                            <a:schemeClr val="tx1"/>
+                          </a:solidFill>
+                          <a:effectLst/>
+                          <a:latin typeface="Arial" panose="020B0604020202020204" pitchFamily="34" charset="0"/>
+                          <a:ea typeface="+mn-ea"/>
+                          <a:cs typeface="Arial" panose="020B0604020202020204" pitchFamily="34" charset="0"/>
+                        </a:rPr>
+                        <a:t>H-Content</a:t>
+                      </a:r>
+                    </a:p>
+                  </a:txBody>
+                  <a:tcPr marL="9525" marR="9525" marT="9525" anchor="ctr"/>
+                </a:tc>
+                <a:tc>
+                  <a:txBody>
+                    <a:bodyPr/>
+                    <a:lstStyle/>
+                    <a:p>
+                      <a:pPr marL="0" algn="l" defTabSz="704835" rtl="0" eaLnBrk="1" fontAlgn="ctr" latinLnBrk="0" hangingPunct="1"/>
+                      <a:r>
+                        <a:rPr lang="en-US" sz="800" u="none" strike="noStrike" kern="1200" dirty="0">
+                          <a:solidFill>
+                            <a:schemeClr val="tx1"/>
+                          </a:solidFill>
+                          <a:effectLst/>
+                          <a:latin typeface="Arial" panose="020B0604020202020204" pitchFamily="34" charset="0"/>
+                          <a:ea typeface="+mn-ea"/>
+                          <a:cs typeface="Arial" panose="020B0604020202020204" pitchFamily="34" charset="0"/>
+                        </a:rPr>
+                        <a:t>H-Content</a:t>
+                      </a:r>
+                    </a:p>
+                  </a:txBody>
+                  <a:tcPr marL="678" marR="678" marT="678" marB="3256" anchor="ctr"/>
+                </a:tc>
+                <a:tc>
+                  <a:txBody>
+                    <a:bodyPr/>
+                    <a:lstStyle/>
+                    <a:p>
+                      <a:pPr marL="0" marR="0" lvl="0" indent="0" algn="l" defTabSz="914400" rtl="0" eaLnBrk="1" fontAlgn="ctr" latinLnBrk="0" hangingPunct="1">
+                        <a:lnSpc>
+                          <a:spcPct val="100000"/>
+                        </a:lnSpc>
+                        <a:spcBef>
+                          <a:spcPts val="0"/>
+                        </a:spcBef>
+                        <a:spcAft>
+                          <a:spcPts val="0"/>
+                        </a:spcAft>
+                        <a:buClrTx/>
+                        <a:buSzTx/>
+                        <a:buFontTx/>
+                        <a:buNone/>
+                        <a:tabLst/>
+                        <a:defRPr/>
+                      </a:pPr>
+                      <a:r>
+                        <a:rPr lang="en-US" altLang="zh-CN" sz="800" u="none" strike="noStrike" kern="1200" dirty="0">
+                          <a:solidFill>
+                            <a:schemeClr val="tx1"/>
+                          </a:solidFill>
+                          <a:effectLst/>
+                          <a:latin typeface="Arial" panose="020B0604020202020204" pitchFamily="34" charset="0"/>
+                          <a:ea typeface="+mn-ea"/>
+                          <a:cs typeface="Arial" panose="020B0604020202020204" pitchFamily="34" charset="0"/>
+                        </a:rPr>
+                        <a:t>H-Content</a:t>
+                      </a:r>
+                    </a:p>
+                  </a:txBody>
+                  <a:tcPr marL="9525" marR="9525" marT="9525" anchor="ctr"/>
+                </a:tc>
+                <a:tc>
+                  <a:txBody>
+                    <a:bodyPr/>
+                    <a:lstStyle/>
+                    <a:p>
+                      <a:pPr marL="0" marR="0" lvl="0" indent="0" algn="l" defTabSz="914400" rtl="0" eaLnBrk="1" fontAlgn="ctr" latinLnBrk="0" hangingPunct="1">
+                        <a:lnSpc>
+                          <a:spcPct val="100000"/>
+                        </a:lnSpc>
+                        <a:spcBef>
+                          <a:spcPts val="0"/>
+                        </a:spcBef>
+                        <a:spcAft>
+                          <a:spcPts val="0"/>
+                        </a:spcAft>
+                        <a:buClrTx/>
+                        <a:buSzTx/>
+                        <a:buFontTx/>
+                        <a:buNone/>
+                        <a:tabLst/>
+                        <a:defRPr/>
+                      </a:pPr>
+                      <a:r>
+                        <a:rPr lang="en-US" altLang="zh-CN" sz="800" u="none" strike="noStrike" kern="1200" dirty="0">
+                          <a:solidFill>
+                            <a:schemeClr val="tx1"/>
+                          </a:solidFill>
+                          <a:effectLst/>
+                          <a:latin typeface="Arial" panose="020B0604020202020204" pitchFamily="34" charset="0"/>
+                          <a:ea typeface="+mn-ea"/>
+                          <a:cs typeface="Arial" panose="020B0604020202020204" pitchFamily="34" charset="0"/>
+                        </a:rPr>
+                        <a:t>H-Content</a:t>
+                      </a:r>
+                    </a:p>
+                  </a:txBody>
+                  <a:tcPr marL="9525" marR="9525" marT="9525" anchor="ctr"/>
+                </a:tc>
+                <a:extLst>
+                  <a:ext uri="{0D108BD9-81ED-4DB2-BD59-A6C34878D82A}">
+                    <a16:rowId xmlns:a16="http://schemas.microsoft.com/office/drawing/2014/main" val="1789909939"/>
+                  </a:ext>
+                </a:extLst>
+              </a:tr>
+              <a:tr h="194422">
+                <a:tc>
+                  <a:txBody>
+                    <a:bodyPr/>
+                    <a:lstStyle/>
+                    <a:p>
+                      <a:pPr marL="0" algn="l" defTabSz="704835" rtl="0" eaLnBrk="1" fontAlgn="ctr" latinLnBrk="0" hangingPunct="1"/>
+                      <a:endParaRPr lang="en-US" sz="800" u="none" strike="noStrike" kern="1200" dirty="0">
+                        <a:solidFill>
+                          <a:schemeClr val="tx1"/>
+                        </a:solidFill>
+                        <a:effectLst/>
+                        <a:latin typeface="Arial" panose="020B0604020202020204" pitchFamily="34" charset="0"/>
+                        <a:ea typeface="+mn-ea"/>
+                        <a:cs typeface="Arial" panose="020B0604020202020204" pitchFamily="34" charset="0"/>
+                      </a:endParaRPr>
+                    </a:p>
+                  </a:txBody>
+                  <a:tcPr marL="678" marR="678" marT="678" marB="3256" anchor="ctr"/>
+                </a:tc>
+                <a:tc>
+                  <a:txBody>
+                    <a:bodyPr/>
+                    <a:lstStyle/>
+                    <a:p>
+                      <a:pPr algn="l" fontAlgn="ctr"/>
+                      <a:endParaRPr lang="en-US" sz="800" b="0" i="0" u="none" strike="noStrike">
+                        <a:solidFill>
+                          <a:schemeClr val="tx1"/>
+                        </a:solidFill>
+                        <a:effectLst/>
+                        <a:latin typeface="Arial" panose="020B0604020202020204" pitchFamily="34" charset="0"/>
+                        <a:cs typeface="Arial" panose="020B0604020202020204" pitchFamily="34" charset="0"/>
+                      </a:endParaRPr>
+                    </a:p>
+                  </a:txBody>
+                  <a:tcPr marL="9525" marR="9525" marT="9525" anchor="ctr"/>
+                </a:tc>
+                <a:tc>
+                  <a:txBody>
+                    <a:bodyPr/>
+                    <a:lstStyle/>
+                    <a:p>
+                      <a:pPr algn="l" fontAlgn="ctr"/>
+                      <a:endParaRPr lang="en-US" sz="800" b="0" i="0" u="none" strike="noStrike" dirty="0">
+                        <a:solidFill>
+                          <a:schemeClr val="tx1"/>
+                        </a:solidFill>
+                        <a:effectLst/>
+                        <a:latin typeface="Arial" panose="020B0604020202020204" pitchFamily="34" charset="0"/>
+                        <a:cs typeface="Arial" panose="020B0604020202020204" pitchFamily="34" charset="0"/>
+                      </a:endParaRPr>
+                    </a:p>
+                  </a:txBody>
+                  <a:tcPr marL="9525" marR="9525" marT="9525" anchor="ctr"/>
+                </a:tc>
+                <a:tc>
+                  <a:txBody>
+                    <a:bodyPr/>
+                    <a:lstStyle/>
+                    <a:p>
+                      <a:pPr algn="l" fontAlgn="ctr"/>
+                      <a:endParaRPr lang="en-US" sz="800" b="0" i="0" u="none" strike="noStrike" dirty="0">
+                        <a:solidFill>
+                          <a:schemeClr val="tx1"/>
+                        </a:solidFill>
+                        <a:effectLst/>
+                        <a:latin typeface="Arial" panose="020B0604020202020204" pitchFamily="34" charset="0"/>
+                        <a:cs typeface="Arial" panose="020B0604020202020204" pitchFamily="34" charset="0"/>
+                      </a:endParaRPr>
+                    </a:p>
+                  </a:txBody>
+                  <a:tcPr marL="9525" marR="9525" marT="9525" anchor="ctr"/>
+                </a:tc>
+                <a:tc>
+                  <a:txBody>
+                    <a:bodyPr/>
+                    <a:lstStyle/>
+                    <a:p>
+                      <a:pPr algn="l" fontAlgn="ctr"/>
+                      <a:endParaRPr lang="en-US" sz="800" b="0" i="0" u="none" strike="noStrike" dirty="0">
+                        <a:solidFill>
+                          <a:schemeClr val="tx1"/>
+                        </a:solidFill>
+                        <a:effectLst/>
+                        <a:latin typeface="Arial" panose="020B0604020202020204" pitchFamily="34" charset="0"/>
+                        <a:cs typeface="Arial" panose="020B0604020202020204" pitchFamily="34" charset="0"/>
+                      </a:endParaRPr>
+                    </a:p>
+                  </a:txBody>
+                  <a:tcPr marL="9525" marR="9525" marT="9525" anchor="ctr"/>
+                </a:tc>
+                <a:extLst>
+                  <a:ext uri="{0D108BD9-81ED-4DB2-BD59-A6C34878D82A}">
+                    <a16:rowId xmlns:a16="http://schemas.microsoft.com/office/drawing/2014/main" val="1817944818"/>
+                  </a:ext>
+                </a:extLst>
+              </a:tr>
+              <a:tr h="194422">
+                <a:tc>
+                  <a:txBody>
+                    <a:bodyPr/>
+                    <a:lstStyle/>
+                    <a:p>
+                      <a:pPr marL="0" algn="l" defTabSz="704835" rtl="0" eaLnBrk="1" fontAlgn="ctr" latinLnBrk="0" hangingPunct="1"/>
+                      <a:endParaRPr lang="en-US" sz="800" u="none" strike="noStrike" kern="1200">
+                        <a:solidFill>
+                          <a:schemeClr val="tx1"/>
+                        </a:solidFill>
+                        <a:effectLst/>
+                        <a:latin typeface="Arial" panose="020B0604020202020204" pitchFamily="34" charset="0"/>
+                        <a:ea typeface="+mn-ea"/>
+                        <a:cs typeface="Arial" panose="020B0604020202020204" pitchFamily="34" charset="0"/>
+                      </a:endParaRPr>
+                    </a:p>
+                  </a:txBody>
+                  <a:tcPr marL="678" marR="678" marT="678" marB="3256" anchor="ctr"/>
+                </a:tc>
+                <a:tc>
+                  <a:txBody>
+                    <a:bodyPr/>
+                    <a:lstStyle/>
+                    <a:p>
+                      <a:pPr algn="l" fontAlgn="ctr"/>
+                      <a:endParaRPr lang="en-US" sz="800" b="0" i="0" u="none" strike="noStrike" dirty="0">
+                        <a:solidFill>
+                          <a:schemeClr val="tx1"/>
+                        </a:solidFill>
+                        <a:effectLst/>
+                        <a:latin typeface="Arial" panose="020B0604020202020204" pitchFamily="34" charset="0"/>
+                        <a:cs typeface="Arial" panose="020B0604020202020204" pitchFamily="34" charset="0"/>
+                      </a:endParaRPr>
+                    </a:p>
+                  </a:txBody>
+                  <a:tcPr marL="9525" marR="9525" marT="9525" anchor="ctr"/>
+                </a:tc>
+                <a:tc>
+                  <a:txBody>
+                    <a:bodyPr/>
+                    <a:lstStyle/>
+                    <a:p>
+                      <a:pPr algn="l" fontAlgn="ctr"/>
+                      <a:endParaRPr lang="en-US" sz="800" b="0" i="0" u="none" strike="noStrike" dirty="0">
+                        <a:solidFill>
+                          <a:schemeClr val="tx1"/>
+                        </a:solidFill>
+                        <a:effectLst/>
+                        <a:latin typeface="Arial" panose="020B0604020202020204" pitchFamily="34" charset="0"/>
+                        <a:cs typeface="Arial" panose="020B0604020202020204" pitchFamily="34" charset="0"/>
+                      </a:endParaRPr>
+                    </a:p>
+                  </a:txBody>
+                  <a:tcPr marL="9525" marR="9525" marT="9525" anchor="ctr"/>
+                </a:tc>
+                <a:tc>
+                  <a:txBody>
+                    <a:bodyPr/>
+                    <a:lstStyle/>
+                    <a:p>
+                      <a:pPr algn="l" fontAlgn="ctr"/>
+                      <a:endParaRPr lang="en-US" sz="800" b="0" i="0" u="none" strike="noStrike" dirty="0">
+                        <a:solidFill>
+                          <a:schemeClr val="tx1"/>
+                        </a:solidFill>
+                        <a:effectLst/>
+                        <a:latin typeface="Arial" panose="020B0604020202020204" pitchFamily="34" charset="0"/>
+                        <a:cs typeface="Arial" panose="020B0604020202020204" pitchFamily="34" charset="0"/>
+                      </a:endParaRPr>
+                    </a:p>
+                  </a:txBody>
+                  <a:tcPr marL="9525" marR="9525" marT="9525" anchor="ctr"/>
+                </a:tc>
+                <a:tc>
+                  <a:txBody>
+                    <a:bodyPr/>
+                    <a:lstStyle/>
+                    <a:p>
+                      <a:pPr algn="l" fontAlgn="ctr"/>
+                      <a:endParaRPr lang="en-US" sz="800" b="0" i="0" u="none" strike="noStrike" dirty="0">
+                        <a:solidFill>
+                          <a:schemeClr val="tx1"/>
+                        </a:solidFill>
+                        <a:effectLst/>
+                        <a:latin typeface="Arial" panose="020B0604020202020204" pitchFamily="34" charset="0"/>
+                        <a:cs typeface="Arial" panose="020B0604020202020204" pitchFamily="34" charset="0"/>
+                      </a:endParaRPr>
+                    </a:p>
+                  </a:txBody>
+                  <a:tcPr marL="9525" marR="9525" marT="9525" anchor="ctr"/>
+                </a:tc>
+                <a:extLst>
+                  <a:ext uri="{0D108BD9-81ED-4DB2-BD59-A6C34878D82A}">
+                    <a16:rowId xmlns:a16="http://schemas.microsoft.com/office/drawing/2014/main" val="4102321971"/>
+                  </a:ext>
+                </a:extLst>
+              </a:tr>
+              <a:tr h="194422">
+                <a:tc>
+                  <a:txBody>
+                    <a:bodyPr/>
+                    <a:lstStyle/>
+                    <a:p>
+                      <a:pPr marL="0" algn="l" defTabSz="704835" rtl="0" eaLnBrk="1" fontAlgn="ctr" latinLnBrk="0" hangingPunct="1"/>
+                      <a:endParaRPr lang="en-US" sz="800" u="none" strike="noStrike" kern="1200">
+                        <a:solidFill>
+                          <a:schemeClr val="tx1"/>
+                        </a:solidFill>
+                        <a:effectLst/>
+                        <a:latin typeface="Arial" panose="020B0604020202020204" pitchFamily="34" charset="0"/>
+                        <a:ea typeface="+mn-ea"/>
+                        <a:cs typeface="Arial" panose="020B0604020202020204" pitchFamily="34" charset="0"/>
+                      </a:endParaRPr>
+                    </a:p>
+                  </a:txBody>
+                  <a:tcPr marL="678" marR="678" marT="678" marB="3256" anchor="ctr"/>
+                </a:tc>
+                <a:tc>
+                  <a:txBody>
+                    <a:bodyPr/>
+                    <a:lstStyle/>
+                    <a:p>
+                      <a:pPr algn="l" fontAlgn="ctr"/>
+                      <a:endParaRPr lang="en-US" sz="800" b="0" i="0" u="none" strike="noStrike">
+                        <a:solidFill>
+                          <a:schemeClr val="tx1"/>
+                        </a:solidFill>
+                        <a:effectLst/>
+                        <a:latin typeface="Arial" panose="020B0604020202020204" pitchFamily="34" charset="0"/>
+                        <a:cs typeface="Arial" panose="020B0604020202020204" pitchFamily="34" charset="0"/>
+                      </a:endParaRPr>
+                    </a:p>
+                  </a:txBody>
+                  <a:tcPr marL="9525" marR="9525" marT="9525" anchor="ctr"/>
+                </a:tc>
+                <a:tc>
+                  <a:txBody>
+                    <a:bodyPr/>
+                    <a:lstStyle/>
+                    <a:p>
+                      <a:pPr algn="l" fontAlgn="ctr"/>
+                      <a:endParaRPr lang="en-US" altLang="zh-CN" sz="800" b="0" i="0" u="none" strike="noStrike" dirty="0">
+                        <a:solidFill>
+                          <a:srgbClr val="FF0000"/>
+                        </a:solidFill>
+                        <a:effectLst/>
+                        <a:latin typeface="Arial" panose="020B0604020202020204" pitchFamily="34" charset="0"/>
+                        <a:cs typeface="Arial" panose="020B0604020202020204" pitchFamily="34" charset="0"/>
+                      </a:endParaRPr>
+                    </a:p>
+                  </a:txBody>
+                  <a:tcPr marL="9525" marR="9525" marT="9525" anchor="ctr"/>
+                </a:tc>
+                <a:tc>
+                  <a:txBody>
+                    <a:bodyPr/>
+                    <a:lstStyle/>
+                    <a:p>
+                      <a:pPr algn="l" fontAlgn="ctr"/>
+                      <a:endParaRPr lang="zh-CN" altLang="en-US" sz="800" b="0" i="0" u="none" strike="noStrike" dirty="0">
+                        <a:solidFill>
+                          <a:schemeClr val="tx1"/>
+                        </a:solidFill>
+                        <a:effectLst/>
+                        <a:latin typeface="Arial" panose="020B0604020202020204" pitchFamily="34" charset="0"/>
+                        <a:cs typeface="Arial" panose="020B0604020202020204" pitchFamily="34" charset="0"/>
+                      </a:endParaRPr>
+                    </a:p>
+                  </a:txBody>
+                  <a:tcPr marL="9525" marR="9525" marT="9525" anchor="ctr"/>
+                </a:tc>
+                <a:tc>
+                  <a:txBody>
+                    <a:bodyPr/>
+                    <a:lstStyle/>
+                    <a:p>
+                      <a:pPr algn="l" fontAlgn="ctr"/>
+                      <a:endParaRPr lang="zh-CN" altLang="en-US" sz="800" b="0" i="0" u="none" strike="noStrike" dirty="0">
+                        <a:solidFill>
+                          <a:schemeClr val="tx1"/>
+                        </a:solidFill>
+                        <a:effectLst/>
+                        <a:latin typeface="Arial" panose="020B0604020202020204" pitchFamily="34" charset="0"/>
+                        <a:cs typeface="Arial" panose="020B0604020202020204" pitchFamily="34" charset="0"/>
+                      </a:endParaRPr>
+                    </a:p>
+                  </a:txBody>
+                  <a:tcPr marL="9525" marR="9525" marT="9525" anchor="ctr"/>
+                </a:tc>
+                <a:extLst>
+                  <a:ext uri="{0D108BD9-81ED-4DB2-BD59-A6C34878D82A}">
+                    <a16:rowId xmlns:a16="http://schemas.microsoft.com/office/drawing/2014/main" val="1962776520"/>
+                  </a:ext>
+                </a:extLst>
+              </a:tr>
+              <a:tr h="194422">
+                <a:tc>
+                  <a:txBody>
+                    <a:bodyPr/>
+                    <a:lstStyle/>
+                    <a:p>
+                      <a:pPr marL="0" algn="l" defTabSz="704835" rtl="0" eaLnBrk="1" fontAlgn="ctr" latinLnBrk="0" hangingPunct="1"/>
+                      <a:endParaRPr lang="en-US" sz="800" u="none" strike="noStrike" kern="1200">
+                        <a:solidFill>
+                          <a:schemeClr val="tx1"/>
+                        </a:solidFill>
+                        <a:effectLst/>
+                        <a:latin typeface="Arial" panose="020B0604020202020204" pitchFamily="34" charset="0"/>
+                        <a:ea typeface="+mn-ea"/>
+                        <a:cs typeface="Arial" panose="020B0604020202020204" pitchFamily="34" charset="0"/>
+                      </a:endParaRPr>
+                    </a:p>
+                  </a:txBody>
+                  <a:tcPr marL="678" marR="678" marT="678" marB="3256" anchor="ctr"/>
+                </a:tc>
+                <a:tc>
+                  <a:txBody>
+                    <a:bodyPr/>
+                    <a:lstStyle/>
+                    <a:p>
+                      <a:pPr algn="l" fontAlgn="ctr"/>
+                      <a:endParaRPr lang="en-US" sz="800" b="0" i="0" u="none" strike="noStrike">
+                        <a:solidFill>
+                          <a:schemeClr val="tx1"/>
+                        </a:solidFill>
+                        <a:effectLst/>
+                        <a:latin typeface="Arial" panose="020B0604020202020204" pitchFamily="34" charset="0"/>
+                        <a:cs typeface="Arial" panose="020B0604020202020204" pitchFamily="34" charset="0"/>
+                      </a:endParaRPr>
+                    </a:p>
+                  </a:txBody>
+                  <a:tcPr marL="9525" marR="9525" marT="9525" anchor="ctr"/>
+                </a:tc>
+                <a:tc>
+                  <a:txBody>
+                    <a:bodyPr/>
+                    <a:lstStyle/>
+                    <a:p>
+                      <a:pPr algn="l" fontAlgn="ctr"/>
+                      <a:endParaRPr lang="en-US" sz="800" b="0" i="0" u="none" strike="noStrike" dirty="0">
+                        <a:solidFill>
+                          <a:schemeClr val="tx1"/>
+                        </a:solidFill>
+                        <a:effectLst/>
+                        <a:latin typeface="Arial" panose="020B0604020202020204" pitchFamily="34" charset="0"/>
+                        <a:cs typeface="Arial" panose="020B0604020202020204" pitchFamily="34" charset="0"/>
+                      </a:endParaRPr>
+                    </a:p>
+                  </a:txBody>
+                  <a:tcPr marL="9525" marR="9525" marT="9525" anchor="ctr"/>
+                </a:tc>
+                <a:tc>
+                  <a:txBody>
+                    <a:bodyPr/>
+                    <a:lstStyle/>
+                    <a:p>
+                      <a:pPr algn="l" fontAlgn="ctr"/>
+                      <a:endParaRPr lang="zh-CN" altLang="en-US" sz="800" b="0" i="0" u="none" strike="noStrike" dirty="0">
+                        <a:solidFill>
+                          <a:schemeClr val="tx1"/>
+                        </a:solidFill>
+                        <a:effectLst/>
+                        <a:latin typeface="Arial" panose="020B0604020202020204" pitchFamily="34" charset="0"/>
+                        <a:cs typeface="Arial" panose="020B0604020202020204" pitchFamily="34" charset="0"/>
+                      </a:endParaRPr>
+                    </a:p>
+                  </a:txBody>
+                  <a:tcPr marL="9525" marR="9525" marT="9525" anchor="ctr"/>
+                </a:tc>
+                <a:tc>
+                  <a:txBody>
+                    <a:bodyPr/>
+                    <a:lstStyle/>
+                    <a:p>
+                      <a:pPr algn="l" fontAlgn="ctr"/>
+                      <a:endParaRPr lang="zh-CN" altLang="en-US" sz="800" b="0" i="0" u="none" strike="noStrike" dirty="0">
+                        <a:solidFill>
+                          <a:schemeClr val="tx1"/>
+                        </a:solidFill>
+                        <a:effectLst/>
+                        <a:latin typeface="Arial" panose="020B0604020202020204" pitchFamily="34" charset="0"/>
+                        <a:cs typeface="Arial" panose="020B0604020202020204" pitchFamily="34" charset="0"/>
+                      </a:endParaRPr>
+                    </a:p>
+                  </a:txBody>
+                  <a:tcPr marL="9525" marR="9525" marT="9525" anchor="ctr"/>
+                </a:tc>
+                <a:extLst>
+                  <a:ext uri="{0D108BD9-81ED-4DB2-BD59-A6C34878D82A}">
+                    <a16:rowId xmlns:a16="http://schemas.microsoft.com/office/drawing/2014/main" val="2888349434"/>
+                  </a:ext>
+                </a:extLst>
+              </a:tr>
+              <a:tr h="194422">
+                <a:tc>
+                  <a:txBody>
+                    <a:bodyPr/>
+                    <a:lstStyle/>
+                    <a:p>
+                      <a:pPr marL="0" algn="l" defTabSz="704835" rtl="0" eaLnBrk="1" fontAlgn="ctr" latinLnBrk="0" hangingPunct="1"/>
+                      <a:endParaRPr lang="en-US" sz="800" u="none" strike="noStrike" kern="1200">
+                        <a:solidFill>
+                          <a:schemeClr val="tx1"/>
+                        </a:solidFill>
+                        <a:effectLst/>
+                        <a:latin typeface="Arial" panose="020B0604020202020204" pitchFamily="34" charset="0"/>
+                        <a:ea typeface="+mn-ea"/>
+                        <a:cs typeface="Arial" panose="020B0604020202020204" pitchFamily="34" charset="0"/>
+                      </a:endParaRPr>
+                    </a:p>
+                  </a:txBody>
+                  <a:tcPr marL="678" marR="678" marT="678" marB="3256" anchor="ctr"/>
+                </a:tc>
+                <a:tc>
+                  <a:txBody>
+                    <a:bodyPr/>
+                    <a:lstStyle/>
+                    <a:p>
+                      <a:pPr algn="l" fontAlgn="ctr"/>
+                      <a:endParaRPr lang="en-US" sz="800" b="0" i="0" u="none" strike="noStrike">
+                        <a:solidFill>
+                          <a:schemeClr val="tx1"/>
+                        </a:solidFill>
+                        <a:effectLst/>
+                        <a:latin typeface="Arial" panose="020B0604020202020204" pitchFamily="34" charset="0"/>
+                        <a:cs typeface="Arial" panose="020B0604020202020204" pitchFamily="34" charset="0"/>
+                      </a:endParaRPr>
+                    </a:p>
+                  </a:txBody>
+                  <a:tcPr marL="9525" marR="9525" marT="9525" anchor="ctr"/>
+                </a:tc>
+                <a:tc>
+                  <a:txBody>
+                    <a:bodyPr/>
+                    <a:lstStyle/>
+                    <a:p>
+                      <a:pPr algn="l" fontAlgn="ctr"/>
+                      <a:endParaRPr lang="en-US" sz="800" b="0" i="0" u="none" strike="noStrike" dirty="0">
+                        <a:solidFill>
+                          <a:schemeClr val="tx1"/>
+                        </a:solidFill>
+                        <a:effectLst/>
+                        <a:latin typeface="Arial" panose="020B0604020202020204" pitchFamily="34" charset="0"/>
+                        <a:cs typeface="Arial" panose="020B0604020202020204" pitchFamily="34" charset="0"/>
+                      </a:endParaRPr>
+                    </a:p>
+                  </a:txBody>
+                  <a:tcPr marL="9525" marR="9525" marT="9525" anchor="ctr"/>
+                </a:tc>
+                <a:tc>
+                  <a:txBody>
+                    <a:bodyPr/>
+                    <a:lstStyle/>
+                    <a:p>
+                      <a:pPr algn="l" fontAlgn="ctr"/>
+                      <a:endParaRPr lang="zh-CN" altLang="en-US" sz="800" b="0" i="0" u="none" strike="noStrike" dirty="0">
+                        <a:solidFill>
+                          <a:schemeClr val="tx1"/>
+                        </a:solidFill>
+                        <a:effectLst/>
+                        <a:latin typeface="Arial" panose="020B0604020202020204" pitchFamily="34" charset="0"/>
+                        <a:cs typeface="Arial" panose="020B0604020202020204" pitchFamily="34" charset="0"/>
+                      </a:endParaRPr>
+                    </a:p>
+                  </a:txBody>
+                  <a:tcPr marL="9525" marR="9525" marT="9525" anchor="ctr"/>
+                </a:tc>
+                <a:tc>
+                  <a:txBody>
+                    <a:bodyPr/>
+                    <a:lstStyle/>
+                    <a:p>
+                      <a:pPr algn="l" fontAlgn="ctr"/>
+                      <a:endParaRPr lang="zh-CN" altLang="en-US" sz="800" b="0" i="0" u="none" strike="noStrike" dirty="0">
+                        <a:solidFill>
+                          <a:schemeClr val="tx1"/>
+                        </a:solidFill>
+                        <a:effectLst/>
+                        <a:latin typeface="Arial" panose="020B0604020202020204" pitchFamily="34" charset="0"/>
+                        <a:cs typeface="Arial" panose="020B0604020202020204" pitchFamily="34" charset="0"/>
+                      </a:endParaRPr>
+                    </a:p>
+                  </a:txBody>
+                  <a:tcPr marL="9525" marR="9525" marT="9525" anchor="ctr"/>
+                </a:tc>
+                <a:extLst>
+                  <a:ext uri="{0D108BD9-81ED-4DB2-BD59-A6C34878D82A}">
+                    <a16:rowId xmlns:a16="http://schemas.microsoft.com/office/drawing/2014/main" val="3984479612"/>
+                  </a:ext>
+                </a:extLst>
+              </a:tr>
+              <a:tr h="194422">
+                <a:tc>
+                  <a:txBody>
+                    <a:bodyPr/>
+                    <a:lstStyle/>
+                    <a:p>
+                      <a:pPr marL="0" algn="l" defTabSz="704835" rtl="0" eaLnBrk="1" fontAlgn="ctr" latinLnBrk="0" hangingPunct="1"/>
+                      <a:endParaRPr lang="en-US" sz="800" u="none" strike="noStrike" kern="1200">
+                        <a:solidFill>
+                          <a:schemeClr val="tx1"/>
+                        </a:solidFill>
+                        <a:effectLst/>
+                        <a:latin typeface="Arial" panose="020B0604020202020204" pitchFamily="34" charset="0"/>
+                        <a:ea typeface="+mn-ea"/>
+                        <a:cs typeface="Arial" panose="020B0604020202020204" pitchFamily="34" charset="0"/>
+                      </a:endParaRPr>
+                    </a:p>
+                  </a:txBody>
+                  <a:tcPr marL="678" marR="678" marT="678" marB="3256" anchor="ctr"/>
+                </a:tc>
+                <a:tc>
+                  <a:txBody>
+                    <a:bodyPr/>
+                    <a:lstStyle/>
+                    <a:p>
+                      <a:pPr algn="l" fontAlgn="ctr"/>
+                      <a:endParaRPr lang="en-US" sz="800" b="0" i="0" u="none" strike="noStrike">
+                        <a:solidFill>
+                          <a:schemeClr val="tx1"/>
+                        </a:solidFill>
+                        <a:effectLst/>
+                        <a:latin typeface="Arial" panose="020B0604020202020204" pitchFamily="34" charset="0"/>
+                        <a:cs typeface="Arial" panose="020B0604020202020204" pitchFamily="34" charset="0"/>
+                      </a:endParaRPr>
+                    </a:p>
+                  </a:txBody>
+                  <a:tcPr marL="9525" marR="9525" marT="9525" anchor="ctr"/>
+                </a:tc>
+                <a:tc>
+                  <a:txBody>
+                    <a:bodyPr/>
+                    <a:lstStyle/>
+                    <a:p>
+                      <a:pPr algn="l" fontAlgn="ctr"/>
+                      <a:endParaRPr lang="en-US" sz="800" b="0" i="0" u="none" strike="noStrike" dirty="0">
+                        <a:solidFill>
+                          <a:schemeClr val="tx1"/>
+                        </a:solidFill>
+                        <a:effectLst/>
+                        <a:latin typeface="Arial" panose="020B0604020202020204" pitchFamily="34" charset="0"/>
+                        <a:cs typeface="Arial" panose="020B0604020202020204" pitchFamily="34" charset="0"/>
+                      </a:endParaRPr>
+                    </a:p>
+                  </a:txBody>
+                  <a:tcPr marL="9525" marR="9525" marT="9525" anchor="ctr"/>
+                </a:tc>
+                <a:tc>
+                  <a:txBody>
+                    <a:bodyPr/>
+                    <a:lstStyle/>
+                    <a:p>
+                      <a:pPr marL="0" marR="0" lvl="0" indent="0" algn="l" defTabSz="704835" rtl="0" eaLnBrk="1" fontAlgn="ctr" latinLnBrk="0" hangingPunct="1">
+                        <a:lnSpc>
+                          <a:spcPct val="100000"/>
+                        </a:lnSpc>
+                        <a:spcBef>
+                          <a:spcPts val="0"/>
+                        </a:spcBef>
+                        <a:spcAft>
+                          <a:spcPts val="0"/>
+                        </a:spcAft>
+                        <a:buClrTx/>
+                        <a:buSzTx/>
+                        <a:buFontTx/>
+                        <a:buNone/>
+                        <a:tabLst/>
+                        <a:defRPr/>
+                      </a:pPr>
+                      <a:endParaRPr lang="en-US" altLang="zh-CN" sz="800" b="0" i="0" u="none" strike="noStrike" dirty="0">
+                        <a:solidFill>
+                          <a:schemeClr val="tx1"/>
+                        </a:solidFill>
+                        <a:effectLst/>
+                        <a:latin typeface="Arial" panose="020B0604020202020204" pitchFamily="34" charset="0"/>
+                        <a:cs typeface="Arial" panose="020B0604020202020204" pitchFamily="34" charset="0"/>
+                      </a:endParaRPr>
+                    </a:p>
+                  </a:txBody>
+                  <a:tcPr marL="9525" marR="9525" marT="9525" anchor="ctr"/>
+                </a:tc>
+                <a:tc>
+                  <a:txBody>
+                    <a:bodyPr/>
+                    <a:lstStyle/>
+                    <a:p>
+                      <a:pPr marL="0" marR="0" lvl="0" indent="0" algn="l" defTabSz="704835" rtl="0" eaLnBrk="1" fontAlgn="ctr" latinLnBrk="0" hangingPunct="1">
+                        <a:lnSpc>
+                          <a:spcPct val="100000"/>
+                        </a:lnSpc>
+                        <a:spcBef>
+                          <a:spcPts val="0"/>
+                        </a:spcBef>
+                        <a:spcAft>
+                          <a:spcPts val="0"/>
+                        </a:spcAft>
+                        <a:buClrTx/>
+                        <a:buSzTx/>
+                        <a:buFontTx/>
+                        <a:buNone/>
+                        <a:tabLst/>
+                        <a:defRPr/>
+                      </a:pPr>
+                      <a:endParaRPr lang="en-US" altLang="zh-CN" sz="800" b="0" i="0" u="none" strike="noStrike" dirty="0">
+                        <a:solidFill>
+                          <a:schemeClr val="tx1"/>
+                        </a:solidFill>
+                        <a:effectLst/>
+                        <a:latin typeface="Arial" panose="020B0604020202020204" pitchFamily="34" charset="0"/>
+                        <a:cs typeface="Arial" panose="020B0604020202020204" pitchFamily="34" charset="0"/>
+                      </a:endParaRPr>
+                    </a:p>
+                  </a:txBody>
+                  <a:tcPr marL="9525" marR="9525" marT="9525" anchor="ctr"/>
+                </a:tc>
+                <a:extLst>
+                  <a:ext uri="{0D108BD9-81ED-4DB2-BD59-A6C34878D82A}">
+                    <a16:rowId xmlns:a16="http://schemas.microsoft.com/office/drawing/2014/main" val="1098224412"/>
+                  </a:ext>
+                </a:extLst>
+              </a:tr>
+              <a:tr h="194422">
+                <a:tc>
+                  <a:txBody>
+                    <a:bodyPr/>
+                    <a:lstStyle/>
+                    <a:p>
+                      <a:pPr marL="0" algn="l" defTabSz="704835" rtl="0" eaLnBrk="1" fontAlgn="ctr" latinLnBrk="0" hangingPunct="1"/>
+                      <a:endParaRPr lang="en-US" sz="800" u="none" strike="noStrike" kern="1200" dirty="0">
+                        <a:solidFill>
+                          <a:schemeClr val="tx1"/>
+                        </a:solidFill>
+                        <a:effectLst/>
+                        <a:latin typeface="Arial" panose="020B0604020202020204" pitchFamily="34" charset="0"/>
+                        <a:ea typeface="+mn-ea"/>
+                        <a:cs typeface="Arial" panose="020B0604020202020204" pitchFamily="34" charset="0"/>
+                      </a:endParaRPr>
+                    </a:p>
+                  </a:txBody>
+                  <a:tcPr marL="678" marR="678" marT="678" marB="3256" anchor="ctr"/>
+                </a:tc>
+                <a:tc>
+                  <a:txBody>
+                    <a:bodyPr/>
+                    <a:lstStyle/>
+                    <a:p>
+                      <a:pPr algn="l" fontAlgn="ctr"/>
+                      <a:endParaRPr lang="en-US" sz="800" b="0" i="0" u="none" strike="noStrike">
+                        <a:solidFill>
+                          <a:schemeClr val="tx1"/>
+                        </a:solidFill>
+                        <a:effectLst/>
+                        <a:latin typeface="Arial" panose="020B0604020202020204" pitchFamily="34" charset="0"/>
+                        <a:cs typeface="Arial" panose="020B0604020202020204" pitchFamily="34" charset="0"/>
+                      </a:endParaRPr>
+                    </a:p>
+                  </a:txBody>
+                  <a:tcPr marL="9525" marR="9525" marT="9525" anchor="ctr"/>
+                </a:tc>
+                <a:tc>
+                  <a:txBody>
+                    <a:bodyPr/>
+                    <a:lstStyle/>
+                    <a:p>
+                      <a:pPr algn="l" fontAlgn="ctr"/>
+                      <a:endParaRPr lang="en-US" sz="800" b="0" i="0" u="none" strike="noStrike" dirty="0">
+                        <a:solidFill>
+                          <a:schemeClr val="tx1"/>
+                        </a:solidFill>
+                        <a:effectLst/>
+                        <a:latin typeface="Arial" panose="020B0604020202020204" pitchFamily="34" charset="0"/>
+                        <a:cs typeface="Arial" panose="020B0604020202020204" pitchFamily="34" charset="0"/>
+                      </a:endParaRPr>
+                    </a:p>
+                  </a:txBody>
+                  <a:tcPr marL="9525" marR="9525" marT="9525" anchor="ctr"/>
+                </a:tc>
+                <a:tc>
+                  <a:txBody>
+                    <a:bodyPr/>
+                    <a:lstStyle/>
+                    <a:p>
+                      <a:pPr algn="l" fontAlgn="ctr"/>
+                      <a:endParaRPr lang="en-US" sz="800" b="0" i="0" u="none" strike="noStrike" dirty="0">
+                        <a:solidFill>
+                          <a:schemeClr val="tx1"/>
+                        </a:solidFill>
+                        <a:effectLst/>
+                        <a:latin typeface="Arial" panose="020B0604020202020204" pitchFamily="34" charset="0"/>
+                        <a:cs typeface="Arial" panose="020B0604020202020204" pitchFamily="34" charset="0"/>
+                      </a:endParaRPr>
+                    </a:p>
+                  </a:txBody>
+                  <a:tcPr marL="9525" marR="9525" marT="9525" anchor="ctr"/>
+                </a:tc>
+                <a:tc>
+                  <a:txBody>
+                    <a:bodyPr/>
+                    <a:lstStyle/>
+                    <a:p>
+                      <a:pPr algn="l" fontAlgn="ctr"/>
+                      <a:endParaRPr lang="en-US" sz="800" b="0" i="0" u="none" strike="noStrike" dirty="0">
+                        <a:solidFill>
+                          <a:schemeClr val="tx1"/>
+                        </a:solidFill>
+                        <a:effectLst/>
+                        <a:latin typeface="Arial" panose="020B0604020202020204" pitchFamily="34" charset="0"/>
+                        <a:cs typeface="Arial" panose="020B0604020202020204" pitchFamily="34" charset="0"/>
+                      </a:endParaRPr>
+                    </a:p>
+                  </a:txBody>
+                  <a:tcPr marL="9525" marR="9525" marT="9525" anchor="ctr"/>
+                </a:tc>
+                <a:extLst>
+                  <a:ext uri="{0D108BD9-81ED-4DB2-BD59-A6C34878D82A}">
+                    <a16:rowId xmlns:a16="http://schemas.microsoft.com/office/drawing/2014/main" val="2530378948"/>
+                  </a:ext>
+                </a:extLst>
+              </a:tr>
+              <a:tr h="194422">
+                <a:tc>
+                  <a:txBody>
+                    <a:bodyPr/>
+                    <a:lstStyle/>
+                    <a:p>
+                      <a:pPr marL="0" algn="l" defTabSz="704835" rtl="0" eaLnBrk="1" fontAlgn="ctr" latinLnBrk="0" hangingPunct="1"/>
+                      <a:endParaRPr lang="en-US" sz="800" u="none" strike="noStrike" kern="1200">
+                        <a:solidFill>
+                          <a:srgbClr val="FF0000"/>
+                        </a:solidFill>
+                        <a:effectLst/>
+                        <a:latin typeface="Arial" panose="020B0604020202020204" pitchFamily="34" charset="0"/>
+                        <a:ea typeface="+mn-ea"/>
+                        <a:cs typeface="Arial" panose="020B0604020202020204" pitchFamily="34" charset="0"/>
+                      </a:endParaRPr>
+                    </a:p>
+                  </a:txBody>
+                  <a:tcPr marL="678" marR="678" marT="678" marB="3256" anchor="ctr"/>
+                </a:tc>
+                <a:tc>
+                  <a:txBody>
+                    <a:bodyPr/>
+                    <a:lstStyle/>
+                    <a:p>
+                      <a:pPr algn="l" fontAlgn="ctr"/>
+                      <a:endParaRPr lang="en-US" sz="800" b="0" i="0" u="none" strike="noStrike">
+                        <a:solidFill>
+                          <a:srgbClr val="FF0000"/>
+                        </a:solidFill>
+                        <a:effectLst/>
+                        <a:latin typeface="Arial" panose="020B0604020202020204" pitchFamily="34" charset="0"/>
+                        <a:cs typeface="Arial" panose="020B0604020202020204" pitchFamily="34" charset="0"/>
+                      </a:endParaRPr>
+                    </a:p>
+                  </a:txBody>
+                  <a:tcPr marL="9525" marR="9525" marT="9525" anchor="ctr"/>
+                </a:tc>
+                <a:tc>
+                  <a:txBody>
+                    <a:bodyPr/>
+                    <a:lstStyle/>
+                    <a:p>
+                      <a:pPr algn="l" fontAlgn="ctr"/>
+                      <a:endParaRPr lang="en-US" sz="800" b="0" i="0" u="none" strike="noStrike" dirty="0">
+                        <a:solidFill>
+                          <a:srgbClr val="FF0000"/>
+                        </a:solidFill>
+                        <a:effectLst/>
+                        <a:latin typeface="Arial" panose="020B0604020202020204" pitchFamily="34" charset="0"/>
+                        <a:cs typeface="Arial" panose="020B0604020202020204" pitchFamily="34" charset="0"/>
+                      </a:endParaRPr>
+                    </a:p>
+                  </a:txBody>
+                  <a:tcPr marL="9525" marR="9525" marT="9525" anchor="ctr"/>
+                </a:tc>
+                <a:tc>
+                  <a:txBody>
+                    <a:bodyPr/>
+                    <a:lstStyle/>
+                    <a:p>
+                      <a:pPr algn="l" fontAlgn="ctr"/>
+                      <a:endParaRPr lang="en-US" sz="800" b="0" i="0" u="none" strike="noStrike" dirty="0">
+                        <a:solidFill>
+                          <a:srgbClr val="FF0000"/>
+                        </a:solidFill>
+                        <a:effectLst/>
+                        <a:latin typeface="Arial" panose="020B0604020202020204" pitchFamily="34" charset="0"/>
+                        <a:cs typeface="Arial" panose="020B0604020202020204" pitchFamily="34" charset="0"/>
+                      </a:endParaRPr>
+                    </a:p>
+                  </a:txBody>
+                  <a:tcPr marL="9525" marR="9525" marT="9525" anchor="ctr"/>
+                </a:tc>
+                <a:tc>
+                  <a:txBody>
+                    <a:bodyPr/>
+                    <a:lstStyle/>
+                    <a:p>
+                      <a:pPr algn="l" fontAlgn="ctr"/>
+                      <a:endParaRPr lang="en-US" sz="800" b="0" i="0" u="none" strike="noStrike" dirty="0">
+                        <a:solidFill>
+                          <a:srgbClr val="FF0000"/>
+                        </a:solidFill>
+                        <a:effectLst/>
+                        <a:latin typeface="Arial" panose="020B0604020202020204" pitchFamily="34" charset="0"/>
+                        <a:cs typeface="Arial" panose="020B0604020202020204" pitchFamily="34" charset="0"/>
+                      </a:endParaRPr>
+                    </a:p>
+                  </a:txBody>
+                  <a:tcPr marL="9525" marR="9525" marT="9525" anchor="ctr"/>
+                </a:tc>
+                <a:extLst>
+                  <a:ext uri="{0D108BD9-81ED-4DB2-BD59-A6C34878D82A}">
+                    <a16:rowId xmlns:a16="http://schemas.microsoft.com/office/drawing/2014/main" val="1762547755"/>
+                  </a:ext>
+                </a:extLst>
+              </a:tr>
+              <a:tr h="97211">
+                <a:tc>
+                  <a:txBody>
+                    <a:bodyPr/>
+                    <a:lstStyle/>
+                    <a:p>
+                      <a:pPr marL="0" algn="l" defTabSz="704835" rtl="0" eaLnBrk="1" fontAlgn="ctr" latinLnBrk="0" hangingPunct="1"/>
+                      <a:endParaRPr lang="en-US" sz="800" u="none" strike="noStrike" kern="1200">
+                        <a:solidFill>
+                          <a:schemeClr val="tx1"/>
+                        </a:solidFill>
+                        <a:effectLst/>
+                        <a:latin typeface="Arial" panose="020B0604020202020204" pitchFamily="34" charset="0"/>
+                        <a:ea typeface="+mn-ea"/>
+                        <a:cs typeface="Arial" panose="020B0604020202020204" pitchFamily="34" charset="0"/>
+                      </a:endParaRPr>
+                    </a:p>
+                  </a:txBody>
+                  <a:tcPr marL="678" marR="678" marT="678" marB="3256" anchor="ctr"/>
+                </a:tc>
+                <a:tc>
+                  <a:txBody>
+                    <a:bodyPr/>
+                    <a:lstStyle/>
+                    <a:p>
+                      <a:pPr algn="l" fontAlgn="ctr"/>
+                      <a:endParaRPr lang="en-US" sz="800" b="0" i="0" u="none" strike="noStrike">
+                        <a:solidFill>
+                          <a:schemeClr val="tx1"/>
+                        </a:solidFill>
+                        <a:effectLst/>
+                        <a:latin typeface="Arial" panose="020B0604020202020204" pitchFamily="34" charset="0"/>
+                        <a:cs typeface="Arial" panose="020B0604020202020204" pitchFamily="34" charset="0"/>
+                      </a:endParaRPr>
+                    </a:p>
+                  </a:txBody>
+                  <a:tcPr marL="9525" marR="9525" marT="9525" anchor="ctr"/>
+                </a:tc>
+                <a:tc>
+                  <a:txBody>
+                    <a:bodyPr/>
+                    <a:lstStyle/>
+                    <a:p>
+                      <a:pPr algn="l" fontAlgn="ctr"/>
+                      <a:endParaRPr lang="en-US" sz="800" b="0" i="0" u="none" strike="noStrike" dirty="0">
+                        <a:solidFill>
+                          <a:schemeClr val="tx1"/>
+                        </a:solidFill>
+                        <a:effectLst/>
+                        <a:latin typeface="Arial" panose="020B0604020202020204" pitchFamily="34" charset="0"/>
+                        <a:cs typeface="Arial" panose="020B0604020202020204" pitchFamily="34" charset="0"/>
+                      </a:endParaRPr>
+                    </a:p>
+                  </a:txBody>
+                  <a:tcPr marL="9525" marR="9525" marT="9525" anchor="ctr"/>
+                </a:tc>
+                <a:tc>
+                  <a:txBody>
+                    <a:bodyPr/>
+                    <a:lstStyle/>
+                    <a:p>
+                      <a:pPr marL="0" marR="0" lvl="0" indent="0" algn="l" defTabSz="704835" rtl="0" eaLnBrk="1" fontAlgn="ctr" latinLnBrk="0" hangingPunct="1">
+                        <a:lnSpc>
+                          <a:spcPct val="100000"/>
+                        </a:lnSpc>
+                        <a:spcBef>
+                          <a:spcPts val="0"/>
+                        </a:spcBef>
+                        <a:spcAft>
+                          <a:spcPts val="0"/>
+                        </a:spcAft>
+                        <a:buClrTx/>
+                        <a:buSzTx/>
+                        <a:buFontTx/>
+                        <a:buNone/>
+                        <a:tabLst/>
+                        <a:defRPr/>
+                      </a:pPr>
+                      <a:endParaRPr lang="en-US" altLang="zh-CN" sz="800" b="0" i="0" u="none" strike="noStrike" dirty="0">
+                        <a:solidFill>
+                          <a:schemeClr val="tx1"/>
+                        </a:solidFill>
+                        <a:effectLst/>
+                        <a:latin typeface="Arial" panose="020B0604020202020204" pitchFamily="34" charset="0"/>
+                        <a:cs typeface="Arial" panose="020B0604020202020204" pitchFamily="34" charset="0"/>
+                      </a:endParaRPr>
+                    </a:p>
+                  </a:txBody>
+                  <a:tcPr marL="9525" marR="9525" marT="9525" anchor="ctr"/>
+                </a:tc>
+                <a:tc>
+                  <a:txBody>
+                    <a:bodyPr/>
+                    <a:lstStyle/>
+                    <a:p>
+                      <a:pPr marL="0" marR="0" lvl="0" indent="0" algn="l" defTabSz="704835" rtl="0" eaLnBrk="1" fontAlgn="ctr" latinLnBrk="0" hangingPunct="1">
+                        <a:lnSpc>
+                          <a:spcPct val="100000"/>
+                        </a:lnSpc>
+                        <a:spcBef>
+                          <a:spcPts val="0"/>
+                        </a:spcBef>
+                        <a:spcAft>
+                          <a:spcPts val="0"/>
+                        </a:spcAft>
+                        <a:buClrTx/>
+                        <a:buSzTx/>
+                        <a:buFontTx/>
+                        <a:buNone/>
+                        <a:tabLst/>
+                        <a:defRPr/>
+                      </a:pPr>
+                      <a:endParaRPr lang="en-US" altLang="zh-CN" sz="800" b="0" i="0" u="none" strike="noStrike" dirty="0">
+                        <a:solidFill>
+                          <a:schemeClr val="tx1"/>
+                        </a:solidFill>
+                        <a:effectLst/>
+                        <a:latin typeface="Arial" panose="020B0604020202020204" pitchFamily="34" charset="0"/>
+                        <a:cs typeface="Arial" panose="020B0604020202020204" pitchFamily="34" charset="0"/>
+                      </a:endParaRPr>
+                    </a:p>
+                  </a:txBody>
+                  <a:tcPr marL="9525" marR="9525" marT="9525" anchor="ctr"/>
+                </a:tc>
+                <a:extLst>
+                  <a:ext uri="{0D108BD9-81ED-4DB2-BD59-A6C34878D82A}">
+                    <a16:rowId xmlns:a16="http://schemas.microsoft.com/office/drawing/2014/main" val="3740745337"/>
+                  </a:ext>
+                </a:extLst>
+              </a:tr>
+              <a:tr h="113716">
+                <a:tc>
+                  <a:txBody>
+                    <a:bodyPr/>
+                    <a:lstStyle/>
+                    <a:p>
+                      <a:pPr marL="0" algn="l" defTabSz="704835" rtl="0" eaLnBrk="1" fontAlgn="ctr" latinLnBrk="0" hangingPunct="1"/>
+                      <a:endParaRPr lang="en-US" sz="800" u="none" strike="noStrike" kern="1200" dirty="0">
+                        <a:solidFill>
+                          <a:schemeClr val="tx1"/>
+                        </a:solidFill>
+                        <a:effectLst/>
+                        <a:latin typeface="Arial" panose="020B0604020202020204" pitchFamily="34" charset="0"/>
+                        <a:ea typeface="+mn-ea"/>
+                        <a:cs typeface="Arial" panose="020B0604020202020204" pitchFamily="34" charset="0"/>
+                      </a:endParaRPr>
+                    </a:p>
+                  </a:txBody>
+                  <a:tcPr marL="678" marR="678" marT="678" marB="3256" anchor="ctr"/>
+                </a:tc>
+                <a:tc>
+                  <a:txBody>
+                    <a:bodyPr/>
+                    <a:lstStyle/>
+                    <a:p>
+                      <a:pPr algn="l" fontAlgn="ctr"/>
+                      <a:endParaRPr lang="en-US" sz="800" b="0" i="0" u="none" strike="noStrike" dirty="0">
+                        <a:solidFill>
+                          <a:schemeClr val="tx1"/>
+                        </a:solidFill>
+                        <a:effectLst/>
+                        <a:latin typeface="Arial" panose="020B0604020202020204" pitchFamily="34" charset="0"/>
+                        <a:cs typeface="Arial" panose="020B0604020202020204" pitchFamily="34" charset="0"/>
+                      </a:endParaRPr>
+                    </a:p>
+                  </a:txBody>
+                  <a:tcPr marL="9525" marR="9525" marT="9525" anchor="ctr"/>
+                </a:tc>
+                <a:tc>
+                  <a:txBody>
+                    <a:bodyPr/>
+                    <a:lstStyle/>
+                    <a:p>
+                      <a:pPr algn="l" fontAlgn="ctr"/>
+                      <a:endParaRPr lang="en-US" sz="800" b="0" i="0" u="none" strike="noStrike" dirty="0">
+                        <a:solidFill>
+                          <a:schemeClr val="tx1"/>
+                        </a:solidFill>
+                        <a:effectLst/>
+                        <a:latin typeface="Arial" panose="020B0604020202020204" pitchFamily="34" charset="0"/>
+                        <a:cs typeface="Arial" panose="020B0604020202020204" pitchFamily="34" charset="0"/>
+                      </a:endParaRPr>
+                    </a:p>
+                  </a:txBody>
+                  <a:tcPr marL="9525" marR="9525" marT="9525" anchor="ctr"/>
+                </a:tc>
+                <a:tc>
+                  <a:txBody>
+                    <a:bodyPr/>
+                    <a:lstStyle/>
+                    <a:p>
+                      <a:pPr marL="0" marR="0" lvl="0" indent="0" algn="l" defTabSz="704835" rtl="0" eaLnBrk="1" fontAlgn="ctr" latinLnBrk="0" hangingPunct="1">
+                        <a:lnSpc>
+                          <a:spcPct val="100000"/>
+                        </a:lnSpc>
+                        <a:spcBef>
+                          <a:spcPts val="0"/>
+                        </a:spcBef>
+                        <a:spcAft>
+                          <a:spcPts val="0"/>
+                        </a:spcAft>
+                        <a:buClrTx/>
+                        <a:buSzTx/>
+                        <a:buFontTx/>
+                        <a:buNone/>
+                        <a:tabLst/>
+                        <a:defRPr/>
+                      </a:pPr>
+                      <a:endParaRPr lang="en-US" altLang="zh-CN" sz="800" b="0" i="0" u="none" strike="noStrike" dirty="0">
+                        <a:solidFill>
+                          <a:schemeClr val="tx1"/>
+                        </a:solidFill>
+                        <a:effectLst/>
+                        <a:latin typeface="Arial" panose="020B0604020202020204" pitchFamily="34" charset="0"/>
+                        <a:cs typeface="Arial" panose="020B0604020202020204" pitchFamily="34" charset="0"/>
+                      </a:endParaRPr>
+                    </a:p>
+                  </a:txBody>
+                  <a:tcPr marL="9525" marR="9525" marT="9525" anchor="ctr"/>
+                </a:tc>
+                <a:tc>
+                  <a:txBody>
+                    <a:bodyPr/>
+                    <a:lstStyle/>
+                    <a:p>
+                      <a:pPr marL="0" marR="0" lvl="0" indent="0" algn="l" defTabSz="704835" rtl="0" eaLnBrk="1" fontAlgn="ctr" latinLnBrk="0" hangingPunct="1">
+                        <a:lnSpc>
+                          <a:spcPct val="100000"/>
+                        </a:lnSpc>
+                        <a:spcBef>
+                          <a:spcPts val="0"/>
+                        </a:spcBef>
+                        <a:spcAft>
+                          <a:spcPts val="0"/>
+                        </a:spcAft>
+                        <a:buClrTx/>
+                        <a:buSzTx/>
+                        <a:buFontTx/>
+                        <a:buNone/>
+                        <a:tabLst/>
+                        <a:defRPr/>
+                      </a:pPr>
+                      <a:endParaRPr lang="en-US" altLang="zh-CN" sz="800" b="0" i="0" u="none" strike="noStrike" dirty="0">
+                        <a:solidFill>
+                          <a:schemeClr val="tx1"/>
+                        </a:solidFill>
+                        <a:effectLst/>
+                        <a:latin typeface="Arial" panose="020B0604020202020204" pitchFamily="34" charset="0"/>
+                        <a:cs typeface="Arial" panose="020B0604020202020204" pitchFamily="34" charset="0"/>
+                      </a:endParaRPr>
+                    </a:p>
+                  </a:txBody>
+                  <a:tcPr marL="9525" marR="9525" marT="9525" anchor="ctr"/>
+                </a:tc>
+                <a:extLst>
+                  <a:ext uri="{0D108BD9-81ED-4DB2-BD59-A6C34878D82A}">
+                    <a16:rowId xmlns:a16="http://schemas.microsoft.com/office/drawing/2014/main" val="1055124581"/>
+                  </a:ext>
+                </a:extLst>
+              </a:tr>
+              <a:tr h="194422">
+                <a:tc>
+                  <a:txBody>
+                    <a:bodyPr/>
+                    <a:lstStyle/>
+                    <a:p>
+                      <a:pPr marL="0" algn="l" defTabSz="704835" rtl="0" eaLnBrk="1" fontAlgn="ctr" latinLnBrk="0" hangingPunct="1"/>
+                      <a:endParaRPr lang="en-US" sz="800" u="none" strike="noStrike" kern="1200" dirty="0">
+                        <a:solidFill>
+                          <a:schemeClr val="tx1"/>
+                        </a:solidFill>
+                        <a:effectLst/>
+                        <a:latin typeface="Arial" panose="020B0604020202020204" pitchFamily="34" charset="0"/>
+                        <a:ea typeface="+mn-ea"/>
+                        <a:cs typeface="Arial" panose="020B0604020202020204" pitchFamily="34" charset="0"/>
+                      </a:endParaRPr>
+                    </a:p>
+                  </a:txBody>
+                  <a:tcPr marL="678" marR="678" marT="678" marB="3256" anchor="ctr"/>
+                </a:tc>
+                <a:tc>
+                  <a:txBody>
+                    <a:bodyPr/>
+                    <a:lstStyle/>
+                    <a:p>
+                      <a:pPr algn="l" fontAlgn="ctr"/>
+                      <a:endParaRPr lang="en-US" sz="800" b="0" i="0" u="none" strike="noStrike">
+                        <a:solidFill>
+                          <a:schemeClr val="tx1"/>
+                        </a:solidFill>
+                        <a:effectLst/>
+                        <a:latin typeface="Arial" panose="020B0604020202020204" pitchFamily="34" charset="0"/>
+                        <a:cs typeface="Arial" panose="020B0604020202020204" pitchFamily="34" charset="0"/>
+                      </a:endParaRPr>
+                    </a:p>
+                  </a:txBody>
+                  <a:tcPr marL="9525" marR="9525" marT="9525" anchor="ctr"/>
+                </a:tc>
+                <a:tc>
+                  <a:txBody>
+                    <a:bodyPr/>
+                    <a:lstStyle/>
+                    <a:p>
+                      <a:pPr algn="l" fontAlgn="ctr"/>
+                      <a:endParaRPr lang="en-US" sz="800" b="0" i="0" u="none" strike="noStrike" dirty="0">
+                        <a:solidFill>
+                          <a:schemeClr val="tx1"/>
+                        </a:solidFill>
+                        <a:effectLst/>
+                        <a:latin typeface="Arial" panose="020B0604020202020204" pitchFamily="34" charset="0"/>
+                        <a:cs typeface="Arial" panose="020B0604020202020204" pitchFamily="34" charset="0"/>
+                      </a:endParaRPr>
+                    </a:p>
+                  </a:txBody>
+                  <a:tcPr marL="9525" marR="9525" marT="9525" anchor="ctr"/>
+                </a:tc>
+                <a:tc>
+                  <a:txBody>
+                    <a:bodyPr/>
+                    <a:lstStyle/>
+                    <a:p>
+                      <a:pPr marL="0" marR="0" lvl="0" indent="0" algn="l" defTabSz="704835" rtl="0" eaLnBrk="1" fontAlgn="ctr" latinLnBrk="0" hangingPunct="1">
+                        <a:lnSpc>
+                          <a:spcPct val="100000"/>
+                        </a:lnSpc>
+                        <a:spcBef>
+                          <a:spcPts val="0"/>
+                        </a:spcBef>
+                        <a:spcAft>
+                          <a:spcPts val="0"/>
+                        </a:spcAft>
+                        <a:buClrTx/>
+                        <a:buSzTx/>
+                        <a:buFontTx/>
+                        <a:buNone/>
+                        <a:tabLst/>
+                        <a:defRPr/>
+                      </a:pPr>
+                      <a:endParaRPr lang="en-US" altLang="zh-CN" sz="800" b="0" i="0" u="none" strike="noStrike" dirty="0">
+                        <a:solidFill>
+                          <a:schemeClr val="tx1"/>
+                        </a:solidFill>
+                        <a:effectLst/>
+                        <a:latin typeface="Arial" panose="020B0604020202020204" pitchFamily="34" charset="0"/>
+                        <a:cs typeface="Arial" panose="020B0604020202020204" pitchFamily="34" charset="0"/>
+                      </a:endParaRPr>
+                    </a:p>
+                  </a:txBody>
+                  <a:tcPr marL="9525" marR="9525" marT="9525" anchor="ctr"/>
+                </a:tc>
+                <a:tc>
+                  <a:txBody>
+                    <a:bodyPr/>
+                    <a:lstStyle/>
+                    <a:p>
+                      <a:pPr marL="0" marR="0" lvl="0" indent="0" algn="l" defTabSz="704835" rtl="0" eaLnBrk="1" fontAlgn="ctr" latinLnBrk="0" hangingPunct="1">
+                        <a:lnSpc>
+                          <a:spcPct val="100000"/>
+                        </a:lnSpc>
+                        <a:spcBef>
+                          <a:spcPts val="0"/>
+                        </a:spcBef>
+                        <a:spcAft>
+                          <a:spcPts val="0"/>
+                        </a:spcAft>
+                        <a:buClrTx/>
+                        <a:buSzTx/>
+                        <a:buFontTx/>
+                        <a:buNone/>
+                        <a:tabLst/>
+                        <a:defRPr/>
+                      </a:pPr>
+                      <a:endParaRPr lang="en-US" altLang="zh-CN" sz="800" b="0" i="0" u="none" strike="noStrike" dirty="0">
+                        <a:solidFill>
+                          <a:schemeClr val="tx1"/>
+                        </a:solidFill>
+                        <a:effectLst/>
+                        <a:latin typeface="Arial" panose="020B0604020202020204" pitchFamily="34" charset="0"/>
+                        <a:cs typeface="Arial" panose="020B0604020202020204" pitchFamily="34" charset="0"/>
+                      </a:endParaRPr>
+                    </a:p>
+                  </a:txBody>
+                  <a:tcPr marL="9525" marR="9525" marT="9525" anchor="ctr"/>
+                </a:tc>
+                <a:extLst>
+                  <a:ext uri="{0D108BD9-81ED-4DB2-BD59-A6C34878D82A}">
+                    <a16:rowId xmlns:a16="http://schemas.microsoft.com/office/drawing/2014/main" val="1751500065"/>
+                  </a:ext>
+                </a:extLst>
+              </a:tr>
+              <a:tr h="194422">
+                <a:tc>
+                  <a:txBody>
+                    <a:bodyPr/>
+                    <a:lstStyle/>
+                    <a:p>
+                      <a:pPr marL="0" algn="l" defTabSz="704835" rtl="0" eaLnBrk="1" fontAlgn="ctr" latinLnBrk="0" hangingPunct="1"/>
+                      <a:endParaRPr lang="en-US" sz="800" u="none" strike="noStrike" kern="1200" dirty="0">
+                        <a:solidFill>
+                          <a:schemeClr val="tx1"/>
+                        </a:solidFill>
+                        <a:effectLst/>
+                        <a:latin typeface="Arial" panose="020B0604020202020204" pitchFamily="34" charset="0"/>
+                        <a:ea typeface="+mn-ea"/>
+                        <a:cs typeface="Arial" panose="020B0604020202020204" pitchFamily="34" charset="0"/>
+                      </a:endParaRPr>
+                    </a:p>
+                  </a:txBody>
+                  <a:tcPr marL="678" marR="678" marT="678" marB="3256" anchor="ctr"/>
+                </a:tc>
+                <a:tc>
+                  <a:txBody>
+                    <a:bodyPr/>
+                    <a:lstStyle/>
+                    <a:p>
+                      <a:pPr algn="l" fontAlgn="ctr"/>
+                      <a:endParaRPr lang="en-US" sz="800" b="0" i="0" u="none" strike="noStrike">
+                        <a:solidFill>
+                          <a:schemeClr val="tx1"/>
+                        </a:solidFill>
+                        <a:effectLst/>
+                        <a:latin typeface="Arial" panose="020B0604020202020204" pitchFamily="34" charset="0"/>
+                        <a:cs typeface="Arial" panose="020B0604020202020204" pitchFamily="34" charset="0"/>
+                      </a:endParaRPr>
+                    </a:p>
+                  </a:txBody>
+                  <a:tcPr marL="9525" marR="9525" marT="9525" anchor="ctr"/>
+                </a:tc>
+                <a:tc>
+                  <a:txBody>
+                    <a:bodyPr/>
+                    <a:lstStyle/>
+                    <a:p>
+                      <a:pPr algn="l" fontAlgn="ctr"/>
+                      <a:endParaRPr lang="en-US" sz="800" b="0" i="0" u="none" strike="noStrike" dirty="0">
+                        <a:solidFill>
+                          <a:schemeClr val="tx1"/>
+                        </a:solidFill>
+                        <a:effectLst/>
+                        <a:latin typeface="Arial" panose="020B0604020202020204" pitchFamily="34" charset="0"/>
+                        <a:cs typeface="Arial" panose="020B0604020202020204" pitchFamily="34" charset="0"/>
+                      </a:endParaRPr>
+                    </a:p>
+                  </a:txBody>
+                  <a:tcPr marL="9525" marR="9525" marT="9525" anchor="ctr"/>
+                </a:tc>
+                <a:tc>
+                  <a:txBody>
+                    <a:bodyPr/>
+                    <a:lstStyle/>
+                    <a:p>
+                      <a:pPr algn="l" fontAlgn="ctr"/>
+                      <a:endParaRPr lang="en-US" sz="800" b="0" i="0" u="none" strike="noStrike" dirty="0">
+                        <a:solidFill>
+                          <a:schemeClr val="tx1"/>
+                        </a:solidFill>
+                        <a:effectLst/>
+                        <a:latin typeface="Arial" panose="020B0604020202020204" pitchFamily="34" charset="0"/>
+                        <a:cs typeface="Arial" panose="020B0604020202020204" pitchFamily="34" charset="0"/>
+                      </a:endParaRPr>
+                    </a:p>
+                  </a:txBody>
+                  <a:tcPr marL="9525" marR="9525" marT="9525" anchor="ctr"/>
+                </a:tc>
+                <a:tc>
+                  <a:txBody>
+                    <a:bodyPr/>
+                    <a:lstStyle/>
+                    <a:p>
+                      <a:pPr algn="l" fontAlgn="ctr"/>
+                      <a:endParaRPr lang="en-US" sz="800" b="0" i="0" u="none" strike="noStrike" dirty="0">
+                        <a:solidFill>
+                          <a:schemeClr val="tx1"/>
+                        </a:solidFill>
+                        <a:effectLst/>
+                        <a:latin typeface="Arial" panose="020B0604020202020204" pitchFamily="34" charset="0"/>
+                        <a:cs typeface="Arial" panose="020B0604020202020204" pitchFamily="34" charset="0"/>
+                      </a:endParaRPr>
+                    </a:p>
+                  </a:txBody>
+                  <a:tcPr marL="9525" marR="9525" marT="9525" anchor="ctr"/>
+                </a:tc>
+                <a:extLst>
+                  <a:ext uri="{0D108BD9-81ED-4DB2-BD59-A6C34878D82A}">
+                    <a16:rowId xmlns:a16="http://schemas.microsoft.com/office/drawing/2014/main" val="2037045463"/>
+                  </a:ext>
+                </a:extLst>
+              </a:tr>
+              <a:tr h="194422">
+                <a:tc>
+                  <a:txBody>
+                    <a:bodyPr/>
+                    <a:lstStyle/>
+                    <a:p>
+                      <a:pPr marL="0" algn="l" defTabSz="704835" rtl="0" eaLnBrk="1" fontAlgn="ctr" latinLnBrk="0" hangingPunct="1"/>
+                      <a:endParaRPr lang="en-US" sz="800" u="none" strike="noStrike" kern="1200" dirty="0">
+                        <a:solidFill>
+                          <a:schemeClr val="tx1"/>
+                        </a:solidFill>
+                        <a:effectLst/>
+                        <a:latin typeface="Arial" panose="020B0604020202020204" pitchFamily="34" charset="0"/>
+                        <a:ea typeface="+mn-ea"/>
+                        <a:cs typeface="Arial" panose="020B0604020202020204" pitchFamily="34" charset="0"/>
+                      </a:endParaRPr>
+                    </a:p>
+                  </a:txBody>
+                  <a:tcPr marL="678" marR="678" marT="678" marB="3256" anchor="ctr"/>
+                </a:tc>
+                <a:tc>
+                  <a:txBody>
+                    <a:bodyPr/>
+                    <a:lstStyle/>
+                    <a:p>
+                      <a:pPr algn="l" fontAlgn="ctr"/>
+                      <a:endParaRPr lang="en-US" altLang="zh-CN" sz="800" b="0" i="0" u="none" strike="noStrike" dirty="0">
+                        <a:solidFill>
+                          <a:srgbClr val="FF0000"/>
+                        </a:solidFill>
+                        <a:effectLst/>
+                        <a:latin typeface="Arial" panose="020B0604020202020204" pitchFamily="34" charset="0"/>
+                        <a:cs typeface="Arial" panose="020B0604020202020204" pitchFamily="34" charset="0"/>
+                      </a:endParaRPr>
+                    </a:p>
+                  </a:txBody>
+                  <a:tcPr marL="9525" marR="9525" marT="9525" anchor="ctr"/>
+                </a:tc>
+                <a:tc>
+                  <a:txBody>
+                    <a:bodyPr/>
+                    <a:lstStyle/>
+                    <a:p>
+                      <a:pPr algn="l" fontAlgn="ctr"/>
+                      <a:endParaRPr lang="en-US" altLang="zh-CN" sz="800" b="0" i="0" u="none" strike="noStrike" dirty="0">
+                        <a:solidFill>
+                          <a:srgbClr val="FF0000"/>
+                        </a:solidFill>
+                        <a:effectLst/>
+                        <a:latin typeface="Arial" panose="020B0604020202020204" pitchFamily="34" charset="0"/>
+                        <a:cs typeface="Arial" panose="020B0604020202020204" pitchFamily="34" charset="0"/>
+                      </a:endParaRPr>
+                    </a:p>
+                  </a:txBody>
+                  <a:tcPr marL="9525" marR="9525" marT="9525" anchor="ctr"/>
+                </a:tc>
+                <a:tc>
+                  <a:txBody>
+                    <a:bodyPr/>
+                    <a:lstStyle/>
+                    <a:p>
+                      <a:pPr algn="l" fontAlgn="ctr"/>
+                      <a:endParaRPr lang="zh-CN" altLang="en-US" sz="800" b="0" i="0" u="none" strike="noStrike" dirty="0">
+                        <a:solidFill>
+                          <a:schemeClr val="tx1"/>
+                        </a:solidFill>
+                        <a:effectLst/>
+                        <a:latin typeface="Arial" panose="020B0604020202020204" pitchFamily="34" charset="0"/>
+                        <a:cs typeface="Arial" panose="020B0604020202020204" pitchFamily="34" charset="0"/>
+                      </a:endParaRPr>
+                    </a:p>
+                  </a:txBody>
+                  <a:tcPr marL="9525" marR="9525" marT="9525" anchor="ctr"/>
+                </a:tc>
+                <a:tc>
+                  <a:txBody>
+                    <a:bodyPr/>
+                    <a:lstStyle/>
+                    <a:p>
+                      <a:pPr algn="l" fontAlgn="ctr"/>
+                      <a:endParaRPr lang="zh-CN" altLang="en-US" sz="800" b="0" i="0" u="none" strike="noStrike" dirty="0">
+                        <a:solidFill>
+                          <a:schemeClr val="tx1"/>
+                        </a:solidFill>
+                        <a:effectLst/>
+                        <a:latin typeface="Arial" panose="020B0604020202020204" pitchFamily="34" charset="0"/>
+                        <a:cs typeface="Arial" panose="020B0604020202020204" pitchFamily="34" charset="0"/>
+                      </a:endParaRPr>
+                    </a:p>
+                  </a:txBody>
+                  <a:tcPr marL="9525" marR="9525" marT="9525" anchor="ctr"/>
+                </a:tc>
+                <a:extLst>
+                  <a:ext uri="{0D108BD9-81ED-4DB2-BD59-A6C34878D82A}">
+                    <a16:rowId xmlns:a16="http://schemas.microsoft.com/office/drawing/2014/main" val="4167685347"/>
+                  </a:ext>
+                </a:extLst>
+              </a:tr>
+            </a:tbl>
+          </a:graphicData>
+        </a:graphic>
+      </p:graphicFrame>
     </p:spTree>
     <p:extLst>
       <p:ext uri="{BB962C8B-B14F-4D97-AF65-F5344CB8AC3E}">
-        <p14:creationId xmlns:p14="http://schemas.microsoft.com/office/powerpoint/2010/main" val="2527013249"/>
+        <p14:creationId xmlns:p14="http://schemas.microsoft.com/office/powerpoint/2010/main" val="3334902067"/>
       </p:ext>
     </p:extLst>
   </p:cSld>
@@ -692,6 +4503,215 @@
 </file>
 
 <file path=ppt/slideLayouts/slideLayout4.xml><?xml version="1.0" encoding="utf-8"?>
+<p:sldLayout xmlns:a="http://schemas.openxmlformats.org/drawingml/2006/main" xmlns:r="http://schemas.openxmlformats.org/officeDocument/2006/relationships" xmlns:p="http://schemas.openxmlformats.org/presentationml/2006/main" preserve="1" userDrawn="1">
+  <p:cSld name="5_Custom Layout">
+    <p:spTree>
+      <p:nvGrpSpPr>
+        <p:cNvPr id="1" name=""/>
+        <p:cNvGrpSpPr/>
+        <p:nvPr/>
+      </p:nvGrpSpPr>
+      <p:grpSpPr>
+        <a:xfrm>
+          <a:off x="0" y="0"/>
+          <a:ext cx="0" cy="0"/>
+          <a:chOff x="0" y="0"/>
+          <a:chExt cx="0" cy="0"/>
+        </a:xfrm>
+      </p:grpSpPr>
+      <p:sp>
+        <p:nvSpPr>
+          <p:cNvPr id="2" name="Title 1">
+            <a:extLst>
+              <a:ext uri="{FF2B5EF4-FFF2-40B4-BE49-F238E27FC236}">
+                <a16:creationId xmlns:a16="http://schemas.microsoft.com/office/drawing/2014/main" id="{C0134D4B-BA45-43EC-9D55-41674BF88FFD}"/>
+              </a:ext>
+            </a:extLst>
+          </p:cNvPr>
+          <p:cNvSpPr>
+            <a:spLocks noGrp="1"/>
+          </p:cNvSpPr>
+          <p:nvPr>
+            <p:ph type="title" hasCustomPrompt="1"/>
+          </p:nvPr>
+        </p:nvSpPr>
+        <p:spPr/>
+        <p:txBody>
+          <a:bodyPr/>
+          <a:lstStyle/>
+          <a:p>
+            <a:r>
+              <a:rPr lang="en-US" altLang="zh-CN" dirty="0"/>
+              <a:t>Content Page</a:t>
+            </a:r>
+            <a:endParaRPr lang="zh-CN" altLang="en-US" dirty="0"/>
+          </a:p>
+        </p:txBody>
+      </p:sp>
+      <p:sp>
+        <p:nvSpPr>
+          <p:cNvPr id="3" name="Date Placeholder 2">
+            <a:extLst>
+              <a:ext uri="{FF2B5EF4-FFF2-40B4-BE49-F238E27FC236}">
+                <a16:creationId xmlns:a16="http://schemas.microsoft.com/office/drawing/2014/main" id="{C9B0B359-DABE-40D6-B8A0-3E9F2E1186B9}"/>
+              </a:ext>
+            </a:extLst>
+          </p:cNvPr>
+          <p:cNvSpPr>
+            <a:spLocks noGrp="1"/>
+          </p:cNvSpPr>
+          <p:nvPr>
+            <p:ph type="dt" sz="half" idx="10"/>
+          </p:nvPr>
+        </p:nvSpPr>
+        <p:spPr/>
+        <p:txBody>
+          <a:bodyPr/>
+          <a:lstStyle/>
+          <a:p>
+            <a:fld id="{039FF129-D28F-B745-8A0E-1C7179B7DED8}" type="datetimeFigureOut">
+              <a:rPr lang="en-US" smtClean="0"/>
+              <a:t>3/20/2018</a:t>
+            </a:fld>
+            <a:endParaRPr lang="en-US"/>
+          </a:p>
+        </p:txBody>
+      </p:sp>
+      <p:sp>
+        <p:nvSpPr>
+          <p:cNvPr id="4" name="Footer Placeholder 3">
+            <a:extLst>
+              <a:ext uri="{FF2B5EF4-FFF2-40B4-BE49-F238E27FC236}">
+                <a16:creationId xmlns:a16="http://schemas.microsoft.com/office/drawing/2014/main" id="{737D81C2-8B2D-480A-8C51-CC5D064E3392}"/>
+              </a:ext>
+            </a:extLst>
+          </p:cNvPr>
+          <p:cNvSpPr>
+            <a:spLocks noGrp="1"/>
+          </p:cNvSpPr>
+          <p:nvPr>
+            <p:ph type="ftr" sz="quarter" idx="11"/>
+          </p:nvPr>
+        </p:nvSpPr>
+        <p:spPr/>
+        <p:txBody>
+          <a:bodyPr/>
+          <a:lstStyle/>
+          <a:p>
+            <a:r>
+              <a:rPr lang="en-US"/>
+              <a:t>Nokia Shanghai Bell Internal Use Only</a:t>
+            </a:r>
+            <a:endParaRPr lang="en-US" dirty="0"/>
+          </a:p>
+        </p:txBody>
+      </p:sp>
+      <p:sp>
+        <p:nvSpPr>
+          <p:cNvPr id="5" name="Slide Number Placeholder 4">
+            <a:extLst>
+              <a:ext uri="{FF2B5EF4-FFF2-40B4-BE49-F238E27FC236}">
+                <a16:creationId xmlns:a16="http://schemas.microsoft.com/office/drawing/2014/main" id="{F5A6EA9C-8758-449F-85A4-EC725640F1FD}"/>
+              </a:ext>
+            </a:extLst>
+          </p:cNvPr>
+          <p:cNvSpPr>
+            <a:spLocks noGrp="1"/>
+          </p:cNvSpPr>
+          <p:nvPr>
+            <p:ph type="sldNum" sz="quarter" idx="12"/>
+          </p:nvPr>
+        </p:nvSpPr>
+        <p:spPr/>
+        <p:txBody>
+          <a:bodyPr/>
+          <a:lstStyle/>
+          <a:p>
+            <a:fld id="{D4B419E6-0F84-424E-9C00-8F65FF46AA40}" type="slidenum">
+              <a:rPr lang="en-US" smtClean="0"/>
+              <a:t>‹#›</a:t>
+            </a:fld>
+            <a:endParaRPr lang="en-US" dirty="0"/>
+          </a:p>
+        </p:txBody>
+      </p:sp>
+      <p:sp>
+        <p:nvSpPr>
+          <p:cNvPr id="7" name="Content Placeholder 6">
+            <a:extLst>
+              <a:ext uri="{FF2B5EF4-FFF2-40B4-BE49-F238E27FC236}">
+                <a16:creationId xmlns:a16="http://schemas.microsoft.com/office/drawing/2014/main" id="{957C9597-63D5-4BE9-B27A-265186657941}"/>
+              </a:ext>
+            </a:extLst>
+          </p:cNvPr>
+          <p:cNvSpPr>
+            <a:spLocks noGrp="1"/>
+          </p:cNvSpPr>
+          <p:nvPr>
+            <p:ph sz="quarter" idx="13"/>
+          </p:nvPr>
+        </p:nvSpPr>
+        <p:spPr>
+          <a:xfrm>
+            <a:off x="838200" y="1266825"/>
+            <a:ext cx="10853738" cy="4714875"/>
+          </a:xfrm>
+        </p:spPr>
+        <p:txBody>
+          <a:bodyPr/>
+          <a:lstStyle/>
+          <a:p>
+            <a:pPr lvl="0"/>
+            <a:r>
+              <a:rPr lang="en-US" altLang="zh-CN"/>
+              <a:t>Edit Master text styles</a:t>
+            </a:r>
+          </a:p>
+          <a:p>
+            <a:pPr lvl="1"/>
+            <a:r>
+              <a:rPr lang="en-US" altLang="zh-CN"/>
+              <a:t>Second level</a:t>
+            </a:r>
+          </a:p>
+          <a:p>
+            <a:pPr lvl="2"/>
+            <a:r>
+              <a:rPr lang="en-US" altLang="zh-CN"/>
+              <a:t>Third level</a:t>
+            </a:r>
+          </a:p>
+          <a:p>
+            <a:pPr lvl="3"/>
+            <a:r>
+              <a:rPr lang="en-US" altLang="zh-CN"/>
+              <a:t>Fourth level</a:t>
+            </a:r>
+          </a:p>
+          <a:p>
+            <a:pPr lvl="4"/>
+            <a:r>
+              <a:rPr lang="en-US" altLang="zh-CN"/>
+              <a:t>Fifth level</a:t>
+            </a:r>
+            <a:endParaRPr lang="zh-CN" altLang="en-US"/>
+          </a:p>
+        </p:txBody>
+      </p:sp>
+    </p:spTree>
+    <p:extLst>
+      <p:ext uri="{BB962C8B-B14F-4D97-AF65-F5344CB8AC3E}">
+        <p14:creationId xmlns:p14="http://schemas.microsoft.com/office/powerpoint/2010/main" val="1041279179"/>
+      </p:ext>
+    </p:extLst>
+  </p:cSld>
+  <p:clrMapOvr>
+    <a:masterClrMapping/>
+  </p:clrMapOvr>
+</p:sldLayout>
+</file>
+
+<file path=ppt/slideLayouts/slideLayout5.xml><?xml version="1.0" encoding="utf-8"?>
 <p:sldLayout xmlns:a="http://schemas.openxmlformats.org/drawingml/2006/main" xmlns:r="http://schemas.openxmlformats.org/officeDocument/2006/relationships" xmlns:p="http://schemas.openxmlformats.org/presentationml/2006/main" preserve="1" userDrawn="1">
   <p:cSld name="2_Custom Layout">
     <p:spTree>
@@ -759,7 +4779,7 @@
           <a:p>
             <a:fld id="{039FF129-D28F-B745-8A0E-1C7179B7DED8}" type="datetimeFigureOut">
               <a:rPr lang="en-US" smtClean="0"/>
-              <a:t>2/16/18</a:t>
+              <a:t>3/20/2018</a:t>
             </a:fld>
             <a:endParaRPr lang="en-US"/>
           </a:p>
@@ -1718,6 +5738,210 @@
 </p:sldLayout>
 </file>
 
+<file path=ppt/slideLayouts/slideLayout6.xml><?xml version="1.0" encoding="utf-8"?>
+<p:sldLayout xmlns:a="http://schemas.openxmlformats.org/drawingml/2006/main" xmlns:r="http://schemas.openxmlformats.org/officeDocument/2006/relationships" xmlns:p="http://schemas.openxmlformats.org/presentationml/2006/main" preserve="1" userDrawn="1">
+  <p:cSld name="Custom Layout">
+    <p:spTree>
+      <p:nvGrpSpPr>
+        <p:cNvPr id="1" name=""/>
+        <p:cNvGrpSpPr/>
+        <p:nvPr/>
+      </p:nvGrpSpPr>
+      <p:grpSpPr>
+        <a:xfrm>
+          <a:off x="0" y="0"/>
+          <a:ext cx="0" cy="0"/>
+          <a:chOff x="0" y="0"/>
+          <a:chExt cx="0" cy="0"/>
+        </a:xfrm>
+      </p:grpSpPr>
+      <p:sp>
+        <p:nvSpPr>
+          <p:cNvPr id="2" name="Title 1">
+            <a:extLst>
+              <a:ext uri="{FF2B5EF4-FFF2-40B4-BE49-F238E27FC236}">
+                <a16:creationId xmlns:a16="http://schemas.microsoft.com/office/drawing/2014/main" id="{5E7A6470-93BF-4C85-953B-13DC91B4A04C}"/>
+              </a:ext>
+            </a:extLst>
+          </p:cNvPr>
+          <p:cNvSpPr>
+            <a:spLocks noGrp="1"/>
+          </p:cNvSpPr>
+          <p:nvPr>
+            <p:ph type="title" hasCustomPrompt="1"/>
+          </p:nvPr>
+        </p:nvSpPr>
+        <p:spPr/>
+        <p:txBody>
+          <a:bodyPr/>
+          <a:lstStyle/>
+          <a:p>
+            <a:r>
+              <a:rPr lang="en-US" altLang="zh-CN" dirty="0"/>
+              <a:t>Schedule</a:t>
+            </a:r>
+            <a:endParaRPr lang="zh-CN" altLang="en-US" dirty="0"/>
+          </a:p>
+        </p:txBody>
+      </p:sp>
+      <p:sp>
+        <p:nvSpPr>
+          <p:cNvPr id="3" name="Date Placeholder 2">
+            <a:extLst>
+              <a:ext uri="{FF2B5EF4-FFF2-40B4-BE49-F238E27FC236}">
+                <a16:creationId xmlns:a16="http://schemas.microsoft.com/office/drawing/2014/main" id="{8E2F9926-B503-4F21-9005-F0557A518E92}"/>
+              </a:ext>
+            </a:extLst>
+          </p:cNvPr>
+          <p:cNvSpPr>
+            <a:spLocks noGrp="1"/>
+          </p:cNvSpPr>
+          <p:nvPr>
+            <p:ph type="dt" sz="half" idx="10"/>
+          </p:nvPr>
+        </p:nvSpPr>
+        <p:spPr/>
+        <p:txBody>
+          <a:bodyPr/>
+          <a:lstStyle/>
+          <a:p>
+            <a:fld id="{039FF129-D28F-B745-8A0E-1C7179B7DED8}" type="datetimeFigureOut">
+              <a:rPr lang="en-US" smtClean="0"/>
+              <a:t>3/20/2018</a:t>
+            </a:fld>
+            <a:endParaRPr lang="en-US"/>
+          </a:p>
+        </p:txBody>
+      </p:sp>
+      <p:sp>
+        <p:nvSpPr>
+          <p:cNvPr id="4" name="Footer Placeholder 3">
+            <a:extLst>
+              <a:ext uri="{FF2B5EF4-FFF2-40B4-BE49-F238E27FC236}">
+                <a16:creationId xmlns:a16="http://schemas.microsoft.com/office/drawing/2014/main" id="{08CAE0F0-48F9-44B1-873F-73BF61687839}"/>
+              </a:ext>
+            </a:extLst>
+          </p:cNvPr>
+          <p:cNvSpPr>
+            <a:spLocks noGrp="1"/>
+          </p:cNvSpPr>
+          <p:nvPr>
+            <p:ph type="ftr" sz="quarter" idx="11"/>
+          </p:nvPr>
+        </p:nvSpPr>
+        <p:spPr/>
+        <p:txBody>
+          <a:bodyPr/>
+          <a:lstStyle/>
+          <a:p>
+            <a:r>
+              <a:rPr lang="en-US"/>
+              <a:t>Nokia Shanghai Bell Internal Use Only</a:t>
+            </a:r>
+            <a:endParaRPr lang="en-US" dirty="0"/>
+          </a:p>
+        </p:txBody>
+      </p:sp>
+      <p:sp>
+        <p:nvSpPr>
+          <p:cNvPr id="5" name="Slide Number Placeholder 4">
+            <a:extLst>
+              <a:ext uri="{FF2B5EF4-FFF2-40B4-BE49-F238E27FC236}">
+                <a16:creationId xmlns:a16="http://schemas.microsoft.com/office/drawing/2014/main" id="{F4F27E74-E898-497B-9A92-BF4DF4062DAB}"/>
+              </a:ext>
+            </a:extLst>
+          </p:cNvPr>
+          <p:cNvSpPr>
+            <a:spLocks noGrp="1"/>
+          </p:cNvSpPr>
+          <p:nvPr>
+            <p:ph type="sldNum" sz="quarter" idx="12"/>
+          </p:nvPr>
+        </p:nvSpPr>
+        <p:spPr/>
+        <p:txBody>
+          <a:bodyPr/>
+          <a:lstStyle/>
+          <a:p>
+            <a:fld id="{D4B419E6-0F84-424E-9C00-8F65FF46AA40}" type="slidenum">
+              <a:rPr lang="en-US" smtClean="0"/>
+              <a:t>‹#›</a:t>
+            </a:fld>
+            <a:endParaRPr lang="en-US" dirty="0"/>
+          </a:p>
+        </p:txBody>
+      </p:sp>
+      <p:sp>
+        <p:nvSpPr>
+          <p:cNvPr id="7" name="Arrow: Chevron 6">
+            <a:extLst>
+              <a:ext uri="{FF2B5EF4-FFF2-40B4-BE49-F238E27FC236}">
+                <a16:creationId xmlns:a16="http://schemas.microsoft.com/office/drawing/2014/main" id="{29BC9BC7-94E8-4BD2-A875-5831E74032E6}"/>
+              </a:ext>
+            </a:extLst>
+          </p:cNvPr>
+          <p:cNvSpPr/>
+          <p:nvPr userDrawn="1"/>
+        </p:nvSpPr>
+        <p:spPr>
+          <a:xfrm>
+            <a:off x="1975449" y="1552755"/>
+            <a:ext cx="720000" cy="216000"/>
+          </a:xfrm>
+          <a:prstGeom prst="chevron">
+            <a:avLst/>
+          </a:prstGeom>
+        </p:spPr>
+        <p:style>
+          <a:lnRef idx="2">
+            <a:schemeClr val="accent1">
+              <a:shade val="50000"/>
+            </a:schemeClr>
+          </a:lnRef>
+          <a:fillRef idx="1">
+            <a:schemeClr val="accent1"/>
+          </a:fillRef>
+          <a:effectRef idx="0">
+            <a:schemeClr val="accent1"/>
+          </a:effectRef>
+          <a:fontRef idx="minor">
+            <a:schemeClr val="lt1"/>
+          </a:fontRef>
+        </p:style>
+        <p:txBody>
+          <a:bodyPr rtlCol="0" anchor="ctr"/>
+          <a:lstStyle/>
+          <a:p>
+            <a:pPr algn="ctr"/>
+            <a:r>
+              <a:rPr lang="en-US" altLang="zh-CN" sz="1200" dirty="0">
+                <a:solidFill>
+                  <a:schemeClr val="bg1"/>
+                </a:solidFill>
+              </a:rPr>
+              <a:t>P03</a:t>
+            </a:r>
+            <a:endParaRPr lang="zh-CN" altLang="en-US" sz="1200" dirty="0">
+              <a:solidFill>
+                <a:schemeClr val="bg1"/>
+              </a:solidFill>
+            </a:endParaRPr>
+          </a:p>
+        </p:txBody>
+      </p:sp>
+    </p:spTree>
+    <p:extLst>
+      <p:ext uri="{BB962C8B-B14F-4D97-AF65-F5344CB8AC3E}">
+        <p14:creationId xmlns:p14="http://schemas.microsoft.com/office/powerpoint/2010/main" val="3091376343"/>
+      </p:ext>
+    </p:extLst>
+  </p:cSld>
+  <p:clrMapOvr>
+    <a:masterClrMapping/>
+  </p:clrMapOvr>
+</p:sldLayout>
+</file>
+
 <file path=ppt/slideMasters/slideMaster1.xml><?xml version="1.0" encoding="utf-8"?>
 <p:sldMaster xmlns:a="http://schemas.openxmlformats.org/drawingml/2006/main" xmlns:r="http://schemas.openxmlformats.org/officeDocument/2006/relationships" xmlns:p="http://schemas.openxmlformats.org/presentationml/2006/main" preserve="1">
   <p:cSld>
@@ -1759,7 +5983,7 @@
         <p:spPr>
           <a:xfrm>
             <a:off x="838200" y="365126"/>
-            <a:ext cx="9451100" cy="664778"/>
+            <a:ext cx="9451100" cy="376887"/>
           </a:xfrm>
           <a:prstGeom prst="rect">
             <a:avLst/>
@@ -1767,7 +5991,7 @@
         </p:spPr>
         <p:txBody>
           <a:bodyPr vert="horz" lIns="91440" tIns="45720" rIns="91440" bIns="45720" rtlCol="0" anchor="ctr">
-            <a:normAutofit/>
+            <a:noAutofit/>
           </a:bodyPr>
           <a:lstStyle/>
           <a:p>
@@ -1891,7 +6115,7 @@
           <a:p>
             <a:fld id="{039FF129-D28F-B745-8A0E-1C7179B7DED8}" type="datetimeFigureOut">
               <a:rPr lang="en-US" smtClean="0"/>
-              <a:t>2/16/18</a:t>
+              <a:t>3/20/2018</a:t>
             </a:fld>
             <a:endParaRPr lang="en-US"/>
           </a:p>
@@ -2003,7 +6227,7 @@
           <p:nvPr userDrawn="1"/>
         </p:nvPicPr>
         <p:blipFill>
-          <a:blip r:embed="rId6" cstate="print">
+          <a:blip r:embed="rId8" cstate="print">
             <a:extLst>
               <a:ext uri="{28A0092B-C50C-407E-A947-70E740481C1C}">
                 <a14:useLocalDpi xmlns:a14="http://schemas.microsoft.com/office/drawing/2010/main" val="0"/>
@@ -2034,9 +6258,11 @@
   <p:clrMap bg1="lt1" tx1="dk1" bg2="lt2" tx2="dk2" accent1="accent1" accent2="accent2" accent3="accent3" accent4="accent4" accent5="accent5" accent6="accent6" hlink="hlink" folHlink="folHlink"/>
   <p:sldLayoutIdLst>
     <p:sldLayoutId id="2147483650" r:id="rId1"/>
-    <p:sldLayoutId id="2147483652" r:id="rId2"/>
-    <p:sldLayoutId id="2147483651" r:id="rId3"/>
-    <p:sldLayoutId id="2147483653" r:id="rId4"/>
+    <p:sldLayoutId id="2147483655" r:id="rId2"/>
+    <p:sldLayoutId id="2147483656" r:id="rId3"/>
+    <p:sldLayoutId id="2147483657" r:id="rId4"/>
+    <p:sldLayoutId id="2147483653" r:id="rId5"/>
+    <p:sldLayoutId id="2147483658" r:id="rId6"/>
   </p:sldLayoutIdLst>
   <p:txStyles>
     <p:titleStyle>
@@ -2048,9 +6274,9 @@
           <a:spcPct val="0"/>
         </a:spcBef>
         <a:buNone/>
-        <a:defRPr sz="3200" b="1" kern="1200">
+        <a:defRPr sz="2400" b="1" kern="1200">
           <a:solidFill>
-            <a:schemeClr val="tx1"/>
+            <a:srgbClr val="002060"/>
           </a:solidFill>
           <a:latin typeface="Arial" panose="020B0604020202020204" pitchFamily="34" charset="0"/>
           <a:ea typeface="+mj-ea"/>
@@ -2318,7 +6544,7 @@
       </a:lvl9pPr>
     </p:otherStyle>
   </p:txStyles>
-  <p:extLst>
+  <p:extLst mod="1">
     <p:ext uri="{27BBF7A9-308A-43DC-89C8-2F10F3537804}">
       <p15:sldGuideLst xmlns:p15="http://schemas.microsoft.com/office/powerpoint/2012/main">
         <p15:guide id="1" orient="horz" pos="2160" userDrawn="1">
